--- a/Animations/Simple animations using powerpoint/learn_animations [Autosaved].pptx
+++ b/Animations/Simple animations using powerpoint/learn_animations [Autosaved].pptx
@@ -16,6 +16,7 @@
     <p:sldId id="265" r:id="rId10"/>
     <p:sldId id="266" r:id="rId11"/>
     <p:sldId id="267" r:id="rId12"/>
+    <p:sldId id="268" r:id="rId13"/>
   </p:sldIdLst>
   <p:sldSz cx="12179300" cy="9134475" type="ledger"/>
   <p:notesSz cx="6858000" cy="9144000"/>
@@ -116,7 +117,18 @@
   </p:defaultTextStyle>
   <p:extLst>
     <p:ext uri="{EFAFB233-063F-42B5-8137-9DF3F51BA10A}">
-      <p15:sldGuideLst xmlns:p15="http://schemas.microsoft.com/office/powerpoint/2012/main"/>
+      <p15:sldGuideLst xmlns:p15="http://schemas.microsoft.com/office/powerpoint/2012/main">
+        <p15:guide id="1" orient="horz" pos="2877" userDrawn="1">
+          <p15:clr>
+            <a:srgbClr val="A4A3A4"/>
+          </p15:clr>
+        </p15:guide>
+        <p15:guide id="2" pos="3836" userDrawn="1">
+          <p15:clr>
+            <a:srgbClr val="A4A3A4"/>
+          </p15:clr>
+        </p15:guide>
+      </p15:sldGuideLst>
     </p:ext>
   </p:extLst>
 </p:presentation>
@@ -253,7 +265,7 @@
           <a:p>
             <a:fld id="{FB92FDD8-7731-4E46-9433-FCBAA3DC8EDF}" type="datetimeFigureOut">
               <a:rPr lang="en-GB" smtClean="0"/>
-              <a:t>12/08/2021</a:t>
+              <a:t>13/08/2021</a:t>
             </a:fld>
             <a:endParaRPr lang="en-GB"/>
           </a:p>
@@ -423,7 +435,7 @@
           <a:p>
             <a:fld id="{FB92FDD8-7731-4E46-9433-FCBAA3DC8EDF}" type="datetimeFigureOut">
               <a:rPr lang="en-GB" smtClean="0"/>
-              <a:t>12/08/2021</a:t>
+              <a:t>13/08/2021</a:t>
             </a:fld>
             <a:endParaRPr lang="en-GB"/>
           </a:p>
@@ -603,7 +615,7 @@
           <a:p>
             <a:fld id="{FB92FDD8-7731-4E46-9433-FCBAA3DC8EDF}" type="datetimeFigureOut">
               <a:rPr lang="en-GB" smtClean="0"/>
-              <a:t>12/08/2021</a:t>
+              <a:t>13/08/2021</a:t>
             </a:fld>
             <a:endParaRPr lang="en-GB"/>
           </a:p>
@@ -773,7 +785,7 @@
           <a:p>
             <a:fld id="{FB92FDD8-7731-4E46-9433-FCBAA3DC8EDF}" type="datetimeFigureOut">
               <a:rPr lang="en-GB" smtClean="0"/>
-              <a:t>12/08/2021</a:t>
+              <a:t>13/08/2021</a:t>
             </a:fld>
             <a:endParaRPr lang="en-GB"/>
           </a:p>
@@ -1017,7 +1029,7 @@
           <a:p>
             <a:fld id="{FB92FDD8-7731-4E46-9433-FCBAA3DC8EDF}" type="datetimeFigureOut">
               <a:rPr lang="en-GB" smtClean="0"/>
-              <a:t>12/08/2021</a:t>
+              <a:t>13/08/2021</a:t>
             </a:fld>
             <a:endParaRPr lang="en-GB"/>
           </a:p>
@@ -1249,7 +1261,7 @@
           <a:p>
             <a:fld id="{FB92FDD8-7731-4E46-9433-FCBAA3DC8EDF}" type="datetimeFigureOut">
               <a:rPr lang="en-GB" smtClean="0"/>
-              <a:t>12/08/2021</a:t>
+              <a:t>13/08/2021</a:t>
             </a:fld>
             <a:endParaRPr lang="en-GB"/>
           </a:p>
@@ -1616,7 +1628,7 @@
           <a:p>
             <a:fld id="{FB92FDD8-7731-4E46-9433-FCBAA3DC8EDF}" type="datetimeFigureOut">
               <a:rPr lang="en-GB" smtClean="0"/>
-              <a:t>12/08/2021</a:t>
+              <a:t>13/08/2021</a:t>
             </a:fld>
             <a:endParaRPr lang="en-GB"/>
           </a:p>
@@ -1734,7 +1746,7 @@
           <a:p>
             <a:fld id="{FB92FDD8-7731-4E46-9433-FCBAA3DC8EDF}" type="datetimeFigureOut">
               <a:rPr lang="en-GB" smtClean="0"/>
-              <a:t>12/08/2021</a:t>
+              <a:t>13/08/2021</a:t>
             </a:fld>
             <a:endParaRPr lang="en-GB"/>
           </a:p>
@@ -1829,7 +1841,7 @@
           <a:p>
             <a:fld id="{FB92FDD8-7731-4E46-9433-FCBAA3DC8EDF}" type="datetimeFigureOut">
               <a:rPr lang="en-GB" smtClean="0"/>
-              <a:t>12/08/2021</a:t>
+              <a:t>13/08/2021</a:t>
             </a:fld>
             <a:endParaRPr lang="en-GB"/>
           </a:p>
@@ -2106,7 +2118,7 @@
           <a:p>
             <a:fld id="{FB92FDD8-7731-4E46-9433-FCBAA3DC8EDF}" type="datetimeFigureOut">
               <a:rPr lang="en-GB" smtClean="0"/>
-              <a:t>12/08/2021</a:t>
+              <a:t>13/08/2021</a:t>
             </a:fld>
             <a:endParaRPr lang="en-GB"/>
           </a:p>
@@ -2363,7 +2375,7 @@
           <a:p>
             <a:fld id="{FB92FDD8-7731-4E46-9433-FCBAA3DC8EDF}" type="datetimeFigureOut">
               <a:rPr lang="en-GB" smtClean="0"/>
-              <a:t>12/08/2021</a:t>
+              <a:t>13/08/2021</a:t>
             </a:fld>
             <a:endParaRPr lang="en-GB"/>
           </a:p>
@@ -2576,7 +2588,7 @@
           <a:p>
             <a:fld id="{FB92FDD8-7731-4E46-9433-FCBAA3DC8EDF}" type="datetimeFigureOut">
               <a:rPr lang="en-GB" smtClean="0"/>
-              <a:t>12/08/2021</a:t>
+              <a:t>13/08/2021</a:t>
             </a:fld>
             <a:endParaRPr lang="en-GB"/>
           </a:p>
@@ -19885,6 +19897,9001 @@
 </p:sld>
 </file>
 
+<file path=ppt/slides/slide12.xml><?xml version="1.0" encoding="utf-8"?>
+<p:sld xmlns:a="http://schemas.openxmlformats.org/drawingml/2006/main" xmlns:r="http://schemas.openxmlformats.org/officeDocument/2006/relationships" xmlns:p="http://schemas.openxmlformats.org/presentationml/2006/main">
+  <p:cSld>
+    <p:spTree>
+      <p:nvGrpSpPr>
+        <p:cNvPr id="1" name=""/>
+        <p:cNvGrpSpPr/>
+        <p:nvPr/>
+      </p:nvGrpSpPr>
+      <p:grpSpPr>
+        <a:xfrm>
+          <a:off x="0" y="0"/>
+          <a:ext cx="0" cy="0"/>
+          <a:chOff x="0" y="0"/>
+          <a:chExt cx="0" cy="0"/>
+        </a:xfrm>
+      </p:grpSpPr>
+      <p:grpSp>
+        <p:nvGrpSpPr>
+          <p:cNvPr id="4" name="s_input">
+            <a:extLst>
+              <a:ext uri="{FF2B5EF4-FFF2-40B4-BE49-F238E27FC236}">
+                <a16:creationId xmlns:a16="http://schemas.microsoft.com/office/drawing/2014/main" id="{B8ECD33F-1D1E-4EB4-B878-4B513F0BE4DC}"/>
+              </a:ext>
+            </a:extLst>
+          </p:cNvPr>
+          <p:cNvGrpSpPr/>
+          <p:nvPr/>
+        </p:nvGrpSpPr>
+        <p:grpSpPr>
+          <a:xfrm rot="16200000">
+            <a:off x="2822565" y="2092313"/>
+            <a:ext cx="1379789" cy="1135065"/>
+            <a:chOff x="6932916" y="1927850"/>
+            <a:chExt cx="1381228" cy="1136249"/>
+          </a:xfrm>
+        </p:grpSpPr>
+        <p:sp>
+          <p:nvSpPr>
+            <p:cNvPr id="5" name="Rectangle 4">
+              <a:extLst>
+                <a:ext uri="{FF2B5EF4-FFF2-40B4-BE49-F238E27FC236}">
+                  <a16:creationId xmlns:a16="http://schemas.microsoft.com/office/drawing/2014/main" id="{0E44AA9D-1932-46D5-A671-A041AEC046E9}"/>
+                </a:ext>
+              </a:extLst>
+            </p:cNvPr>
+            <p:cNvSpPr/>
+            <p:nvPr/>
+          </p:nvSpPr>
+          <p:spPr>
+            <a:xfrm rot="5400000">
+              <a:off x="7528280" y="1924040"/>
+              <a:ext cx="190500" cy="198120"/>
+            </a:xfrm>
+            <a:prstGeom prst="rect">
+              <a:avLst/>
+            </a:prstGeom>
+            <a:solidFill>
+              <a:schemeClr val="accent4">
+                <a:lumMod val="40000"/>
+                <a:lumOff val="60000"/>
+              </a:schemeClr>
+            </a:solidFill>
+            <a:ln w="6350">
+              <a:solidFill>
+                <a:schemeClr val="tx1"/>
+              </a:solidFill>
+            </a:ln>
+          </p:spPr>
+          <p:style>
+            <a:lnRef idx="2">
+              <a:schemeClr val="accent1">
+                <a:shade val="50000"/>
+              </a:schemeClr>
+            </a:lnRef>
+            <a:fillRef idx="1">
+              <a:schemeClr val="accent1"/>
+            </a:fillRef>
+            <a:effectRef idx="0">
+              <a:schemeClr val="accent1"/>
+            </a:effectRef>
+            <a:fontRef idx="minor">
+              <a:schemeClr val="lt1"/>
+            </a:fontRef>
+          </p:style>
+          <p:txBody>
+            <a:bodyPr rtlCol="0" anchor="ctr"/>
+            <a:lstStyle/>
+            <a:p>
+              <a:pPr algn="ctr"/>
+              <a:endParaRPr lang="en-GB" sz="1798" dirty="0"/>
+            </a:p>
+          </p:txBody>
+        </p:sp>
+        <p:sp>
+          <p:nvSpPr>
+            <p:cNvPr id="6" name="Rectangle 5">
+              <a:extLst>
+                <a:ext uri="{FF2B5EF4-FFF2-40B4-BE49-F238E27FC236}">
+                  <a16:creationId xmlns:a16="http://schemas.microsoft.com/office/drawing/2014/main" id="{642BC7C7-2EE4-43BD-9BAB-DAB8278F96CD}"/>
+                </a:ext>
+              </a:extLst>
+            </p:cNvPr>
+            <p:cNvSpPr/>
+            <p:nvPr/>
+          </p:nvSpPr>
+          <p:spPr>
+            <a:xfrm rot="5400000">
+              <a:off x="7528280" y="2114540"/>
+              <a:ext cx="190500" cy="198120"/>
+            </a:xfrm>
+            <a:prstGeom prst="rect">
+              <a:avLst/>
+            </a:prstGeom>
+            <a:solidFill>
+              <a:schemeClr val="accent4">
+                <a:lumMod val="40000"/>
+                <a:lumOff val="60000"/>
+              </a:schemeClr>
+            </a:solidFill>
+            <a:ln w="6350">
+              <a:solidFill>
+                <a:schemeClr val="tx1"/>
+              </a:solidFill>
+            </a:ln>
+          </p:spPr>
+          <p:style>
+            <a:lnRef idx="2">
+              <a:schemeClr val="accent1">
+                <a:shade val="50000"/>
+              </a:schemeClr>
+            </a:lnRef>
+            <a:fillRef idx="1">
+              <a:schemeClr val="accent1"/>
+            </a:fillRef>
+            <a:effectRef idx="0">
+              <a:schemeClr val="accent1"/>
+            </a:effectRef>
+            <a:fontRef idx="minor">
+              <a:schemeClr val="lt1"/>
+            </a:fontRef>
+          </p:style>
+          <p:txBody>
+            <a:bodyPr rtlCol="0" anchor="ctr"/>
+            <a:lstStyle/>
+            <a:p>
+              <a:pPr algn="ctr"/>
+              <a:endParaRPr lang="en-GB" sz="1798"/>
+            </a:p>
+          </p:txBody>
+        </p:sp>
+        <p:sp>
+          <p:nvSpPr>
+            <p:cNvPr id="7" name="Rectangle 6">
+              <a:extLst>
+                <a:ext uri="{FF2B5EF4-FFF2-40B4-BE49-F238E27FC236}">
+                  <a16:creationId xmlns:a16="http://schemas.microsoft.com/office/drawing/2014/main" id="{5C313BBF-25A0-4E79-9BBD-6A0A8D906409}"/>
+                </a:ext>
+              </a:extLst>
+            </p:cNvPr>
+            <p:cNvSpPr/>
+            <p:nvPr/>
+          </p:nvSpPr>
+          <p:spPr>
+            <a:xfrm rot="5400000">
+              <a:off x="7528280" y="2305040"/>
+              <a:ext cx="190500" cy="198120"/>
+            </a:xfrm>
+            <a:prstGeom prst="rect">
+              <a:avLst/>
+            </a:prstGeom>
+            <a:solidFill>
+              <a:schemeClr val="accent4">
+                <a:lumMod val="40000"/>
+                <a:lumOff val="60000"/>
+              </a:schemeClr>
+            </a:solidFill>
+            <a:ln w="6350">
+              <a:solidFill>
+                <a:schemeClr val="tx1"/>
+              </a:solidFill>
+            </a:ln>
+          </p:spPr>
+          <p:style>
+            <a:lnRef idx="2">
+              <a:schemeClr val="accent1">
+                <a:shade val="50000"/>
+              </a:schemeClr>
+            </a:lnRef>
+            <a:fillRef idx="1">
+              <a:schemeClr val="accent1"/>
+            </a:fillRef>
+            <a:effectRef idx="0">
+              <a:schemeClr val="accent1"/>
+            </a:effectRef>
+            <a:fontRef idx="minor">
+              <a:schemeClr val="lt1"/>
+            </a:fontRef>
+          </p:style>
+          <p:txBody>
+            <a:bodyPr rtlCol="0" anchor="ctr"/>
+            <a:lstStyle/>
+            <a:p>
+              <a:pPr algn="ctr"/>
+              <a:endParaRPr lang="en-GB" sz="1798" dirty="0"/>
+            </a:p>
+          </p:txBody>
+        </p:sp>
+        <p:sp>
+          <p:nvSpPr>
+            <p:cNvPr id="8" name="Rectangle 7">
+              <a:extLst>
+                <a:ext uri="{FF2B5EF4-FFF2-40B4-BE49-F238E27FC236}">
+                  <a16:creationId xmlns:a16="http://schemas.microsoft.com/office/drawing/2014/main" id="{FEF19E9E-2718-4B17-AE7B-30BBE1931F42}"/>
+                </a:ext>
+              </a:extLst>
+            </p:cNvPr>
+            <p:cNvSpPr/>
+            <p:nvPr/>
+          </p:nvSpPr>
+          <p:spPr>
+            <a:xfrm rot="5400000">
+              <a:off x="7528280" y="2495540"/>
+              <a:ext cx="190500" cy="198120"/>
+            </a:xfrm>
+            <a:prstGeom prst="rect">
+              <a:avLst/>
+            </a:prstGeom>
+            <a:solidFill>
+              <a:schemeClr val="accent4">
+                <a:lumMod val="40000"/>
+                <a:lumOff val="60000"/>
+              </a:schemeClr>
+            </a:solidFill>
+            <a:ln w="6350">
+              <a:solidFill>
+                <a:schemeClr val="tx1"/>
+              </a:solidFill>
+            </a:ln>
+          </p:spPr>
+          <p:style>
+            <a:lnRef idx="2">
+              <a:schemeClr val="accent1">
+                <a:shade val="50000"/>
+              </a:schemeClr>
+            </a:lnRef>
+            <a:fillRef idx="1">
+              <a:schemeClr val="accent1"/>
+            </a:fillRef>
+            <a:effectRef idx="0">
+              <a:schemeClr val="accent1"/>
+            </a:effectRef>
+            <a:fontRef idx="minor">
+              <a:schemeClr val="lt1"/>
+            </a:fontRef>
+          </p:style>
+          <p:txBody>
+            <a:bodyPr rtlCol="0" anchor="ctr"/>
+            <a:lstStyle/>
+            <a:p>
+              <a:pPr algn="ctr"/>
+              <a:endParaRPr lang="en-GB" sz="1798"/>
+            </a:p>
+          </p:txBody>
+        </p:sp>
+        <p:sp>
+          <p:nvSpPr>
+            <p:cNvPr id="9" name="TextBox 8">
+              <a:extLst>
+                <a:ext uri="{FF2B5EF4-FFF2-40B4-BE49-F238E27FC236}">
+                  <a16:creationId xmlns:a16="http://schemas.microsoft.com/office/drawing/2014/main" id="{652F50DE-6CD9-44FD-A0BB-E64657EC7044}"/>
+                </a:ext>
+              </a:extLst>
+            </p:cNvPr>
+            <p:cNvSpPr txBox="1"/>
+            <p:nvPr/>
+          </p:nvSpPr>
+          <p:spPr>
+            <a:xfrm>
+              <a:off x="6932916" y="2817878"/>
+              <a:ext cx="1381228" cy="246221"/>
+            </a:xfrm>
+            <a:prstGeom prst="rect">
+              <a:avLst/>
+            </a:prstGeom>
+            <a:noFill/>
+          </p:spPr>
+          <p:txBody>
+            <a:bodyPr wrap="square" rtlCol="0">
+              <a:spAutoFit/>
+            </a:bodyPr>
+            <a:lstStyle/>
+            <a:p>
+              <a:pPr algn="ctr"/>
+              <a:r>
+                <a:rPr lang="en-US" sz="999" dirty="0"/>
+                <a:t>s2</a:t>
+              </a:r>
+            </a:p>
+          </p:txBody>
+        </p:sp>
+      </p:grpSp>
+      <p:grpSp>
+        <p:nvGrpSpPr>
+          <p:cNvPr id="21" name="Group 20">
+            <a:extLst>
+              <a:ext uri="{FF2B5EF4-FFF2-40B4-BE49-F238E27FC236}">
+                <a16:creationId xmlns:a16="http://schemas.microsoft.com/office/drawing/2014/main" id="{A23FADBE-2C7C-4841-8ACB-797AFE86B7AD}"/>
+              </a:ext>
+            </a:extLst>
+          </p:cNvPr>
+          <p:cNvGrpSpPr/>
+          <p:nvPr/>
+        </p:nvGrpSpPr>
+        <p:grpSpPr>
+          <a:xfrm>
+            <a:off x="4986078" y="1065407"/>
+            <a:ext cx="2433554" cy="338554"/>
+            <a:chOff x="7876416" y="2095422"/>
+            <a:chExt cx="2433554" cy="338554"/>
+          </a:xfrm>
+        </p:grpSpPr>
+        <p:sp>
+          <p:nvSpPr>
+            <p:cNvPr id="12" name="Rectangle 11">
+              <a:extLst>
+                <a:ext uri="{FF2B5EF4-FFF2-40B4-BE49-F238E27FC236}">
+                  <a16:creationId xmlns:a16="http://schemas.microsoft.com/office/drawing/2014/main" id="{BDE20003-D30C-4AAE-BDAF-0395948D5F91}"/>
+                </a:ext>
+              </a:extLst>
+            </p:cNvPr>
+            <p:cNvSpPr/>
+            <p:nvPr/>
+          </p:nvSpPr>
+          <p:spPr>
+            <a:xfrm rot="10800000">
+              <a:off x="8747359" y="2165742"/>
+              <a:ext cx="290314" cy="197914"/>
+            </a:xfrm>
+            <a:prstGeom prst="rect">
+              <a:avLst/>
+            </a:prstGeom>
+            <a:solidFill>
+              <a:schemeClr val="accent1">
+                <a:lumMod val="60000"/>
+                <a:lumOff val="40000"/>
+              </a:schemeClr>
+            </a:solidFill>
+            <a:ln w="6350">
+              <a:solidFill>
+                <a:schemeClr val="tx1"/>
+              </a:solidFill>
+            </a:ln>
+          </p:spPr>
+          <p:style>
+            <a:lnRef idx="2">
+              <a:schemeClr val="accent1">
+                <a:shade val="50000"/>
+              </a:schemeClr>
+            </a:lnRef>
+            <a:fillRef idx="1">
+              <a:schemeClr val="accent1"/>
+            </a:fillRef>
+            <a:effectRef idx="0">
+              <a:schemeClr val="accent1"/>
+            </a:effectRef>
+            <a:fontRef idx="minor">
+              <a:schemeClr val="lt1"/>
+            </a:fontRef>
+          </p:style>
+          <p:txBody>
+            <a:bodyPr rtlCol="0" anchor="ctr"/>
+            <a:lstStyle/>
+            <a:p>
+              <a:pPr algn="ctr"/>
+              <a:endParaRPr lang="en-GB" sz="1798"/>
+            </a:p>
+          </p:txBody>
+        </p:sp>
+        <p:sp>
+          <p:nvSpPr>
+            <p:cNvPr id="13" name="Rectangle 12">
+              <a:extLst>
+                <a:ext uri="{FF2B5EF4-FFF2-40B4-BE49-F238E27FC236}">
+                  <a16:creationId xmlns:a16="http://schemas.microsoft.com/office/drawing/2014/main" id="{4D29C3A0-EBA8-457B-BD04-8CA71984D949}"/>
+                </a:ext>
+              </a:extLst>
+            </p:cNvPr>
+            <p:cNvSpPr/>
+            <p:nvPr/>
+          </p:nvSpPr>
+          <p:spPr>
+            <a:xfrm rot="10800000">
+              <a:off x="8457045" y="2165742"/>
+              <a:ext cx="290314" cy="197914"/>
+            </a:xfrm>
+            <a:prstGeom prst="rect">
+              <a:avLst/>
+            </a:prstGeom>
+            <a:solidFill>
+              <a:schemeClr val="accent1">
+                <a:lumMod val="60000"/>
+                <a:lumOff val="40000"/>
+              </a:schemeClr>
+            </a:solidFill>
+            <a:ln w="6350">
+              <a:solidFill>
+                <a:schemeClr val="tx1"/>
+              </a:solidFill>
+            </a:ln>
+          </p:spPr>
+          <p:style>
+            <a:lnRef idx="2">
+              <a:schemeClr val="accent1">
+                <a:shade val="50000"/>
+              </a:schemeClr>
+            </a:lnRef>
+            <a:fillRef idx="1">
+              <a:schemeClr val="accent1"/>
+            </a:fillRef>
+            <a:effectRef idx="0">
+              <a:schemeClr val="accent1"/>
+            </a:effectRef>
+            <a:fontRef idx="minor">
+              <a:schemeClr val="lt1"/>
+            </a:fontRef>
+          </p:style>
+          <p:txBody>
+            <a:bodyPr rtlCol="0" anchor="ctr"/>
+            <a:lstStyle/>
+            <a:p>
+              <a:pPr algn="ctr"/>
+              <a:endParaRPr lang="en-GB" sz="1798"/>
+            </a:p>
+          </p:txBody>
+        </p:sp>
+        <p:sp>
+          <p:nvSpPr>
+            <p:cNvPr id="14" name="Rectangle 13">
+              <a:extLst>
+                <a:ext uri="{FF2B5EF4-FFF2-40B4-BE49-F238E27FC236}">
+                  <a16:creationId xmlns:a16="http://schemas.microsoft.com/office/drawing/2014/main" id="{FE2F6E27-1705-497D-9D85-8D5B91DD248C}"/>
+                </a:ext>
+              </a:extLst>
+            </p:cNvPr>
+            <p:cNvSpPr/>
+            <p:nvPr/>
+          </p:nvSpPr>
+          <p:spPr>
+            <a:xfrm rot="10800000">
+              <a:off x="8166730" y="2165742"/>
+              <a:ext cx="290314" cy="197914"/>
+            </a:xfrm>
+            <a:prstGeom prst="rect">
+              <a:avLst/>
+            </a:prstGeom>
+            <a:solidFill>
+              <a:schemeClr val="accent1">
+                <a:lumMod val="60000"/>
+                <a:lumOff val="40000"/>
+              </a:schemeClr>
+            </a:solidFill>
+            <a:ln w="6350">
+              <a:solidFill>
+                <a:schemeClr val="tx1"/>
+              </a:solidFill>
+            </a:ln>
+          </p:spPr>
+          <p:style>
+            <a:lnRef idx="2">
+              <a:schemeClr val="accent1">
+                <a:shade val="50000"/>
+              </a:schemeClr>
+            </a:lnRef>
+            <a:fillRef idx="1">
+              <a:schemeClr val="accent1"/>
+            </a:fillRef>
+            <a:effectRef idx="0">
+              <a:schemeClr val="accent1"/>
+            </a:effectRef>
+            <a:fontRef idx="minor">
+              <a:schemeClr val="lt1"/>
+            </a:fontRef>
+          </p:style>
+          <p:txBody>
+            <a:bodyPr rtlCol="0" anchor="ctr"/>
+            <a:lstStyle/>
+            <a:p>
+              <a:pPr algn="ctr"/>
+              <a:endParaRPr lang="en-GB" sz="1798" dirty="0"/>
+            </a:p>
+          </p:txBody>
+        </p:sp>
+        <p:sp>
+          <p:nvSpPr>
+            <p:cNvPr id="15" name="Rectangle 14">
+              <a:extLst>
+                <a:ext uri="{FF2B5EF4-FFF2-40B4-BE49-F238E27FC236}">
+                  <a16:creationId xmlns:a16="http://schemas.microsoft.com/office/drawing/2014/main" id="{F5A72125-424F-4492-93BB-831825711130}"/>
+                </a:ext>
+              </a:extLst>
+            </p:cNvPr>
+            <p:cNvSpPr/>
+            <p:nvPr/>
+          </p:nvSpPr>
+          <p:spPr>
+            <a:xfrm rot="10800000">
+              <a:off x="7876416" y="2165742"/>
+              <a:ext cx="290314" cy="197914"/>
+            </a:xfrm>
+            <a:prstGeom prst="rect">
+              <a:avLst/>
+            </a:prstGeom>
+            <a:solidFill>
+              <a:schemeClr val="accent1">
+                <a:lumMod val="60000"/>
+                <a:lumOff val="40000"/>
+              </a:schemeClr>
+            </a:solidFill>
+            <a:ln w="6350">
+              <a:solidFill>
+                <a:schemeClr val="tx1"/>
+              </a:solidFill>
+            </a:ln>
+          </p:spPr>
+          <p:style>
+            <a:lnRef idx="2">
+              <a:schemeClr val="accent1">
+                <a:shade val="50000"/>
+              </a:schemeClr>
+            </a:lnRef>
+            <a:fillRef idx="1">
+              <a:schemeClr val="accent1"/>
+            </a:fillRef>
+            <a:effectRef idx="0">
+              <a:schemeClr val="accent1"/>
+            </a:effectRef>
+            <a:fontRef idx="minor">
+              <a:schemeClr val="lt1"/>
+            </a:fontRef>
+          </p:style>
+          <p:txBody>
+            <a:bodyPr rtlCol="0" anchor="ctr"/>
+            <a:lstStyle/>
+            <a:p>
+              <a:pPr algn="ctr"/>
+              <a:endParaRPr lang="en-GB" sz="1798"/>
+            </a:p>
+          </p:txBody>
+        </p:sp>
+        <p:sp>
+          <p:nvSpPr>
+            <p:cNvPr id="20" name="TextBox 19">
+              <a:extLst>
+                <a:ext uri="{FF2B5EF4-FFF2-40B4-BE49-F238E27FC236}">
+                  <a16:creationId xmlns:a16="http://schemas.microsoft.com/office/drawing/2014/main" id="{3C3019D0-54D0-401C-B381-13CB12B80543}"/>
+                </a:ext>
+              </a:extLst>
+            </p:cNvPr>
+            <p:cNvSpPr txBox="1"/>
+            <p:nvPr/>
+          </p:nvSpPr>
+          <p:spPr>
+            <a:xfrm>
+              <a:off x="9143322" y="2095422"/>
+              <a:ext cx="1166648" cy="338554"/>
+            </a:xfrm>
+            <a:prstGeom prst="rect">
+              <a:avLst/>
+            </a:prstGeom>
+            <a:noFill/>
+          </p:spPr>
+          <p:txBody>
+            <a:bodyPr wrap="square" rtlCol="0">
+              <a:spAutoFit/>
+            </a:bodyPr>
+            <a:lstStyle/>
+            <a:p>
+              <a:r>
+                <a:rPr lang="en-US" sz="1600" dirty="0"/>
+                <a:t>La</a:t>
+              </a:r>
+              <a:endParaRPr lang="en-GB" dirty="0"/>
+            </a:p>
+          </p:txBody>
+        </p:sp>
+      </p:grpSp>
+      <p:grpSp>
+        <p:nvGrpSpPr>
+          <p:cNvPr id="22" name="Group 21">
+            <a:extLst>
+              <a:ext uri="{FF2B5EF4-FFF2-40B4-BE49-F238E27FC236}">
+                <a16:creationId xmlns:a16="http://schemas.microsoft.com/office/drawing/2014/main" id="{5E62ACE0-D937-40D9-A514-EBCB5B1AC775}"/>
+              </a:ext>
+            </a:extLst>
+          </p:cNvPr>
+          <p:cNvGrpSpPr/>
+          <p:nvPr/>
+        </p:nvGrpSpPr>
+        <p:grpSpPr>
+          <a:xfrm>
+            <a:off x="4986078" y="1784106"/>
+            <a:ext cx="2433554" cy="338554"/>
+            <a:chOff x="7876416" y="2095422"/>
+            <a:chExt cx="2433554" cy="338554"/>
+          </a:xfrm>
+        </p:grpSpPr>
+        <p:sp>
+          <p:nvSpPr>
+            <p:cNvPr id="23" name="Rectangle 22">
+              <a:extLst>
+                <a:ext uri="{FF2B5EF4-FFF2-40B4-BE49-F238E27FC236}">
+                  <a16:creationId xmlns:a16="http://schemas.microsoft.com/office/drawing/2014/main" id="{0B4F5792-B972-444A-A430-F0D7E41982BC}"/>
+                </a:ext>
+              </a:extLst>
+            </p:cNvPr>
+            <p:cNvSpPr/>
+            <p:nvPr/>
+          </p:nvSpPr>
+          <p:spPr>
+            <a:xfrm rot="10800000">
+              <a:off x="8747359" y="2165742"/>
+              <a:ext cx="290314" cy="197914"/>
+            </a:xfrm>
+            <a:prstGeom prst="rect">
+              <a:avLst/>
+            </a:prstGeom>
+            <a:solidFill>
+              <a:schemeClr val="accent1">
+                <a:lumMod val="60000"/>
+                <a:lumOff val="40000"/>
+              </a:schemeClr>
+            </a:solidFill>
+            <a:ln w="6350">
+              <a:solidFill>
+                <a:schemeClr val="tx1"/>
+              </a:solidFill>
+            </a:ln>
+          </p:spPr>
+          <p:style>
+            <a:lnRef idx="2">
+              <a:schemeClr val="accent1">
+                <a:shade val="50000"/>
+              </a:schemeClr>
+            </a:lnRef>
+            <a:fillRef idx="1">
+              <a:schemeClr val="accent1"/>
+            </a:fillRef>
+            <a:effectRef idx="0">
+              <a:schemeClr val="accent1"/>
+            </a:effectRef>
+            <a:fontRef idx="minor">
+              <a:schemeClr val="lt1"/>
+            </a:fontRef>
+          </p:style>
+          <p:txBody>
+            <a:bodyPr rtlCol="0" anchor="ctr"/>
+            <a:lstStyle/>
+            <a:p>
+              <a:pPr algn="ctr"/>
+              <a:endParaRPr lang="en-GB" sz="1798"/>
+            </a:p>
+          </p:txBody>
+        </p:sp>
+        <p:sp>
+          <p:nvSpPr>
+            <p:cNvPr id="24" name="Rectangle 23">
+              <a:extLst>
+                <a:ext uri="{FF2B5EF4-FFF2-40B4-BE49-F238E27FC236}">
+                  <a16:creationId xmlns:a16="http://schemas.microsoft.com/office/drawing/2014/main" id="{B7FA5315-6B96-46F6-9206-53FC20C84BE6}"/>
+                </a:ext>
+              </a:extLst>
+            </p:cNvPr>
+            <p:cNvSpPr/>
+            <p:nvPr/>
+          </p:nvSpPr>
+          <p:spPr>
+            <a:xfrm rot="10800000">
+              <a:off x="8457045" y="2165742"/>
+              <a:ext cx="290314" cy="197914"/>
+            </a:xfrm>
+            <a:prstGeom prst="rect">
+              <a:avLst/>
+            </a:prstGeom>
+            <a:solidFill>
+              <a:schemeClr val="accent1">
+                <a:lumMod val="60000"/>
+                <a:lumOff val="40000"/>
+              </a:schemeClr>
+            </a:solidFill>
+            <a:ln w="6350">
+              <a:solidFill>
+                <a:schemeClr val="tx1"/>
+              </a:solidFill>
+            </a:ln>
+          </p:spPr>
+          <p:style>
+            <a:lnRef idx="2">
+              <a:schemeClr val="accent1">
+                <a:shade val="50000"/>
+              </a:schemeClr>
+            </a:lnRef>
+            <a:fillRef idx="1">
+              <a:schemeClr val="accent1"/>
+            </a:fillRef>
+            <a:effectRef idx="0">
+              <a:schemeClr val="accent1"/>
+            </a:effectRef>
+            <a:fontRef idx="minor">
+              <a:schemeClr val="lt1"/>
+            </a:fontRef>
+          </p:style>
+          <p:txBody>
+            <a:bodyPr rtlCol="0" anchor="ctr"/>
+            <a:lstStyle/>
+            <a:p>
+              <a:pPr algn="ctr"/>
+              <a:endParaRPr lang="en-GB" sz="1798"/>
+            </a:p>
+          </p:txBody>
+        </p:sp>
+        <p:sp>
+          <p:nvSpPr>
+            <p:cNvPr id="25" name="Rectangle 24">
+              <a:extLst>
+                <a:ext uri="{FF2B5EF4-FFF2-40B4-BE49-F238E27FC236}">
+                  <a16:creationId xmlns:a16="http://schemas.microsoft.com/office/drawing/2014/main" id="{A7F4990C-C0FD-4E8E-9CDC-822924BEFC7A}"/>
+                </a:ext>
+              </a:extLst>
+            </p:cNvPr>
+            <p:cNvSpPr/>
+            <p:nvPr/>
+          </p:nvSpPr>
+          <p:spPr>
+            <a:xfrm rot="10800000">
+              <a:off x="8166730" y="2165742"/>
+              <a:ext cx="290314" cy="197914"/>
+            </a:xfrm>
+            <a:prstGeom prst="rect">
+              <a:avLst/>
+            </a:prstGeom>
+            <a:solidFill>
+              <a:schemeClr val="accent1">
+                <a:lumMod val="60000"/>
+                <a:lumOff val="40000"/>
+              </a:schemeClr>
+            </a:solidFill>
+            <a:ln w="6350">
+              <a:solidFill>
+                <a:schemeClr val="tx1"/>
+              </a:solidFill>
+            </a:ln>
+          </p:spPr>
+          <p:style>
+            <a:lnRef idx="2">
+              <a:schemeClr val="accent1">
+                <a:shade val="50000"/>
+              </a:schemeClr>
+            </a:lnRef>
+            <a:fillRef idx="1">
+              <a:schemeClr val="accent1"/>
+            </a:fillRef>
+            <a:effectRef idx="0">
+              <a:schemeClr val="accent1"/>
+            </a:effectRef>
+            <a:fontRef idx="minor">
+              <a:schemeClr val="lt1"/>
+            </a:fontRef>
+          </p:style>
+          <p:txBody>
+            <a:bodyPr rtlCol="0" anchor="ctr"/>
+            <a:lstStyle/>
+            <a:p>
+              <a:pPr algn="ctr"/>
+              <a:endParaRPr lang="en-GB" sz="1798" dirty="0"/>
+            </a:p>
+          </p:txBody>
+        </p:sp>
+        <p:sp>
+          <p:nvSpPr>
+            <p:cNvPr id="26" name="Rectangle 25">
+              <a:extLst>
+                <a:ext uri="{FF2B5EF4-FFF2-40B4-BE49-F238E27FC236}">
+                  <a16:creationId xmlns:a16="http://schemas.microsoft.com/office/drawing/2014/main" id="{3A1D682D-8908-4AF1-AE6D-46648C04FCC9}"/>
+                </a:ext>
+              </a:extLst>
+            </p:cNvPr>
+            <p:cNvSpPr/>
+            <p:nvPr/>
+          </p:nvSpPr>
+          <p:spPr>
+            <a:xfrm rot="10800000">
+              <a:off x="7876416" y="2165742"/>
+              <a:ext cx="290314" cy="197914"/>
+            </a:xfrm>
+            <a:prstGeom prst="rect">
+              <a:avLst/>
+            </a:prstGeom>
+            <a:solidFill>
+              <a:schemeClr val="accent1">
+                <a:lumMod val="60000"/>
+                <a:lumOff val="40000"/>
+              </a:schemeClr>
+            </a:solidFill>
+            <a:ln w="6350">
+              <a:solidFill>
+                <a:schemeClr val="tx1"/>
+              </a:solidFill>
+            </a:ln>
+          </p:spPr>
+          <p:style>
+            <a:lnRef idx="2">
+              <a:schemeClr val="accent1">
+                <a:shade val="50000"/>
+              </a:schemeClr>
+            </a:lnRef>
+            <a:fillRef idx="1">
+              <a:schemeClr val="accent1"/>
+            </a:fillRef>
+            <a:effectRef idx="0">
+              <a:schemeClr val="accent1"/>
+            </a:effectRef>
+            <a:fontRef idx="minor">
+              <a:schemeClr val="lt1"/>
+            </a:fontRef>
+          </p:style>
+          <p:txBody>
+            <a:bodyPr rtlCol="0" anchor="ctr"/>
+            <a:lstStyle/>
+            <a:p>
+              <a:pPr algn="ctr"/>
+              <a:endParaRPr lang="en-GB" sz="1798"/>
+            </a:p>
+          </p:txBody>
+        </p:sp>
+        <p:sp>
+          <p:nvSpPr>
+            <p:cNvPr id="27" name="TextBox 26">
+              <a:extLst>
+                <a:ext uri="{FF2B5EF4-FFF2-40B4-BE49-F238E27FC236}">
+                  <a16:creationId xmlns:a16="http://schemas.microsoft.com/office/drawing/2014/main" id="{657A158B-AD8D-4668-8450-FBC705C87C2A}"/>
+                </a:ext>
+              </a:extLst>
+            </p:cNvPr>
+            <p:cNvSpPr txBox="1"/>
+            <p:nvPr/>
+          </p:nvSpPr>
+          <p:spPr>
+            <a:xfrm>
+              <a:off x="9143322" y="2095422"/>
+              <a:ext cx="1166648" cy="338554"/>
+            </a:xfrm>
+            <a:prstGeom prst="rect">
+              <a:avLst/>
+            </a:prstGeom>
+            <a:noFill/>
+          </p:spPr>
+          <p:txBody>
+            <a:bodyPr wrap="square" rtlCol="0">
+              <a:spAutoFit/>
+            </a:bodyPr>
+            <a:lstStyle/>
+            <a:p>
+              <a:r>
+                <a:rPr lang="en-US" sz="1600" dirty="0" err="1"/>
+                <a:t>croissance</a:t>
+              </a:r>
+              <a:endParaRPr lang="en-GB" dirty="0"/>
+            </a:p>
+          </p:txBody>
+        </p:sp>
+      </p:grpSp>
+      <p:grpSp>
+        <p:nvGrpSpPr>
+          <p:cNvPr id="38" name="Group 37">
+            <a:extLst>
+              <a:ext uri="{FF2B5EF4-FFF2-40B4-BE49-F238E27FC236}">
+                <a16:creationId xmlns:a16="http://schemas.microsoft.com/office/drawing/2014/main" id="{3E6ACFCA-C6C0-4314-8DAF-550658EB4245}"/>
+              </a:ext>
+            </a:extLst>
+          </p:cNvPr>
+          <p:cNvGrpSpPr/>
+          <p:nvPr/>
+        </p:nvGrpSpPr>
+        <p:grpSpPr>
+          <a:xfrm>
+            <a:off x="4986078" y="3230199"/>
+            <a:ext cx="2433554" cy="338554"/>
+            <a:chOff x="7876416" y="2095422"/>
+            <a:chExt cx="2433554" cy="338554"/>
+          </a:xfrm>
+        </p:grpSpPr>
+        <p:sp>
+          <p:nvSpPr>
+            <p:cNvPr id="39" name="Rectangle 38">
+              <a:extLst>
+                <a:ext uri="{FF2B5EF4-FFF2-40B4-BE49-F238E27FC236}">
+                  <a16:creationId xmlns:a16="http://schemas.microsoft.com/office/drawing/2014/main" id="{29E3CD3D-18F0-405B-9551-67E64C135F1F}"/>
+                </a:ext>
+              </a:extLst>
+            </p:cNvPr>
+            <p:cNvSpPr/>
+            <p:nvPr/>
+          </p:nvSpPr>
+          <p:spPr>
+            <a:xfrm rot="10800000">
+              <a:off x="8747359" y="2165742"/>
+              <a:ext cx="290314" cy="197914"/>
+            </a:xfrm>
+            <a:prstGeom prst="rect">
+              <a:avLst/>
+            </a:prstGeom>
+            <a:solidFill>
+              <a:schemeClr val="accent1">
+                <a:lumMod val="60000"/>
+                <a:lumOff val="40000"/>
+              </a:schemeClr>
+            </a:solidFill>
+            <a:ln w="6350">
+              <a:solidFill>
+                <a:schemeClr val="tx1"/>
+              </a:solidFill>
+            </a:ln>
+          </p:spPr>
+          <p:style>
+            <a:lnRef idx="2">
+              <a:schemeClr val="accent1">
+                <a:shade val="50000"/>
+              </a:schemeClr>
+            </a:lnRef>
+            <a:fillRef idx="1">
+              <a:schemeClr val="accent1"/>
+            </a:fillRef>
+            <a:effectRef idx="0">
+              <a:schemeClr val="accent1"/>
+            </a:effectRef>
+            <a:fontRef idx="minor">
+              <a:schemeClr val="lt1"/>
+            </a:fontRef>
+          </p:style>
+          <p:txBody>
+            <a:bodyPr rtlCol="0" anchor="ctr"/>
+            <a:lstStyle/>
+            <a:p>
+              <a:pPr algn="ctr"/>
+              <a:endParaRPr lang="en-GB" sz="1798"/>
+            </a:p>
+          </p:txBody>
+        </p:sp>
+        <p:sp>
+          <p:nvSpPr>
+            <p:cNvPr id="40" name="Rectangle 39">
+              <a:extLst>
+                <a:ext uri="{FF2B5EF4-FFF2-40B4-BE49-F238E27FC236}">
+                  <a16:creationId xmlns:a16="http://schemas.microsoft.com/office/drawing/2014/main" id="{24DA367F-8DD1-4175-ADAF-A0859CD1A3EC}"/>
+                </a:ext>
+              </a:extLst>
+            </p:cNvPr>
+            <p:cNvSpPr/>
+            <p:nvPr/>
+          </p:nvSpPr>
+          <p:spPr>
+            <a:xfrm rot="10800000">
+              <a:off x="8457045" y="2165742"/>
+              <a:ext cx="290314" cy="197914"/>
+            </a:xfrm>
+            <a:prstGeom prst="rect">
+              <a:avLst/>
+            </a:prstGeom>
+            <a:solidFill>
+              <a:schemeClr val="accent1">
+                <a:lumMod val="60000"/>
+                <a:lumOff val="40000"/>
+              </a:schemeClr>
+            </a:solidFill>
+            <a:ln w="6350">
+              <a:solidFill>
+                <a:schemeClr val="tx1"/>
+              </a:solidFill>
+            </a:ln>
+          </p:spPr>
+          <p:style>
+            <a:lnRef idx="2">
+              <a:schemeClr val="accent1">
+                <a:shade val="50000"/>
+              </a:schemeClr>
+            </a:lnRef>
+            <a:fillRef idx="1">
+              <a:schemeClr val="accent1"/>
+            </a:fillRef>
+            <a:effectRef idx="0">
+              <a:schemeClr val="accent1"/>
+            </a:effectRef>
+            <a:fontRef idx="minor">
+              <a:schemeClr val="lt1"/>
+            </a:fontRef>
+          </p:style>
+          <p:txBody>
+            <a:bodyPr rtlCol="0" anchor="ctr"/>
+            <a:lstStyle/>
+            <a:p>
+              <a:pPr algn="ctr"/>
+              <a:endParaRPr lang="en-GB" sz="1798"/>
+            </a:p>
+          </p:txBody>
+        </p:sp>
+        <p:sp>
+          <p:nvSpPr>
+            <p:cNvPr id="41" name="Rectangle 40">
+              <a:extLst>
+                <a:ext uri="{FF2B5EF4-FFF2-40B4-BE49-F238E27FC236}">
+                  <a16:creationId xmlns:a16="http://schemas.microsoft.com/office/drawing/2014/main" id="{03C63CA1-FD79-43D4-B214-76ABD7BD8423}"/>
+                </a:ext>
+              </a:extLst>
+            </p:cNvPr>
+            <p:cNvSpPr/>
+            <p:nvPr/>
+          </p:nvSpPr>
+          <p:spPr>
+            <a:xfrm rot="10800000">
+              <a:off x="8166730" y="2165742"/>
+              <a:ext cx="290314" cy="197914"/>
+            </a:xfrm>
+            <a:prstGeom prst="rect">
+              <a:avLst/>
+            </a:prstGeom>
+            <a:solidFill>
+              <a:schemeClr val="accent1">
+                <a:lumMod val="60000"/>
+                <a:lumOff val="40000"/>
+              </a:schemeClr>
+            </a:solidFill>
+            <a:ln w="6350">
+              <a:solidFill>
+                <a:schemeClr val="tx1"/>
+              </a:solidFill>
+            </a:ln>
+          </p:spPr>
+          <p:style>
+            <a:lnRef idx="2">
+              <a:schemeClr val="accent1">
+                <a:shade val="50000"/>
+              </a:schemeClr>
+            </a:lnRef>
+            <a:fillRef idx="1">
+              <a:schemeClr val="accent1"/>
+            </a:fillRef>
+            <a:effectRef idx="0">
+              <a:schemeClr val="accent1"/>
+            </a:effectRef>
+            <a:fontRef idx="minor">
+              <a:schemeClr val="lt1"/>
+            </a:fontRef>
+          </p:style>
+          <p:txBody>
+            <a:bodyPr rtlCol="0" anchor="ctr"/>
+            <a:lstStyle/>
+            <a:p>
+              <a:pPr algn="ctr"/>
+              <a:endParaRPr lang="en-GB" sz="1798" dirty="0"/>
+            </a:p>
+          </p:txBody>
+        </p:sp>
+        <p:sp>
+          <p:nvSpPr>
+            <p:cNvPr id="42" name="Rectangle 41">
+              <a:extLst>
+                <a:ext uri="{FF2B5EF4-FFF2-40B4-BE49-F238E27FC236}">
+                  <a16:creationId xmlns:a16="http://schemas.microsoft.com/office/drawing/2014/main" id="{FB851950-EB16-4D2A-874E-9E19B581C06A}"/>
+                </a:ext>
+              </a:extLst>
+            </p:cNvPr>
+            <p:cNvSpPr/>
+            <p:nvPr/>
+          </p:nvSpPr>
+          <p:spPr>
+            <a:xfrm rot="10800000">
+              <a:off x="7876416" y="2165742"/>
+              <a:ext cx="290314" cy="197914"/>
+            </a:xfrm>
+            <a:prstGeom prst="rect">
+              <a:avLst/>
+            </a:prstGeom>
+            <a:solidFill>
+              <a:schemeClr val="accent1">
+                <a:lumMod val="60000"/>
+                <a:lumOff val="40000"/>
+              </a:schemeClr>
+            </a:solidFill>
+            <a:ln w="6350">
+              <a:solidFill>
+                <a:schemeClr val="tx1"/>
+              </a:solidFill>
+            </a:ln>
+          </p:spPr>
+          <p:style>
+            <a:lnRef idx="2">
+              <a:schemeClr val="accent1">
+                <a:shade val="50000"/>
+              </a:schemeClr>
+            </a:lnRef>
+            <a:fillRef idx="1">
+              <a:schemeClr val="accent1"/>
+            </a:fillRef>
+            <a:effectRef idx="0">
+              <a:schemeClr val="accent1"/>
+            </a:effectRef>
+            <a:fontRef idx="minor">
+              <a:schemeClr val="lt1"/>
+            </a:fontRef>
+          </p:style>
+          <p:txBody>
+            <a:bodyPr rtlCol="0" anchor="ctr"/>
+            <a:lstStyle/>
+            <a:p>
+              <a:pPr algn="ctr"/>
+              <a:endParaRPr lang="en-GB" sz="1798"/>
+            </a:p>
+          </p:txBody>
+        </p:sp>
+        <p:sp>
+          <p:nvSpPr>
+            <p:cNvPr id="43" name="TextBox 42">
+              <a:extLst>
+                <a:ext uri="{FF2B5EF4-FFF2-40B4-BE49-F238E27FC236}">
+                  <a16:creationId xmlns:a16="http://schemas.microsoft.com/office/drawing/2014/main" id="{80143691-D8D5-4B17-BBC0-EEAABEFEA082}"/>
+                </a:ext>
+              </a:extLst>
+            </p:cNvPr>
+            <p:cNvSpPr txBox="1"/>
+            <p:nvPr/>
+          </p:nvSpPr>
+          <p:spPr>
+            <a:xfrm>
+              <a:off x="9143322" y="2095422"/>
+              <a:ext cx="1166648" cy="338554"/>
+            </a:xfrm>
+            <a:prstGeom prst="rect">
+              <a:avLst/>
+            </a:prstGeom>
+            <a:noFill/>
+          </p:spPr>
+          <p:txBody>
+            <a:bodyPr wrap="square" rtlCol="0">
+              <a:spAutoFit/>
+            </a:bodyPr>
+            <a:lstStyle/>
+            <a:p>
+              <a:r>
+                <a:rPr lang="fr-FR" altLang="en-US" sz="1600" dirty="0">
+                  <a:solidFill>
+                    <a:srgbClr val="202124"/>
+                  </a:solidFill>
+                  <a:latin typeface="inherit"/>
+                </a:rPr>
+                <a:t>s’est</a:t>
+              </a:r>
+              <a:endParaRPr lang="en-GB" dirty="0"/>
+            </a:p>
+          </p:txBody>
+        </p:sp>
+      </p:grpSp>
+      <p:grpSp>
+        <p:nvGrpSpPr>
+          <p:cNvPr id="46" name="Group 45">
+            <a:extLst>
+              <a:ext uri="{FF2B5EF4-FFF2-40B4-BE49-F238E27FC236}">
+                <a16:creationId xmlns:a16="http://schemas.microsoft.com/office/drawing/2014/main" id="{204F704B-AD3C-4006-84DD-A214C2DDB310}"/>
+              </a:ext>
+            </a:extLst>
+          </p:cNvPr>
+          <p:cNvGrpSpPr/>
+          <p:nvPr/>
+        </p:nvGrpSpPr>
+        <p:grpSpPr>
+          <a:xfrm>
+            <a:off x="4980090" y="2500264"/>
+            <a:ext cx="2433554" cy="307777"/>
+            <a:chOff x="7876416" y="2095422"/>
+            <a:chExt cx="2433554" cy="307777"/>
+          </a:xfrm>
+        </p:grpSpPr>
+        <p:sp>
+          <p:nvSpPr>
+            <p:cNvPr id="47" name="Rectangle 46">
+              <a:extLst>
+                <a:ext uri="{FF2B5EF4-FFF2-40B4-BE49-F238E27FC236}">
+                  <a16:creationId xmlns:a16="http://schemas.microsoft.com/office/drawing/2014/main" id="{E2DDEB6E-248B-4612-A0DA-50D4694E813B}"/>
+                </a:ext>
+              </a:extLst>
+            </p:cNvPr>
+            <p:cNvSpPr/>
+            <p:nvPr/>
+          </p:nvSpPr>
+          <p:spPr>
+            <a:xfrm rot="10800000">
+              <a:off x="8747359" y="2165742"/>
+              <a:ext cx="290314" cy="197914"/>
+            </a:xfrm>
+            <a:prstGeom prst="rect">
+              <a:avLst/>
+            </a:prstGeom>
+            <a:solidFill>
+              <a:schemeClr val="accent1">
+                <a:lumMod val="60000"/>
+                <a:lumOff val="40000"/>
+              </a:schemeClr>
+            </a:solidFill>
+            <a:ln w="6350">
+              <a:solidFill>
+                <a:schemeClr val="tx1"/>
+              </a:solidFill>
+            </a:ln>
+          </p:spPr>
+          <p:style>
+            <a:lnRef idx="2">
+              <a:schemeClr val="accent1">
+                <a:shade val="50000"/>
+              </a:schemeClr>
+            </a:lnRef>
+            <a:fillRef idx="1">
+              <a:schemeClr val="accent1"/>
+            </a:fillRef>
+            <a:effectRef idx="0">
+              <a:schemeClr val="accent1"/>
+            </a:effectRef>
+            <a:fontRef idx="minor">
+              <a:schemeClr val="lt1"/>
+            </a:fontRef>
+          </p:style>
+          <p:txBody>
+            <a:bodyPr rtlCol="0" anchor="ctr"/>
+            <a:lstStyle/>
+            <a:p>
+              <a:pPr algn="ctr"/>
+              <a:endParaRPr lang="en-GB" sz="1798"/>
+            </a:p>
+          </p:txBody>
+        </p:sp>
+        <p:sp>
+          <p:nvSpPr>
+            <p:cNvPr id="48" name="Rectangle 47">
+              <a:extLst>
+                <a:ext uri="{FF2B5EF4-FFF2-40B4-BE49-F238E27FC236}">
+                  <a16:creationId xmlns:a16="http://schemas.microsoft.com/office/drawing/2014/main" id="{573644CD-AAD8-42CF-9AB4-06590DB37C18}"/>
+                </a:ext>
+              </a:extLst>
+            </p:cNvPr>
+            <p:cNvSpPr/>
+            <p:nvPr/>
+          </p:nvSpPr>
+          <p:spPr>
+            <a:xfrm rot="10800000">
+              <a:off x="8457045" y="2165742"/>
+              <a:ext cx="290314" cy="197914"/>
+            </a:xfrm>
+            <a:prstGeom prst="rect">
+              <a:avLst/>
+            </a:prstGeom>
+            <a:solidFill>
+              <a:schemeClr val="accent1">
+                <a:lumMod val="60000"/>
+                <a:lumOff val="40000"/>
+              </a:schemeClr>
+            </a:solidFill>
+            <a:ln w="6350">
+              <a:solidFill>
+                <a:schemeClr val="tx1"/>
+              </a:solidFill>
+            </a:ln>
+          </p:spPr>
+          <p:style>
+            <a:lnRef idx="2">
+              <a:schemeClr val="accent1">
+                <a:shade val="50000"/>
+              </a:schemeClr>
+            </a:lnRef>
+            <a:fillRef idx="1">
+              <a:schemeClr val="accent1"/>
+            </a:fillRef>
+            <a:effectRef idx="0">
+              <a:schemeClr val="accent1"/>
+            </a:effectRef>
+            <a:fontRef idx="minor">
+              <a:schemeClr val="lt1"/>
+            </a:fontRef>
+          </p:style>
+          <p:txBody>
+            <a:bodyPr rtlCol="0" anchor="ctr"/>
+            <a:lstStyle/>
+            <a:p>
+              <a:pPr algn="ctr"/>
+              <a:endParaRPr lang="en-GB" sz="1798"/>
+            </a:p>
+          </p:txBody>
+        </p:sp>
+        <p:sp>
+          <p:nvSpPr>
+            <p:cNvPr id="49" name="Rectangle 48">
+              <a:extLst>
+                <a:ext uri="{FF2B5EF4-FFF2-40B4-BE49-F238E27FC236}">
+                  <a16:creationId xmlns:a16="http://schemas.microsoft.com/office/drawing/2014/main" id="{D6E742C5-EDA8-4A70-9D72-9C5FD4A67420}"/>
+                </a:ext>
+              </a:extLst>
+            </p:cNvPr>
+            <p:cNvSpPr/>
+            <p:nvPr/>
+          </p:nvSpPr>
+          <p:spPr>
+            <a:xfrm rot="10800000">
+              <a:off x="8166730" y="2165742"/>
+              <a:ext cx="290314" cy="197914"/>
+            </a:xfrm>
+            <a:prstGeom prst="rect">
+              <a:avLst/>
+            </a:prstGeom>
+            <a:solidFill>
+              <a:schemeClr val="accent1">
+                <a:lumMod val="60000"/>
+                <a:lumOff val="40000"/>
+              </a:schemeClr>
+            </a:solidFill>
+            <a:ln w="6350">
+              <a:solidFill>
+                <a:schemeClr val="tx1"/>
+              </a:solidFill>
+            </a:ln>
+          </p:spPr>
+          <p:style>
+            <a:lnRef idx="2">
+              <a:schemeClr val="accent1">
+                <a:shade val="50000"/>
+              </a:schemeClr>
+            </a:lnRef>
+            <a:fillRef idx="1">
+              <a:schemeClr val="accent1"/>
+            </a:fillRef>
+            <a:effectRef idx="0">
+              <a:schemeClr val="accent1"/>
+            </a:effectRef>
+            <a:fontRef idx="minor">
+              <a:schemeClr val="lt1"/>
+            </a:fontRef>
+          </p:style>
+          <p:txBody>
+            <a:bodyPr rtlCol="0" anchor="ctr"/>
+            <a:lstStyle/>
+            <a:p>
+              <a:pPr algn="ctr"/>
+              <a:endParaRPr lang="en-GB" sz="1798" dirty="0"/>
+            </a:p>
+          </p:txBody>
+        </p:sp>
+        <p:sp>
+          <p:nvSpPr>
+            <p:cNvPr id="50" name="Rectangle 49">
+              <a:extLst>
+                <a:ext uri="{FF2B5EF4-FFF2-40B4-BE49-F238E27FC236}">
+                  <a16:creationId xmlns:a16="http://schemas.microsoft.com/office/drawing/2014/main" id="{63C5DACA-D642-44F3-9950-3A17E4B5F364}"/>
+                </a:ext>
+              </a:extLst>
+            </p:cNvPr>
+            <p:cNvSpPr/>
+            <p:nvPr/>
+          </p:nvSpPr>
+          <p:spPr>
+            <a:xfrm rot="10800000">
+              <a:off x="7876416" y="2165742"/>
+              <a:ext cx="290314" cy="197914"/>
+            </a:xfrm>
+            <a:prstGeom prst="rect">
+              <a:avLst/>
+            </a:prstGeom>
+            <a:solidFill>
+              <a:schemeClr val="accent1">
+                <a:lumMod val="60000"/>
+                <a:lumOff val="40000"/>
+              </a:schemeClr>
+            </a:solidFill>
+            <a:ln w="6350">
+              <a:solidFill>
+                <a:schemeClr val="tx1"/>
+              </a:solidFill>
+            </a:ln>
+          </p:spPr>
+          <p:style>
+            <a:lnRef idx="2">
+              <a:schemeClr val="accent1">
+                <a:shade val="50000"/>
+              </a:schemeClr>
+            </a:lnRef>
+            <a:fillRef idx="1">
+              <a:schemeClr val="accent1"/>
+            </a:fillRef>
+            <a:effectRef idx="0">
+              <a:schemeClr val="accent1"/>
+            </a:effectRef>
+            <a:fontRef idx="minor">
+              <a:schemeClr val="lt1"/>
+            </a:fontRef>
+          </p:style>
+          <p:txBody>
+            <a:bodyPr rtlCol="0" anchor="ctr"/>
+            <a:lstStyle/>
+            <a:p>
+              <a:pPr algn="ctr"/>
+              <a:endParaRPr lang="en-GB" sz="1798"/>
+            </a:p>
+          </p:txBody>
+        </p:sp>
+        <p:sp>
+          <p:nvSpPr>
+            <p:cNvPr id="51" name="TextBox 50">
+              <a:extLst>
+                <a:ext uri="{FF2B5EF4-FFF2-40B4-BE49-F238E27FC236}">
+                  <a16:creationId xmlns:a16="http://schemas.microsoft.com/office/drawing/2014/main" id="{6419C40D-77E3-483C-AFC5-61040EC63569}"/>
+                </a:ext>
+              </a:extLst>
+            </p:cNvPr>
+            <p:cNvSpPr txBox="1"/>
+            <p:nvPr/>
+          </p:nvSpPr>
+          <p:spPr>
+            <a:xfrm>
+              <a:off x="9143322" y="2095422"/>
+              <a:ext cx="1166648" cy="307777"/>
+            </a:xfrm>
+            <a:prstGeom prst="rect">
+              <a:avLst/>
+            </a:prstGeom>
+            <a:noFill/>
+          </p:spPr>
+          <p:txBody>
+            <a:bodyPr wrap="square" rtlCol="0">
+              <a:spAutoFit/>
+            </a:bodyPr>
+            <a:lstStyle/>
+            <a:p>
+              <a:r>
+                <a:rPr lang="fr-FR" altLang="en-US" sz="1400" dirty="0">
+                  <a:solidFill>
+                    <a:srgbClr val="202124"/>
+                  </a:solidFill>
+                  <a:latin typeface="inherit"/>
+                </a:rPr>
+                <a:t>économique</a:t>
+              </a:r>
+              <a:endParaRPr lang="en-GB" dirty="0"/>
+            </a:p>
+          </p:txBody>
+        </p:sp>
+      </p:grpSp>
+      <p:grpSp>
+        <p:nvGrpSpPr>
+          <p:cNvPr id="58" name="Group 57">
+            <a:extLst>
+              <a:ext uri="{FF2B5EF4-FFF2-40B4-BE49-F238E27FC236}">
+                <a16:creationId xmlns:a16="http://schemas.microsoft.com/office/drawing/2014/main" id="{CF81C647-2396-41A3-B08F-A7D26BAB3F36}"/>
+              </a:ext>
+            </a:extLst>
+          </p:cNvPr>
+          <p:cNvGrpSpPr/>
+          <p:nvPr/>
+        </p:nvGrpSpPr>
+        <p:grpSpPr>
+          <a:xfrm>
+            <a:off x="4980090" y="3939318"/>
+            <a:ext cx="2433554" cy="338554"/>
+            <a:chOff x="7876416" y="2095422"/>
+            <a:chExt cx="2433554" cy="338554"/>
+          </a:xfrm>
+        </p:grpSpPr>
+        <p:sp>
+          <p:nvSpPr>
+            <p:cNvPr id="59" name="Rectangle 58">
+              <a:extLst>
+                <a:ext uri="{FF2B5EF4-FFF2-40B4-BE49-F238E27FC236}">
+                  <a16:creationId xmlns:a16="http://schemas.microsoft.com/office/drawing/2014/main" id="{0E86D2E6-6D8E-4CA1-8AEA-1C1062B2944D}"/>
+                </a:ext>
+              </a:extLst>
+            </p:cNvPr>
+            <p:cNvSpPr/>
+            <p:nvPr/>
+          </p:nvSpPr>
+          <p:spPr>
+            <a:xfrm rot="10800000">
+              <a:off x="8747359" y="2165742"/>
+              <a:ext cx="290314" cy="197914"/>
+            </a:xfrm>
+            <a:prstGeom prst="rect">
+              <a:avLst/>
+            </a:prstGeom>
+            <a:solidFill>
+              <a:schemeClr val="accent1">
+                <a:lumMod val="60000"/>
+                <a:lumOff val="40000"/>
+              </a:schemeClr>
+            </a:solidFill>
+            <a:ln w="6350">
+              <a:solidFill>
+                <a:schemeClr val="tx1"/>
+              </a:solidFill>
+            </a:ln>
+          </p:spPr>
+          <p:style>
+            <a:lnRef idx="2">
+              <a:schemeClr val="accent1">
+                <a:shade val="50000"/>
+              </a:schemeClr>
+            </a:lnRef>
+            <a:fillRef idx="1">
+              <a:schemeClr val="accent1"/>
+            </a:fillRef>
+            <a:effectRef idx="0">
+              <a:schemeClr val="accent1"/>
+            </a:effectRef>
+            <a:fontRef idx="minor">
+              <a:schemeClr val="lt1"/>
+            </a:fontRef>
+          </p:style>
+          <p:txBody>
+            <a:bodyPr rtlCol="0" anchor="ctr"/>
+            <a:lstStyle/>
+            <a:p>
+              <a:pPr algn="ctr"/>
+              <a:endParaRPr lang="en-GB" sz="1798"/>
+            </a:p>
+          </p:txBody>
+        </p:sp>
+        <p:sp>
+          <p:nvSpPr>
+            <p:cNvPr id="60" name="Rectangle 59">
+              <a:extLst>
+                <a:ext uri="{FF2B5EF4-FFF2-40B4-BE49-F238E27FC236}">
+                  <a16:creationId xmlns:a16="http://schemas.microsoft.com/office/drawing/2014/main" id="{1D31B57E-E95F-4C55-A1E3-03FC42FBE98A}"/>
+                </a:ext>
+              </a:extLst>
+            </p:cNvPr>
+            <p:cNvSpPr/>
+            <p:nvPr/>
+          </p:nvSpPr>
+          <p:spPr>
+            <a:xfrm rot="10800000">
+              <a:off x="8457045" y="2165742"/>
+              <a:ext cx="290314" cy="197914"/>
+            </a:xfrm>
+            <a:prstGeom prst="rect">
+              <a:avLst/>
+            </a:prstGeom>
+            <a:solidFill>
+              <a:schemeClr val="accent1">
+                <a:lumMod val="60000"/>
+                <a:lumOff val="40000"/>
+              </a:schemeClr>
+            </a:solidFill>
+            <a:ln w="6350">
+              <a:solidFill>
+                <a:schemeClr val="tx1"/>
+              </a:solidFill>
+            </a:ln>
+          </p:spPr>
+          <p:style>
+            <a:lnRef idx="2">
+              <a:schemeClr val="accent1">
+                <a:shade val="50000"/>
+              </a:schemeClr>
+            </a:lnRef>
+            <a:fillRef idx="1">
+              <a:schemeClr val="accent1"/>
+            </a:fillRef>
+            <a:effectRef idx="0">
+              <a:schemeClr val="accent1"/>
+            </a:effectRef>
+            <a:fontRef idx="minor">
+              <a:schemeClr val="lt1"/>
+            </a:fontRef>
+          </p:style>
+          <p:txBody>
+            <a:bodyPr rtlCol="0" anchor="ctr"/>
+            <a:lstStyle/>
+            <a:p>
+              <a:pPr algn="ctr"/>
+              <a:endParaRPr lang="en-GB" sz="1798"/>
+            </a:p>
+          </p:txBody>
+        </p:sp>
+        <p:sp>
+          <p:nvSpPr>
+            <p:cNvPr id="61" name="Rectangle 60">
+              <a:extLst>
+                <a:ext uri="{FF2B5EF4-FFF2-40B4-BE49-F238E27FC236}">
+                  <a16:creationId xmlns:a16="http://schemas.microsoft.com/office/drawing/2014/main" id="{0E316805-BA91-439C-AEF1-514B8EC78C00}"/>
+                </a:ext>
+              </a:extLst>
+            </p:cNvPr>
+            <p:cNvSpPr/>
+            <p:nvPr/>
+          </p:nvSpPr>
+          <p:spPr>
+            <a:xfrm rot="10800000">
+              <a:off x="8166730" y="2165742"/>
+              <a:ext cx="290314" cy="197914"/>
+            </a:xfrm>
+            <a:prstGeom prst="rect">
+              <a:avLst/>
+            </a:prstGeom>
+            <a:solidFill>
+              <a:schemeClr val="accent1">
+                <a:lumMod val="60000"/>
+                <a:lumOff val="40000"/>
+              </a:schemeClr>
+            </a:solidFill>
+            <a:ln w="6350">
+              <a:solidFill>
+                <a:schemeClr val="tx1"/>
+              </a:solidFill>
+            </a:ln>
+          </p:spPr>
+          <p:style>
+            <a:lnRef idx="2">
+              <a:schemeClr val="accent1">
+                <a:shade val="50000"/>
+              </a:schemeClr>
+            </a:lnRef>
+            <a:fillRef idx="1">
+              <a:schemeClr val="accent1"/>
+            </a:fillRef>
+            <a:effectRef idx="0">
+              <a:schemeClr val="accent1"/>
+            </a:effectRef>
+            <a:fontRef idx="minor">
+              <a:schemeClr val="lt1"/>
+            </a:fontRef>
+          </p:style>
+          <p:txBody>
+            <a:bodyPr rtlCol="0" anchor="ctr"/>
+            <a:lstStyle/>
+            <a:p>
+              <a:pPr algn="ctr"/>
+              <a:endParaRPr lang="en-GB" sz="1798" dirty="0"/>
+            </a:p>
+          </p:txBody>
+        </p:sp>
+        <p:sp>
+          <p:nvSpPr>
+            <p:cNvPr id="62" name="Rectangle 61">
+              <a:extLst>
+                <a:ext uri="{FF2B5EF4-FFF2-40B4-BE49-F238E27FC236}">
+                  <a16:creationId xmlns:a16="http://schemas.microsoft.com/office/drawing/2014/main" id="{1E904199-05E3-4FD8-A25F-00F30D65E476}"/>
+                </a:ext>
+              </a:extLst>
+            </p:cNvPr>
+            <p:cNvSpPr/>
+            <p:nvPr/>
+          </p:nvSpPr>
+          <p:spPr>
+            <a:xfrm rot="10800000">
+              <a:off x="7876416" y="2165742"/>
+              <a:ext cx="290314" cy="197914"/>
+            </a:xfrm>
+            <a:prstGeom prst="rect">
+              <a:avLst/>
+            </a:prstGeom>
+            <a:solidFill>
+              <a:schemeClr val="accent1">
+                <a:lumMod val="60000"/>
+                <a:lumOff val="40000"/>
+              </a:schemeClr>
+            </a:solidFill>
+            <a:ln w="6350">
+              <a:solidFill>
+                <a:schemeClr val="tx1"/>
+              </a:solidFill>
+            </a:ln>
+          </p:spPr>
+          <p:style>
+            <a:lnRef idx="2">
+              <a:schemeClr val="accent1">
+                <a:shade val="50000"/>
+              </a:schemeClr>
+            </a:lnRef>
+            <a:fillRef idx="1">
+              <a:schemeClr val="accent1"/>
+            </a:fillRef>
+            <a:effectRef idx="0">
+              <a:schemeClr val="accent1"/>
+            </a:effectRef>
+            <a:fontRef idx="minor">
+              <a:schemeClr val="lt1"/>
+            </a:fontRef>
+          </p:style>
+          <p:txBody>
+            <a:bodyPr rtlCol="0" anchor="ctr"/>
+            <a:lstStyle/>
+            <a:p>
+              <a:pPr algn="ctr"/>
+              <a:endParaRPr lang="en-GB" sz="1798"/>
+            </a:p>
+          </p:txBody>
+        </p:sp>
+        <p:sp>
+          <p:nvSpPr>
+            <p:cNvPr id="63" name="TextBox 62">
+              <a:extLst>
+                <a:ext uri="{FF2B5EF4-FFF2-40B4-BE49-F238E27FC236}">
+                  <a16:creationId xmlns:a16="http://schemas.microsoft.com/office/drawing/2014/main" id="{956F9F56-DE67-4ABD-A6BC-6138C48D5E4F}"/>
+                </a:ext>
+              </a:extLst>
+            </p:cNvPr>
+            <p:cNvSpPr txBox="1"/>
+            <p:nvPr/>
+          </p:nvSpPr>
+          <p:spPr>
+            <a:xfrm>
+              <a:off x="9143322" y="2095422"/>
+              <a:ext cx="1166648" cy="338554"/>
+            </a:xfrm>
+            <a:prstGeom prst="rect">
+              <a:avLst/>
+            </a:prstGeom>
+            <a:noFill/>
+          </p:spPr>
+          <p:txBody>
+            <a:bodyPr wrap="square" rtlCol="0">
+              <a:spAutoFit/>
+            </a:bodyPr>
+            <a:lstStyle/>
+            <a:p>
+              <a:r>
+                <a:rPr lang="fr-FR" altLang="en-US" sz="1600" dirty="0">
+                  <a:solidFill>
+                    <a:srgbClr val="202124"/>
+                  </a:solidFill>
+                  <a:latin typeface="inherit"/>
+                </a:rPr>
+                <a:t>ralentie</a:t>
+              </a:r>
+              <a:endParaRPr lang="en-GB" dirty="0"/>
+            </a:p>
+          </p:txBody>
+        </p:sp>
+      </p:grpSp>
+      <p:grpSp>
+        <p:nvGrpSpPr>
+          <p:cNvPr id="64" name="Group 63">
+            <a:extLst>
+              <a:ext uri="{FF2B5EF4-FFF2-40B4-BE49-F238E27FC236}">
+                <a16:creationId xmlns:a16="http://schemas.microsoft.com/office/drawing/2014/main" id="{840C986E-01C5-4F14-9147-4E3AD59EE8CC}"/>
+              </a:ext>
+            </a:extLst>
+          </p:cNvPr>
+          <p:cNvGrpSpPr/>
+          <p:nvPr/>
+        </p:nvGrpSpPr>
+        <p:grpSpPr>
+          <a:xfrm>
+            <a:off x="4980089" y="4671753"/>
+            <a:ext cx="2433554" cy="338554"/>
+            <a:chOff x="7876416" y="2095422"/>
+            <a:chExt cx="2433554" cy="338554"/>
+          </a:xfrm>
+        </p:grpSpPr>
+        <p:sp>
+          <p:nvSpPr>
+            <p:cNvPr id="65" name="Rectangle 64">
+              <a:extLst>
+                <a:ext uri="{FF2B5EF4-FFF2-40B4-BE49-F238E27FC236}">
+                  <a16:creationId xmlns:a16="http://schemas.microsoft.com/office/drawing/2014/main" id="{61F7E1DC-1F46-4B4D-9507-89A27AE9705E}"/>
+                </a:ext>
+              </a:extLst>
+            </p:cNvPr>
+            <p:cNvSpPr/>
+            <p:nvPr/>
+          </p:nvSpPr>
+          <p:spPr>
+            <a:xfrm rot="10800000">
+              <a:off x="8747359" y="2165742"/>
+              <a:ext cx="290314" cy="197914"/>
+            </a:xfrm>
+            <a:prstGeom prst="rect">
+              <a:avLst/>
+            </a:prstGeom>
+            <a:solidFill>
+              <a:schemeClr val="accent1">
+                <a:lumMod val="60000"/>
+                <a:lumOff val="40000"/>
+              </a:schemeClr>
+            </a:solidFill>
+            <a:ln w="6350">
+              <a:solidFill>
+                <a:schemeClr val="tx1"/>
+              </a:solidFill>
+            </a:ln>
+          </p:spPr>
+          <p:style>
+            <a:lnRef idx="2">
+              <a:schemeClr val="accent1">
+                <a:shade val="50000"/>
+              </a:schemeClr>
+            </a:lnRef>
+            <a:fillRef idx="1">
+              <a:schemeClr val="accent1"/>
+            </a:fillRef>
+            <a:effectRef idx="0">
+              <a:schemeClr val="accent1"/>
+            </a:effectRef>
+            <a:fontRef idx="minor">
+              <a:schemeClr val="lt1"/>
+            </a:fontRef>
+          </p:style>
+          <p:txBody>
+            <a:bodyPr rtlCol="0" anchor="ctr"/>
+            <a:lstStyle/>
+            <a:p>
+              <a:pPr algn="ctr"/>
+              <a:endParaRPr lang="en-GB" sz="1798"/>
+            </a:p>
+          </p:txBody>
+        </p:sp>
+        <p:sp>
+          <p:nvSpPr>
+            <p:cNvPr id="66" name="Rectangle 65">
+              <a:extLst>
+                <a:ext uri="{FF2B5EF4-FFF2-40B4-BE49-F238E27FC236}">
+                  <a16:creationId xmlns:a16="http://schemas.microsoft.com/office/drawing/2014/main" id="{6709D536-60C2-4602-A83A-E76C19F855DE}"/>
+                </a:ext>
+              </a:extLst>
+            </p:cNvPr>
+            <p:cNvSpPr/>
+            <p:nvPr/>
+          </p:nvSpPr>
+          <p:spPr>
+            <a:xfrm rot="10800000">
+              <a:off x="8457045" y="2165742"/>
+              <a:ext cx="290314" cy="197914"/>
+            </a:xfrm>
+            <a:prstGeom prst="rect">
+              <a:avLst/>
+            </a:prstGeom>
+            <a:solidFill>
+              <a:schemeClr val="accent1">
+                <a:lumMod val="60000"/>
+                <a:lumOff val="40000"/>
+              </a:schemeClr>
+            </a:solidFill>
+            <a:ln w="6350">
+              <a:solidFill>
+                <a:schemeClr val="tx1"/>
+              </a:solidFill>
+            </a:ln>
+          </p:spPr>
+          <p:style>
+            <a:lnRef idx="2">
+              <a:schemeClr val="accent1">
+                <a:shade val="50000"/>
+              </a:schemeClr>
+            </a:lnRef>
+            <a:fillRef idx="1">
+              <a:schemeClr val="accent1"/>
+            </a:fillRef>
+            <a:effectRef idx="0">
+              <a:schemeClr val="accent1"/>
+            </a:effectRef>
+            <a:fontRef idx="minor">
+              <a:schemeClr val="lt1"/>
+            </a:fontRef>
+          </p:style>
+          <p:txBody>
+            <a:bodyPr rtlCol="0" anchor="ctr"/>
+            <a:lstStyle/>
+            <a:p>
+              <a:pPr algn="ctr"/>
+              <a:endParaRPr lang="en-GB" sz="1798"/>
+            </a:p>
+          </p:txBody>
+        </p:sp>
+        <p:sp>
+          <p:nvSpPr>
+            <p:cNvPr id="67" name="Rectangle 66">
+              <a:extLst>
+                <a:ext uri="{FF2B5EF4-FFF2-40B4-BE49-F238E27FC236}">
+                  <a16:creationId xmlns:a16="http://schemas.microsoft.com/office/drawing/2014/main" id="{0B9188FF-EE37-431C-9194-7961411306B7}"/>
+                </a:ext>
+              </a:extLst>
+            </p:cNvPr>
+            <p:cNvSpPr/>
+            <p:nvPr/>
+          </p:nvSpPr>
+          <p:spPr>
+            <a:xfrm rot="10800000">
+              <a:off x="8166730" y="2165742"/>
+              <a:ext cx="290314" cy="197914"/>
+            </a:xfrm>
+            <a:prstGeom prst="rect">
+              <a:avLst/>
+            </a:prstGeom>
+            <a:solidFill>
+              <a:schemeClr val="accent1">
+                <a:lumMod val="60000"/>
+                <a:lumOff val="40000"/>
+              </a:schemeClr>
+            </a:solidFill>
+            <a:ln w="6350">
+              <a:solidFill>
+                <a:schemeClr val="tx1"/>
+              </a:solidFill>
+            </a:ln>
+          </p:spPr>
+          <p:style>
+            <a:lnRef idx="2">
+              <a:schemeClr val="accent1">
+                <a:shade val="50000"/>
+              </a:schemeClr>
+            </a:lnRef>
+            <a:fillRef idx="1">
+              <a:schemeClr val="accent1"/>
+            </a:fillRef>
+            <a:effectRef idx="0">
+              <a:schemeClr val="accent1"/>
+            </a:effectRef>
+            <a:fontRef idx="minor">
+              <a:schemeClr val="lt1"/>
+            </a:fontRef>
+          </p:style>
+          <p:txBody>
+            <a:bodyPr rtlCol="0" anchor="ctr"/>
+            <a:lstStyle/>
+            <a:p>
+              <a:pPr algn="ctr"/>
+              <a:endParaRPr lang="en-GB" sz="1798" dirty="0"/>
+            </a:p>
+          </p:txBody>
+        </p:sp>
+        <p:sp>
+          <p:nvSpPr>
+            <p:cNvPr id="68" name="Rectangle 67">
+              <a:extLst>
+                <a:ext uri="{FF2B5EF4-FFF2-40B4-BE49-F238E27FC236}">
+                  <a16:creationId xmlns:a16="http://schemas.microsoft.com/office/drawing/2014/main" id="{55DEB34C-7061-4353-886F-3B19C15FAEA3}"/>
+                </a:ext>
+              </a:extLst>
+            </p:cNvPr>
+            <p:cNvSpPr/>
+            <p:nvPr/>
+          </p:nvSpPr>
+          <p:spPr>
+            <a:xfrm rot="10800000">
+              <a:off x="7876416" y="2165742"/>
+              <a:ext cx="290314" cy="197914"/>
+            </a:xfrm>
+            <a:prstGeom prst="rect">
+              <a:avLst/>
+            </a:prstGeom>
+            <a:solidFill>
+              <a:schemeClr val="accent1">
+                <a:lumMod val="60000"/>
+                <a:lumOff val="40000"/>
+              </a:schemeClr>
+            </a:solidFill>
+            <a:ln w="6350">
+              <a:solidFill>
+                <a:schemeClr val="tx1"/>
+              </a:solidFill>
+            </a:ln>
+          </p:spPr>
+          <p:style>
+            <a:lnRef idx="2">
+              <a:schemeClr val="accent1">
+                <a:shade val="50000"/>
+              </a:schemeClr>
+            </a:lnRef>
+            <a:fillRef idx="1">
+              <a:schemeClr val="accent1"/>
+            </a:fillRef>
+            <a:effectRef idx="0">
+              <a:schemeClr val="accent1"/>
+            </a:effectRef>
+            <a:fontRef idx="minor">
+              <a:schemeClr val="lt1"/>
+            </a:fontRef>
+          </p:style>
+          <p:txBody>
+            <a:bodyPr rtlCol="0" anchor="ctr"/>
+            <a:lstStyle/>
+            <a:p>
+              <a:pPr algn="ctr"/>
+              <a:endParaRPr lang="en-GB" sz="1798"/>
+            </a:p>
+          </p:txBody>
+        </p:sp>
+        <p:sp>
+          <p:nvSpPr>
+            <p:cNvPr id="69" name="TextBox 68">
+              <a:extLst>
+                <a:ext uri="{FF2B5EF4-FFF2-40B4-BE49-F238E27FC236}">
+                  <a16:creationId xmlns:a16="http://schemas.microsoft.com/office/drawing/2014/main" id="{4642308C-0E5F-4C8F-8AFF-66DF1AEBC101}"/>
+                </a:ext>
+              </a:extLst>
+            </p:cNvPr>
+            <p:cNvSpPr txBox="1"/>
+            <p:nvPr/>
+          </p:nvSpPr>
+          <p:spPr>
+            <a:xfrm>
+              <a:off x="9143322" y="2095422"/>
+              <a:ext cx="1166648" cy="338554"/>
+            </a:xfrm>
+            <a:prstGeom prst="rect">
+              <a:avLst/>
+            </a:prstGeom>
+            <a:noFill/>
+          </p:spPr>
+          <p:txBody>
+            <a:bodyPr wrap="square" rtlCol="0">
+              <a:spAutoFit/>
+            </a:bodyPr>
+            <a:lstStyle/>
+            <a:p>
+              <a:r>
+                <a:rPr lang="fr-FR" altLang="en-US" sz="1600" dirty="0">
+                  <a:solidFill>
+                    <a:srgbClr val="202124"/>
+                  </a:solidFill>
+                  <a:latin typeface="inherit"/>
+                </a:rPr>
+                <a:t>ces</a:t>
+              </a:r>
+              <a:endParaRPr lang="en-GB" dirty="0"/>
+            </a:p>
+          </p:txBody>
+        </p:sp>
+      </p:grpSp>
+      <p:grpSp>
+        <p:nvGrpSpPr>
+          <p:cNvPr id="70" name="Group 69">
+            <a:extLst>
+              <a:ext uri="{FF2B5EF4-FFF2-40B4-BE49-F238E27FC236}">
+                <a16:creationId xmlns:a16="http://schemas.microsoft.com/office/drawing/2014/main" id="{EB508001-1886-4F0A-AF0E-682EFE618E66}"/>
+              </a:ext>
+            </a:extLst>
+          </p:cNvPr>
+          <p:cNvGrpSpPr/>
+          <p:nvPr/>
+        </p:nvGrpSpPr>
+        <p:grpSpPr>
+          <a:xfrm>
+            <a:off x="4980089" y="5381151"/>
+            <a:ext cx="2433554" cy="338554"/>
+            <a:chOff x="7876416" y="2095422"/>
+            <a:chExt cx="2433554" cy="338554"/>
+          </a:xfrm>
+        </p:grpSpPr>
+        <p:sp>
+          <p:nvSpPr>
+            <p:cNvPr id="71" name="Rectangle 70">
+              <a:extLst>
+                <a:ext uri="{FF2B5EF4-FFF2-40B4-BE49-F238E27FC236}">
+                  <a16:creationId xmlns:a16="http://schemas.microsoft.com/office/drawing/2014/main" id="{CFB5FE52-ACC1-41F0-B634-C7181AB09C82}"/>
+                </a:ext>
+              </a:extLst>
+            </p:cNvPr>
+            <p:cNvSpPr/>
+            <p:nvPr/>
+          </p:nvSpPr>
+          <p:spPr>
+            <a:xfrm rot="10800000">
+              <a:off x="8747359" y="2165742"/>
+              <a:ext cx="290314" cy="197914"/>
+            </a:xfrm>
+            <a:prstGeom prst="rect">
+              <a:avLst/>
+            </a:prstGeom>
+            <a:solidFill>
+              <a:schemeClr val="accent1">
+                <a:lumMod val="60000"/>
+                <a:lumOff val="40000"/>
+              </a:schemeClr>
+            </a:solidFill>
+            <a:ln w="6350">
+              <a:solidFill>
+                <a:schemeClr val="tx1"/>
+              </a:solidFill>
+            </a:ln>
+          </p:spPr>
+          <p:style>
+            <a:lnRef idx="2">
+              <a:schemeClr val="accent1">
+                <a:shade val="50000"/>
+              </a:schemeClr>
+            </a:lnRef>
+            <a:fillRef idx="1">
+              <a:schemeClr val="accent1"/>
+            </a:fillRef>
+            <a:effectRef idx="0">
+              <a:schemeClr val="accent1"/>
+            </a:effectRef>
+            <a:fontRef idx="minor">
+              <a:schemeClr val="lt1"/>
+            </a:fontRef>
+          </p:style>
+          <p:txBody>
+            <a:bodyPr rtlCol="0" anchor="ctr"/>
+            <a:lstStyle/>
+            <a:p>
+              <a:pPr algn="ctr"/>
+              <a:endParaRPr lang="en-GB" sz="1798"/>
+            </a:p>
+          </p:txBody>
+        </p:sp>
+        <p:sp>
+          <p:nvSpPr>
+            <p:cNvPr id="72" name="Rectangle 71">
+              <a:extLst>
+                <a:ext uri="{FF2B5EF4-FFF2-40B4-BE49-F238E27FC236}">
+                  <a16:creationId xmlns:a16="http://schemas.microsoft.com/office/drawing/2014/main" id="{80AD7075-797D-4EAA-9845-1463E280A5D4}"/>
+                </a:ext>
+              </a:extLst>
+            </p:cNvPr>
+            <p:cNvSpPr/>
+            <p:nvPr/>
+          </p:nvSpPr>
+          <p:spPr>
+            <a:xfrm rot="10800000">
+              <a:off x="8457045" y="2165742"/>
+              <a:ext cx="290314" cy="197914"/>
+            </a:xfrm>
+            <a:prstGeom prst="rect">
+              <a:avLst/>
+            </a:prstGeom>
+            <a:solidFill>
+              <a:schemeClr val="accent1">
+                <a:lumMod val="60000"/>
+                <a:lumOff val="40000"/>
+              </a:schemeClr>
+            </a:solidFill>
+            <a:ln w="6350">
+              <a:solidFill>
+                <a:schemeClr val="tx1"/>
+              </a:solidFill>
+            </a:ln>
+          </p:spPr>
+          <p:style>
+            <a:lnRef idx="2">
+              <a:schemeClr val="accent1">
+                <a:shade val="50000"/>
+              </a:schemeClr>
+            </a:lnRef>
+            <a:fillRef idx="1">
+              <a:schemeClr val="accent1"/>
+            </a:fillRef>
+            <a:effectRef idx="0">
+              <a:schemeClr val="accent1"/>
+            </a:effectRef>
+            <a:fontRef idx="minor">
+              <a:schemeClr val="lt1"/>
+            </a:fontRef>
+          </p:style>
+          <p:txBody>
+            <a:bodyPr rtlCol="0" anchor="ctr"/>
+            <a:lstStyle/>
+            <a:p>
+              <a:pPr algn="ctr"/>
+              <a:endParaRPr lang="en-GB" sz="1798"/>
+            </a:p>
+          </p:txBody>
+        </p:sp>
+        <p:sp>
+          <p:nvSpPr>
+            <p:cNvPr id="73" name="Rectangle 72">
+              <a:extLst>
+                <a:ext uri="{FF2B5EF4-FFF2-40B4-BE49-F238E27FC236}">
+                  <a16:creationId xmlns:a16="http://schemas.microsoft.com/office/drawing/2014/main" id="{7B716C5A-202A-4CC4-89F1-75CD42D94E57}"/>
+                </a:ext>
+              </a:extLst>
+            </p:cNvPr>
+            <p:cNvSpPr/>
+            <p:nvPr/>
+          </p:nvSpPr>
+          <p:spPr>
+            <a:xfrm rot="10800000">
+              <a:off x="8166730" y="2165742"/>
+              <a:ext cx="290314" cy="197914"/>
+            </a:xfrm>
+            <a:prstGeom prst="rect">
+              <a:avLst/>
+            </a:prstGeom>
+            <a:solidFill>
+              <a:schemeClr val="accent1">
+                <a:lumMod val="60000"/>
+                <a:lumOff val="40000"/>
+              </a:schemeClr>
+            </a:solidFill>
+            <a:ln w="6350">
+              <a:solidFill>
+                <a:schemeClr val="tx1"/>
+              </a:solidFill>
+            </a:ln>
+          </p:spPr>
+          <p:style>
+            <a:lnRef idx="2">
+              <a:schemeClr val="accent1">
+                <a:shade val="50000"/>
+              </a:schemeClr>
+            </a:lnRef>
+            <a:fillRef idx="1">
+              <a:schemeClr val="accent1"/>
+            </a:fillRef>
+            <a:effectRef idx="0">
+              <a:schemeClr val="accent1"/>
+            </a:effectRef>
+            <a:fontRef idx="minor">
+              <a:schemeClr val="lt1"/>
+            </a:fontRef>
+          </p:style>
+          <p:txBody>
+            <a:bodyPr rtlCol="0" anchor="ctr"/>
+            <a:lstStyle/>
+            <a:p>
+              <a:pPr algn="ctr"/>
+              <a:endParaRPr lang="en-GB" sz="1798" dirty="0"/>
+            </a:p>
+          </p:txBody>
+        </p:sp>
+        <p:sp>
+          <p:nvSpPr>
+            <p:cNvPr id="74" name="Rectangle 73">
+              <a:extLst>
+                <a:ext uri="{FF2B5EF4-FFF2-40B4-BE49-F238E27FC236}">
+                  <a16:creationId xmlns:a16="http://schemas.microsoft.com/office/drawing/2014/main" id="{3F3F9564-AC63-4B63-91E6-60DF13666463}"/>
+                </a:ext>
+              </a:extLst>
+            </p:cNvPr>
+            <p:cNvSpPr/>
+            <p:nvPr/>
+          </p:nvSpPr>
+          <p:spPr>
+            <a:xfrm rot="10800000">
+              <a:off x="7876416" y="2165742"/>
+              <a:ext cx="290314" cy="197914"/>
+            </a:xfrm>
+            <a:prstGeom prst="rect">
+              <a:avLst/>
+            </a:prstGeom>
+            <a:solidFill>
+              <a:schemeClr val="accent1">
+                <a:lumMod val="60000"/>
+                <a:lumOff val="40000"/>
+              </a:schemeClr>
+            </a:solidFill>
+            <a:ln w="6350">
+              <a:solidFill>
+                <a:schemeClr val="tx1"/>
+              </a:solidFill>
+            </a:ln>
+          </p:spPr>
+          <p:style>
+            <a:lnRef idx="2">
+              <a:schemeClr val="accent1">
+                <a:shade val="50000"/>
+              </a:schemeClr>
+            </a:lnRef>
+            <a:fillRef idx="1">
+              <a:schemeClr val="accent1"/>
+            </a:fillRef>
+            <a:effectRef idx="0">
+              <a:schemeClr val="accent1"/>
+            </a:effectRef>
+            <a:fontRef idx="minor">
+              <a:schemeClr val="lt1"/>
+            </a:fontRef>
+          </p:style>
+          <p:txBody>
+            <a:bodyPr rtlCol="0" anchor="ctr"/>
+            <a:lstStyle/>
+            <a:p>
+              <a:pPr algn="ctr"/>
+              <a:endParaRPr lang="en-GB" sz="1798"/>
+            </a:p>
+          </p:txBody>
+        </p:sp>
+        <p:sp>
+          <p:nvSpPr>
+            <p:cNvPr id="75" name="TextBox 74">
+              <a:extLst>
+                <a:ext uri="{FF2B5EF4-FFF2-40B4-BE49-F238E27FC236}">
+                  <a16:creationId xmlns:a16="http://schemas.microsoft.com/office/drawing/2014/main" id="{D180E3E3-40D9-4628-87F8-766EE6708F16}"/>
+                </a:ext>
+              </a:extLst>
+            </p:cNvPr>
+            <p:cNvSpPr txBox="1"/>
+            <p:nvPr/>
+          </p:nvSpPr>
+          <p:spPr>
+            <a:xfrm>
+              <a:off x="9143322" y="2095422"/>
+              <a:ext cx="1166648" cy="338554"/>
+            </a:xfrm>
+            <a:prstGeom prst="rect">
+              <a:avLst/>
+            </a:prstGeom>
+            <a:noFill/>
+          </p:spPr>
+          <p:txBody>
+            <a:bodyPr wrap="square" rtlCol="0">
+              <a:spAutoFit/>
+            </a:bodyPr>
+            <a:lstStyle/>
+            <a:p>
+              <a:r>
+                <a:rPr lang="fr-FR" altLang="en-US" sz="1600" dirty="0">
+                  <a:solidFill>
+                    <a:srgbClr val="202124"/>
+                  </a:solidFill>
+                  <a:latin typeface="inherit"/>
+                </a:rPr>
+                <a:t>dernières</a:t>
+              </a:r>
+              <a:endParaRPr lang="en-GB" dirty="0"/>
+            </a:p>
+          </p:txBody>
+        </p:sp>
+      </p:grpSp>
+      <p:grpSp>
+        <p:nvGrpSpPr>
+          <p:cNvPr id="76" name="Group 75">
+            <a:extLst>
+              <a:ext uri="{FF2B5EF4-FFF2-40B4-BE49-F238E27FC236}">
+                <a16:creationId xmlns:a16="http://schemas.microsoft.com/office/drawing/2014/main" id="{54A63014-E56D-4B64-8580-2DF24609484E}"/>
+              </a:ext>
+            </a:extLst>
+          </p:cNvPr>
+          <p:cNvGrpSpPr/>
+          <p:nvPr/>
+        </p:nvGrpSpPr>
+        <p:grpSpPr>
+          <a:xfrm>
+            <a:off x="4980088" y="6101914"/>
+            <a:ext cx="2433554" cy="338554"/>
+            <a:chOff x="7876416" y="2095422"/>
+            <a:chExt cx="2433554" cy="338554"/>
+          </a:xfrm>
+        </p:grpSpPr>
+        <p:sp>
+          <p:nvSpPr>
+            <p:cNvPr id="77" name="Rectangle 76">
+              <a:extLst>
+                <a:ext uri="{FF2B5EF4-FFF2-40B4-BE49-F238E27FC236}">
+                  <a16:creationId xmlns:a16="http://schemas.microsoft.com/office/drawing/2014/main" id="{C3F68FD2-AB89-4C06-8CAD-9EE6401A27AE}"/>
+                </a:ext>
+              </a:extLst>
+            </p:cNvPr>
+            <p:cNvSpPr/>
+            <p:nvPr/>
+          </p:nvSpPr>
+          <p:spPr>
+            <a:xfrm rot="10800000">
+              <a:off x="8747359" y="2165742"/>
+              <a:ext cx="290314" cy="197914"/>
+            </a:xfrm>
+            <a:prstGeom prst="rect">
+              <a:avLst/>
+            </a:prstGeom>
+            <a:solidFill>
+              <a:schemeClr val="accent1">
+                <a:lumMod val="60000"/>
+                <a:lumOff val="40000"/>
+              </a:schemeClr>
+            </a:solidFill>
+            <a:ln w="6350">
+              <a:solidFill>
+                <a:schemeClr val="tx1"/>
+              </a:solidFill>
+            </a:ln>
+          </p:spPr>
+          <p:style>
+            <a:lnRef idx="2">
+              <a:schemeClr val="accent1">
+                <a:shade val="50000"/>
+              </a:schemeClr>
+            </a:lnRef>
+            <a:fillRef idx="1">
+              <a:schemeClr val="accent1"/>
+            </a:fillRef>
+            <a:effectRef idx="0">
+              <a:schemeClr val="accent1"/>
+            </a:effectRef>
+            <a:fontRef idx="minor">
+              <a:schemeClr val="lt1"/>
+            </a:fontRef>
+          </p:style>
+          <p:txBody>
+            <a:bodyPr rtlCol="0" anchor="ctr"/>
+            <a:lstStyle/>
+            <a:p>
+              <a:pPr algn="ctr"/>
+              <a:endParaRPr lang="en-GB" sz="1798"/>
+            </a:p>
+          </p:txBody>
+        </p:sp>
+        <p:sp>
+          <p:nvSpPr>
+            <p:cNvPr id="78" name="Rectangle 77">
+              <a:extLst>
+                <a:ext uri="{FF2B5EF4-FFF2-40B4-BE49-F238E27FC236}">
+                  <a16:creationId xmlns:a16="http://schemas.microsoft.com/office/drawing/2014/main" id="{E23B618D-497A-450E-AC19-56DB192C96AE}"/>
+                </a:ext>
+              </a:extLst>
+            </p:cNvPr>
+            <p:cNvSpPr/>
+            <p:nvPr/>
+          </p:nvSpPr>
+          <p:spPr>
+            <a:xfrm rot="10800000">
+              <a:off x="8457045" y="2165742"/>
+              <a:ext cx="290314" cy="197914"/>
+            </a:xfrm>
+            <a:prstGeom prst="rect">
+              <a:avLst/>
+            </a:prstGeom>
+            <a:solidFill>
+              <a:schemeClr val="accent1">
+                <a:lumMod val="60000"/>
+                <a:lumOff val="40000"/>
+              </a:schemeClr>
+            </a:solidFill>
+            <a:ln w="6350">
+              <a:solidFill>
+                <a:schemeClr val="tx1"/>
+              </a:solidFill>
+            </a:ln>
+          </p:spPr>
+          <p:style>
+            <a:lnRef idx="2">
+              <a:schemeClr val="accent1">
+                <a:shade val="50000"/>
+              </a:schemeClr>
+            </a:lnRef>
+            <a:fillRef idx="1">
+              <a:schemeClr val="accent1"/>
+            </a:fillRef>
+            <a:effectRef idx="0">
+              <a:schemeClr val="accent1"/>
+            </a:effectRef>
+            <a:fontRef idx="minor">
+              <a:schemeClr val="lt1"/>
+            </a:fontRef>
+          </p:style>
+          <p:txBody>
+            <a:bodyPr rtlCol="0" anchor="ctr"/>
+            <a:lstStyle/>
+            <a:p>
+              <a:pPr algn="ctr"/>
+              <a:endParaRPr lang="en-GB" sz="1798"/>
+            </a:p>
+          </p:txBody>
+        </p:sp>
+        <p:sp>
+          <p:nvSpPr>
+            <p:cNvPr id="79" name="Rectangle 78">
+              <a:extLst>
+                <a:ext uri="{FF2B5EF4-FFF2-40B4-BE49-F238E27FC236}">
+                  <a16:creationId xmlns:a16="http://schemas.microsoft.com/office/drawing/2014/main" id="{EE54659B-60ED-4A1D-A17A-E2F7AEFBDB12}"/>
+                </a:ext>
+              </a:extLst>
+            </p:cNvPr>
+            <p:cNvSpPr/>
+            <p:nvPr/>
+          </p:nvSpPr>
+          <p:spPr>
+            <a:xfrm rot="10800000">
+              <a:off x="8166730" y="2165742"/>
+              <a:ext cx="290314" cy="197914"/>
+            </a:xfrm>
+            <a:prstGeom prst="rect">
+              <a:avLst/>
+            </a:prstGeom>
+            <a:solidFill>
+              <a:schemeClr val="accent1">
+                <a:lumMod val="60000"/>
+                <a:lumOff val="40000"/>
+              </a:schemeClr>
+            </a:solidFill>
+            <a:ln w="6350">
+              <a:solidFill>
+                <a:schemeClr val="tx1"/>
+              </a:solidFill>
+            </a:ln>
+          </p:spPr>
+          <p:style>
+            <a:lnRef idx="2">
+              <a:schemeClr val="accent1">
+                <a:shade val="50000"/>
+              </a:schemeClr>
+            </a:lnRef>
+            <a:fillRef idx="1">
+              <a:schemeClr val="accent1"/>
+            </a:fillRef>
+            <a:effectRef idx="0">
+              <a:schemeClr val="accent1"/>
+            </a:effectRef>
+            <a:fontRef idx="minor">
+              <a:schemeClr val="lt1"/>
+            </a:fontRef>
+          </p:style>
+          <p:txBody>
+            <a:bodyPr rtlCol="0" anchor="ctr"/>
+            <a:lstStyle/>
+            <a:p>
+              <a:pPr algn="ctr"/>
+              <a:endParaRPr lang="en-GB" sz="1798" dirty="0"/>
+            </a:p>
+          </p:txBody>
+        </p:sp>
+        <p:sp>
+          <p:nvSpPr>
+            <p:cNvPr id="80" name="Rectangle 79">
+              <a:extLst>
+                <a:ext uri="{FF2B5EF4-FFF2-40B4-BE49-F238E27FC236}">
+                  <a16:creationId xmlns:a16="http://schemas.microsoft.com/office/drawing/2014/main" id="{C83AEDCE-C3C7-4012-A991-2A528D25CB32}"/>
+                </a:ext>
+              </a:extLst>
+            </p:cNvPr>
+            <p:cNvSpPr/>
+            <p:nvPr/>
+          </p:nvSpPr>
+          <p:spPr>
+            <a:xfrm rot="10800000">
+              <a:off x="7876416" y="2165742"/>
+              <a:ext cx="290314" cy="197914"/>
+            </a:xfrm>
+            <a:prstGeom prst="rect">
+              <a:avLst/>
+            </a:prstGeom>
+            <a:solidFill>
+              <a:schemeClr val="accent1">
+                <a:lumMod val="60000"/>
+                <a:lumOff val="40000"/>
+              </a:schemeClr>
+            </a:solidFill>
+            <a:ln w="6350">
+              <a:solidFill>
+                <a:schemeClr val="tx1"/>
+              </a:solidFill>
+            </a:ln>
+          </p:spPr>
+          <p:style>
+            <a:lnRef idx="2">
+              <a:schemeClr val="accent1">
+                <a:shade val="50000"/>
+              </a:schemeClr>
+            </a:lnRef>
+            <a:fillRef idx="1">
+              <a:schemeClr val="accent1"/>
+            </a:fillRef>
+            <a:effectRef idx="0">
+              <a:schemeClr val="accent1"/>
+            </a:effectRef>
+            <a:fontRef idx="minor">
+              <a:schemeClr val="lt1"/>
+            </a:fontRef>
+          </p:style>
+          <p:txBody>
+            <a:bodyPr rtlCol="0" anchor="ctr"/>
+            <a:lstStyle/>
+            <a:p>
+              <a:pPr algn="ctr"/>
+              <a:endParaRPr lang="en-GB" sz="1798"/>
+            </a:p>
+          </p:txBody>
+        </p:sp>
+        <p:sp>
+          <p:nvSpPr>
+            <p:cNvPr id="81" name="TextBox 80">
+              <a:extLst>
+                <a:ext uri="{FF2B5EF4-FFF2-40B4-BE49-F238E27FC236}">
+                  <a16:creationId xmlns:a16="http://schemas.microsoft.com/office/drawing/2014/main" id="{62EF2732-B0C2-4F0A-BC06-65AEC0EBE57A}"/>
+                </a:ext>
+              </a:extLst>
+            </p:cNvPr>
+            <p:cNvSpPr txBox="1"/>
+            <p:nvPr/>
+          </p:nvSpPr>
+          <p:spPr>
+            <a:xfrm>
+              <a:off x="9143322" y="2095422"/>
+              <a:ext cx="1166648" cy="338554"/>
+            </a:xfrm>
+            <a:prstGeom prst="rect">
+              <a:avLst/>
+            </a:prstGeom>
+            <a:noFill/>
+          </p:spPr>
+          <p:txBody>
+            <a:bodyPr wrap="square" rtlCol="0">
+              <a:spAutoFit/>
+            </a:bodyPr>
+            <a:lstStyle/>
+            <a:p>
+              <a:r>
+                <a:rPr lang="fr-FR" altLang="en-US" sz="1600" dirty="0">
+                  <a:solidFill>
+                    <a:srgbClr val="202124"/>
+                  </a:solidFill>
+                  <a:latin typeface="inherit"/>
+                </a:rPr>
+                <a:t>années</a:t>
+              </a:r>
+              <a:endParaRPr lang="en-GB" dirty="0"/>
+            </a:p>
+          </p:txBody>
+        </p:sp>
+      </p:grpSp>
+      <p:grpSp>
+        <p:nvGrpSpPr>
+          <p:cNvPr id="82" name="s_input">
+            <a:extLst>
+              <a:ext uri="{FF2B5EF4-FFF2-40B4-BE49-F238E27FC236}">
+                <a16:creationId xmlns:a16="http://schemas.microsoft.com/office/drawing/2014/main" id="{BE6F05BF-D801-419D-BE10-9D5AE93E2528}"/>
+              </a:ext>
+            </a:extLst>
+          </p:cNvPr>
+          <p:cNvGrpSpPr/>
+          <p:nvPr/>
+        </p:nvGrpSpPr>
+        <p:grpSpPr>
+          <a:xfrm>
+            <a:off x="859201" y="3173891"/>
+            <a:ext cx="1379789" cy="1135065"/>
+            <a:chOff x="6932916" y="1927850"/>
+            <a:chExt cx="1381228" cy="1136249"/>
+          </a:xfrm>
+        </p:grpSpPr>
+        <p:sp>
+          <p:nvSpPr>
+            <p:cNvPr id="83" name="Rectangle 82">
+              <a:extLst>
+                <a:ext uri="{FF2B5EF4-FFF2-40B4-BE49-F238E27FC236}">
+                  <a16:creationId xmlns:a16="http://schemas.microsoft.com/office/drawing/2014/main" id="{C6DD2407-EFA4-46C9-A5EF-51D4934A56B4}"/>
+                </a:ext>
+              </a:extLst>
+            </p:cNvPr>
+            <p:cNvSpPr/>
+            <p:nvPr/>
+          </p:nvSpPr>
+          <p:spPr>
+            <a:xfrm rot="5400000">
+              <a:off x="7528280" y="1924040"/>
+              <a:ext cx="190500" cy="198120"/>
+            </a:xfrm>
+            <a:prstGeom prst="rect">
+              <a:avLst/>
+            </a:prstGeom>
+            <a:solidFill>
+              <a:schemeClr val="accent4">
+                <a:lumMod val="40000"/>
+                <a:lumOff val="60000"/>
+              </a:schemeClr>
+            </a:solidFill>
+            <a:ln w="6350">
+              <a:solidFill>
+                <a:schemeClr val="tx1"/>
+              </a:solidFill>
+            </a:ln>
+          </p:spPr>
+          <p:style>
+            <a:lnRef idx="2">
+              <a:schemeClr val="accent1">
+                <a:shade val="50000"/>
+              </a:schemeClr>
+            </a:lnRef>
+            <a:fillRef idx="1">
+              <a:schemeClr val="accent1"/>
+            </a:fillRef>
+            <a:effectRef idx="0">
+              <a:schemeClr val="accent1"/>
+            </a:effectRef>
+            <a:fontRef idx="minor">
+              <a:schemeClr val="lt1"/>
+            </a:fontRef>
+          </p:style>
+          <p:txBody>
+            <a:bodyPr rtlCol="0" anchor="ctr"/>
+            <a:lstStyle/>
+            <a:p>
+              <a:pPr algn="ctr"/>
+              <a:endParaRPr lang="en-GB" sz="1798" dirty="0"/>
+            </a:p>
+          </p:txBody>
+        </p:sp>
+        <p:sp>
+          <p:nvSpPr>
+            <p:cNvPr id="84" name="Rectangle 83">
+              <a:extLst>
+                <a:ext uri="{FF2B5EF4-FFF2-40B4-BE49-F238E27FC236}">
+                  <a16:creationId xmlns:a16="http://schemas.microsoft.com/office/drawing/2014/main" id="{15C21B27-7161-425F-8D8A-9141B96D9EC3}"/>
+                </a:ext>
+              </a:extLst>
+            </p:cNvPr>
+            <p:cNvSpPr/>
+            <p:nvPr/>
+          </p:nvSpPr>
+          <p:spPr>
+            <a:xfrm rot="5400000">
+              <a:off x="7528280" y="2114540"/>
+              <a:ext cx="190500" cy="198120"/>
+            </a:xfrm>
+            <a:prstGeom prst="rect">
+              <a:avLst/>
+            </a:prstGeom>
+            <a:solidFill>
+              <a:schemeClr val="accent4">
+                <a:lumMod val="40000"/>
+                <a:lumOff val="60000"/>
+              </a:schemeClr>
+            </a:solidFill>
+            <a:ln w="6350">
+              <a:solidFill>
+                <a:schemeClr val="tx1"/>
+              </a:solidFill>
+            </a:ln>
+          </p:spPr>
+          <p:style>
+            <a:lnRef idx="2">
+              <a:schemeClr val="accent1">
+                <a:shade val="50000"/>
+              </a:schemeClr>
+            </a:lnRef>
+            <a:fillRef idx="1">
+              <a:schemeClr val="accent1"/>
+            </a:fillRef>
+            <a:effectRef idx="0">
+              <a:schemeClr val="accent1"/>
+            </a:effectRef>
+            <a:fontRef idx="minor">
+              <a:schemeClr val="lt1"/>
+            </a:fontRef>
+          </p:style>
+          <p:txBody>
+            <a:bodyPr rtlCol="0" anchor="ctr"/>
+            <a:lstStyle/>
+            <a:p>
+              <a:pPr algn="ctr"/>
+              <a:endParaRPr lang="en-GB" sz="1798"/>
+            </a:p>
+          </p:txBody>
+        </p:sp>
+        <p:sp>
+          <p:nvSpPr>
+            <p:cNvPr id="85" name="Rectangle 84">
+              <a:extLst>
+                <a:ext uri="{FF2B5EF4-FFF2-40B4-BE49-F238E27FC236}">
+                  <a16:creationId xmlns:a16="http://schemas.microsoft.com/office/drawing/2014/main" id="{281E7550-C1A9-4FD0-9480-343B13E43EB1}"/>
+                </a:ext>
+              </a:extLst>
+            </p:cNvPr>
+            <p:cNvSpPr/>
+            <p:nvPr/>
+          </p:nvSpPr>
+          <p:spPr>
+            <a:xfrm rot="5400000">
+              <a:off x="7528280" y="2305040"/>
+              <a:ext cx="190500" cy="198120"/>
+            </a:xfrm>
+            <a:prstGeom prst="rect">
+              <a:avLst/>
+            </a:prstGeom>
+            <a:solidFill>
+              <a:schemeClr val="accent4">
+                <a:lumMod val="40000"/>
+                <a:lumOff val="60000"/>
+              </a:schemeClr>
+            </a:solidFill>
+            <a:ln w="6350">
+              <a:solidFill>
+                <a:schemeClr val="tx1"/>
+              </a:solidFill>
+            </a:ln>
+          </p:spPr>
+          <p:style>
+            <a:lnRef idx="2">
+              <a:schemeClr val="accent1">
+                <a:shade val="50000"/>
+              </a:schemeClr>
+            </a:lnRef>
+            <a:fillRef idx="1">
+              <a:schemeClr val="accent1"/>
+            </a:fillRef>
+            <a:effectRef idx="0">
+              <a:schemeClr val="accent1"/>
+            </a:effectRef>
+            <a:fontRef idx="minor">
+              <a:schemeClr val="lt1"/>
+            </a:fontRef>
+          </p:style>
+          <p:txBody>
+            <a:bodyPr rtlCol="0" anchor="ctr"/>
+            <a:lstStyle/>
+            <a:p>
+              <a:pPr algn="ctr"/>
+              <a:endParaRPr lang="en-GB" sz="1798" dirty="0"/>
+            </a:p>
+          </p:txBody>
+        </p:sp>
+        <p:sp>
+          <p:nvSpPr>
+            <p:cNvPr id="86" name="Rectangle 85">
+              <a:extLst>
+                <a:ext uri="{FF2B5EF4-FFF2-40B4-BE49-F238E27FC236}">
+                  <a16:creationId xmlns:a16="http://schemas.microsoft.com/office/drawing/2014/main" id="{B1BC74E0-E303-4E08-BC04-2FD2E17335C1}"/>
+                </a:ext>
+              </a:extLst>
+            </p:cNvPr>
+            <p:cNvSpPr/>
+            <p:nvPr/>
+          </p:nvSpPr>
+          <p:spPr>
+            <a:xfrm rot="5400000">
+              <a:off x="7528280" y="2495540"/>
+              <a:ext cx="190500" cy="198120"/>
+            </a:xfrm>
+            <a:prstGeom prst="rect">
+              <a:avLst/>
+            </a:prstGeom>
+            <a:solidFill>
+              <a:schemeClr val="accent4">
+                <a:lumMod val="40000"/>
+                <a:lumOff val="60000"/>
+              </a:schemeClr>
+            </a:solidFill>
+            <a:ln w="6350">
+              <a:solidFill>
+                <a:schemeClr val="tx1"/>
+              </a:solidFill>
+            </a:ln>
+          </p:spPr>
+          <p:style>
+            <a:lnRef idx="2">
+              <a:schemeClr val="accent1">
+                <a:shade val="50000"/>
+              </a:schemeClr>
+            </a:lnRef>
+            <a:fillRef idx="1">
+              <a:schemeClr val="accent1"/>
+            </a:fillRef>
+            <a:effectRef idx="0">
+              <a:schemeClr val="accent1"/>
+            </a:effectRef>
+            <a:fontRef idx="minor">
+              <a:schemeClr val="lt1"/>
+            </a:fontRef>
+          </p:style>
+          <p:txBody>
+            <a:bodyPr rtlCol="0" anchor="ctr"/>
+            <a:lstStyle/>
+            <a:p>
+              <a:pPr algn="ctr"/>
+              <a:endParaRPr lang="en-GB" sz="1798"/>
+            </a:p>
+          </p:txBody>
+        </p:sp>
+        <p:sp>
+          <p:nvSpPr>
+            <p:cNvPr id="87" name="TextBox 86">
+              <a:extLst>
+                <a:ext uri="{FF2B5EF4-FFF2-40B4-BE49-F238E27FC236}">
+                  <a16:creationId xmlns:a16="http://schemas.microsoft.com/office/drawing/2014/main" id="{73C94DFC-0BCA-4979-9032-BEFF619B2411}"/>
+                </a:ext>
+              </a:extLst>
+            </p:cNvPr>
+            <p:cNvSpPr txBox="1"/>
+            <p:nvPr/>
+          </p:nvSpPr>
+          <p:spPr>
+            <a:xfrm>
+              <a:off x="6932916" y="2817878"/>
+              <a:ext cx="1381228" cy="246221"/>
+            </a:xfrm>
+            <a:prstGeom prst="rect">
+              <a:avLst/>
+            </a:prstGeom>
+            <a:noFill/>
+          </p:spPr>
+          <p:txBody>
+            <a:bodyPr wrap="square" rtlCol="0">
+              <a:spAutoFit/>
+            </a:bodyPr>
+            <a:lstStyle/>
+            <a:p>
+              <a:pPr algn="ctr"/>
+              <a:r>
+                <a:rPr lang="en-US" sz="999" dirty="0"/>
+                <a:t>s2</a:t>
+              </a:r>
+            </a:p>
+          </p:txBody>
+        </p:sp>
+      </p:grpSp>
+      <p:grpSp>
+        <p:nvGrpSpPr>
+          <p:cNvPr id="88" name="s_input">
+            <a:extLst>
+              <a:ext uri="{FF2B5EF4-FFF2-40B4-BE49-F238E27FC236}">
+                <a16:creationId xmlns:a16="http://schemas.microsoft.com/office/drawing/2014/main" id="{75A99534-C843-411A-A71B-123793EBAACE}"/>
+              </a:ext>
+            </a:extLst>
+          </p:cNvPr>
+          <p:cNvGrpSpPr/>
+          <p:nvPr/>
+        </p:nvGrpSpPr>
+        <p:grpSpPr>
+          <a:xfrm rot="16200000">
+            <a:off x="2825936" y="1382013"/>
+            <a:ext cx="1379789" cy="1135065"/>
+            <a:chOff x="6932916" y="1927850"/>
+            <a:chExt cx="1381228" cy="1136249"/>
+          </a:xfrm>
+        </p:grpSpPr>
+        <p:sp>
+          <p:nvSpPr>
+            <p:cNvPr id="89" name="Rectangle 88">
+              <a:extLst>
+                <a:ext uri="{FF2B5EF4-FFF2-40B4-BE49-F238E27FC236}">
+                  <a16:creationId xmlns:a16="http://schemas.microsoft.com/office/drawing/2014/main" id="{3F431591-CE22-4DED-8350-E1579BB069A5}"/>
+                </a:ext>
+              </a:extLst>
+            </p:cNvPr>
+            <p:cNvSpPr/>
+            <p:nvPr/>
+          </p:nvSpPr>
+          <p:spPr>
+            <a:xfrm rot="5400000">
+              <a:off x="7528280" y="1924040"/>
+              <a:ext cx="190500" cy="198120"/>
+            </a:xfrm>
+            <a:prstGeom prst="rect">
+              <a:avLst/>
+            </a:prstGeom>
+            <a:solidFill>
+              <a:schemeClr val="accent4">
+                <a:lumMod val="40000"/>
+                <a:lumOff val="60000"/>
+              </a:schemeClr>
+            </a:solidFill>
+            <a:ln w="6350">
+              <a:solidFill>
+                <a:schemeClr val="tx1"/>
+              </a:solidFill>
+            </a:ln>
+          </p:spPr>
+          <p:style>
+            <a:lnRef idx="2">
+              <a:schemeClr val="accent1">
+                <a:shade val="50000"/>
+              </a:schemeClr>
+            </a:lnRef>
+            <a:fillRef idx="1">
+              <a:schemeClr val="accent1"/>
+            </a:fillRef>
+            <a:effectRef idx="0">
+              <a:schemeClr val="accent1"/>
+            </a:effectRef>
+            <a:fontRef idx="minor">
+              <a:schemeClr val="lt1"/>
+            </a:fontRef>
+          </p:style>
+          <p:txBody>
+            <a:bodyPr rtlCol="0" anchor="ctr"/>
+            <a:lstStyle/>
+            <a:p>
+              <a:pPr algn="ctr"/>
+              <a:endParaRPr lang="en-GB" sz="1798" dirty="0"/>
+            </a:p>
+          </p:txBody>
+        </p:sp>
+        <p:sp>
+          <p:nvSpPr>
+            <p:cNvPr id="90" name="Rectangle 89">
+              <a:extLst>
+                <a:ext uri="{FF2B5EF4-FFF2-40B4-BE49-F238E27FC236}">
+                  <a16:creationId xmlns:a16="http://schemas.microsoft.com/office/drawing/2014/main" id="{FB1A87EA-06D7-4D20-97AD-D55605253645}"/>
+                </a:ext>
+              </a:extLst>
+            </p:cNvPr>
+            <p:cNvSpPr/>
+            <p:nvPr/>
+          </p:nvSpPr>
+          <p:spPr>
+            <a:xfrm rot="5400000">
+              <a:off x="7528280" y="2114540"/>
+              <a:ext cx="190500" cy="198120"/>
+            </a:xfrm>
+            <a:prstGeom prst="rect">
+              <a:avLst/>
+            </a:prstGeom>
+            <a:solidFill>
+              <a:schemeClr val="accent4">
+                <a:lumMod val="40000"/>
+                <a:lumOff val="60000"/>
+              </a:schemeClr>
+            </a:solidFill>
+            <a:ln w="6350">
+              <a:solidFill>
+                <a:schemeClr val="tx1"/>
+              </a:solidFill>
+            </a:ln>
+          </p:spPr>
+          <p:style>
+            <a:lnRef idx="2">
+              <a:schemeClr val="accent1">
+                <a:shade val="50000"/>
+              </a:schemeClr>
+            </a:lnRef>
+            <a:fillRef idx="1">
+              <a:schemeClr val="accent1"/>
+            </a:fillRef>
+            <a:effectRef idx="0">
+              <a:schemeClr val="accent1"/>
+            </a:effectRef>
+            <a:fontRef idx="minor">
+              <a:schemeClr val="lt1"/>
+            </a:fontRef>
+          </p:style>
+          <p:txBody>
+            <a:bodyPr rtlCol="0" anchor="ctr"/>
+            <a:lstStyle/>
+            <a:p>
+              <a:pPr algn="ctr"/>
+              <a:endParaRPr lang="en-GB" sz="1798"/>
+            </a:p>
+          </p:txBody>
+        </p:sp>
+        <p:sp>
+          <p:nvSpPr>
+            <p:cNvPr id="91" name="Rectangle 90">
+              <a:extLst>
+                <a:ext uri="{FF2B5EF4-FFF2-40B4-BE49-F238E27FC236}">
+                  <a16:creationId xmlns:a16="http://schemas.microsoft.com/office/drawing/2014/main" id="{496D1952-11BB-4AB2-BE3E-541175230639}"/>
+                </a:ext>
+              </a:extLst>
+            </p:cNvPr>
+            <p:cNvSpPr/>
+            <p:nvPr/>
+          </p:nvSpPr>
+          <p:spPr>
+            <a:xfrm rot="5400000">
+              <a:off x="7528280" y="2305040"/>
+              <a:ext cx="190500" cy="198120"/>
+            </a:xfrm>
+            <a:prstGeom prst="rect">
+              <a:avLst/>
+            </a:prstGeom>
+            <a:solidFill>
+              <a:schemeClr val="accent4">
+                <a:lumMod val="40000"/>
+                <a:lumOff val="60000"/>
+              </a:schemeClr>
+            </a:solidFill>
+            <a:ln w="6350">
+              <a:solidFill>
+                <a:schemeClr val="tx1"/>
+              </a:solidFill>
+            </a:ln>
+          </p:spPr>
+          <p:style>
+            <a:lnRef idx="2">
+              <a:schemeClr val="accent1">
+                <a:shade val="50000"/>
+              </a:schemeClr>
+            </a:lnRef>
+            <a:fillRef idx="1">
+              <a:schemeClr val="accent1"/>
+            </a:fillRef>
+            <a:effectRef idx="0">
+              <a:schemeClr val="accent1"/>
+            </a:effectRef>
+            <a:fontRef idx="minor">
+              <a:schemeClr val="lt1"/>
+            </a:fontRef>
+          </p:style>
+          <p:txBody>
+            <a:bodyPr rtlCol="0" anchor="ctr"/>
+            <a:lstStyle/>
+            <a:p>
+              <a:pPr algn="ctr"/>
+              <a:endParaRPr lang="en-GB" sz="1798" dirty="0"/>
+            </a:p>
+          </p:txBody>
+        </p:sp>
+        <p:sp>
+          <p:nvSpPr>
+            <p:cNvPr id="92" name="Rectangle 91">
+              <a:extLst>
+                <a:ext uri="{FF2B5EF4-FFF2-40B4-BE49-F238E27FC236}">
+                  <a16:creationId xmlns:a16="http://schemas.microsoft.com/office/drawing/2014/main" id="{2D416947-DD92-4ECB-9D0D-1DC709750922}"/>
+                </a:ext>
+              </a:extLst>
+            </p:cNvPr>
+            <p:cNvSpPr/>
+            <p:nvPr/>
+          </p:nvSpPr>
+          <p:spPr>
+            <a:xfrm rot="5400000">
+              <a:off x="7528280" y="2495540"/>
+              <a:ext cx="190500" cy="198120"/>
+            </a:xfrm>
+            <a:prstGeom prst="rect">
+              <a:avLst/>
+            </a:prstGeom>
+            <a:solidFill>
+              <a:schemeClr val="accent4">
+                <a:lumMod val="40000"/>
+                <a:lumOff val="60000"/>
+              </a:schemeClr>
+            </a:solidFill>
+            <a:ln w="6350">
+              <a:solidFill>
+                <a:schemeClr val="tx1"/>
+              </a:solidFill>
+            </a:ln>
+          </p:spPr>
+          <p:style>
+            <a:lnRef idx="2">
+              <a:schemeClr val="accent1">
+                <a:shade val="50000"/>
+              </a:schemeClr>
+            </a:lnRef>
+            <a:fillRef idx="1">
+              <a:schemeClr val="accent1"/>
+            </a:fillRef>
+            <a:effectRef idx="0">
+              <a:schemeClr val="accent1"/>
+            </a:effectRef>
+            <a:fontRef idx="minor">
+              <a:schemeClr val="lt1"/>
+            </a:fontRef>
+          </p:style>
+          <p:txBody>
+            <a:bodyPr rtlCol="0" anchor="ctr"/>
+            <a:lstStyle/>
+            <a:p>
+              <a:pPr algn="ctr"/>
+              <a:endParaRPr lang="en-GB" sz="1798"/>
+            </a:p>
+          </p:txBody>
+        </p:sp>
+        <p:sp>
+          <p:nvSpPr>
+            <p:cNvPr id="93" name="TextBox 92">
+              <a:extLst>
+                <a:ext uri="{FF2B5EF4-FFF2-40B4-BE49-F238E27FC236}">
+                  <a16:creationId xmlns:a16="http://schemas.microsoft.com/office/drawing/2014/main" id="{6AA53C59-20B1-4D06-94DB-4B3FCA8AD01E}"/>
+                </a:ext>
+              </a:extLst>
+            </p:cNvPr>
+            <p:cNvSpPr txBox="1"/>
+            <p:nvPr/>
+          </p:nvSpPr>
+          <p:spPr>
+            <a:xfrm>
+              <a:off x="6932916" y="2817878"/>
+              <a:ext cx="1381228" cy="246221"/>
+            </a:xfrm>
+            <a:prstGeom prst="rect">
+              <a:avLst/>
+            </a:prstGeom>
+            <a:noFill/>
+          </p:spPr>
+          <p:txBody>
+            <a:bodyPr wrap="square" rtlCol="0">
+              <a:spAutoFit/>
+            </a:bodyPr>
+            <a:lstStyle/>
+            <a:p>
+              <a:pPr algn="ctr"/>
+              <a:r>
+                <a:rPr lang="en-US" sz="999" dirty="0"/>
+                <a:t>s2</a:t>
+              </a:r>
+            </a:p>
+          </p:txBody>
+        </p:sp>
+      </p:grpSp>
+      <p:grpSp>
+        <p:nvGrpSpPr>
+          <p:cNvPr id="94" name="s_input">
+            <a:extLst>
+              <a:ext uri="{FF2B5EF4-FFF2-40B4-BE49-F238E27FC236}">
+                <a16:creationId xmlns:a16="http://schemas.microsoft.com/office/drawing/2014/main" id="{556E0AD7-2F19-43CF-AEBC-0E0B4E596A91}"/>
+              </a:ext>
+            </a:extLst>
+          </p:cNvPr>
+          <p:cNvGrpSpPr/>
+          <p:nvPr/>
+        </p:nvGrpSpPr>
+        <p:grpSpPr>
+          <a:xfrm rot="16200000">
+            <a:off x="2826825" y="2829805"/>
+            <a:ext cx="1379789" cy="1135065"/>
+            <a:chOff x="6932916" y="1927850"/>
+            <a:chExt cx="1381228" cy="1136249"/>
+          </a:xfrm>
+        </p:grpSpPr>
+        <p:sp>
+          <p:nvSpPr>
+            <p:cNvPr id="95" name="Rectangle 94">
+              <a:extLst>
+                <a:ext uri="{FF2B5EF4-FFF2-40B4-BE49-F238E27FC236}">
+                  <a16:creationId xmlns:a16="http://schemas.microsoft.com/office/drawing/2014/main" id="{CCA98046-106F-4B8E-BD80-ED1D2EE58F67}"/>
+                </a:ext>
+              </a:extLst>
+            </p:cNvPr>
+            <p:cNvSpPr/>
+            <p:nvPr/>
+          </p:nvSpPr>
+          <p:spPr>
+            <a:xfrm rot="5400000">
+              <a:off x="7528280" y="1924040"/>
+              <a:ext cx="190500" cy="198120"/>
+            </a:xfrm>
+            <a:prstGeom prst="rect">
+              <a:avLst/>
+            </a:prstGeom>
+            <a:solidFill>
+              <a:schemeClr val="accent4">
+                <a:lumMod val="40000"/>
+                <a:lumOff val="60000"/>
+              </a:schemeClr>
+            </a:solidFill>
+            <a:ln w="6350">
+              <a:solidFill>
+                <a:schemeClr val="tx1"/>
+              </a:solidFill>
+            </a:ln>
+          </p:spPr>
+          <p:style>
+            <a:lnRef idx="2">
+              <a:schemeClr val="accent1">
+                <a:shade val="50000"/>
+              </a:schemeClr>
+            </a:lnRef>
+            <a:fillRef idx="1">
+              <a:schemeClr val="accent1"/>
+            </a:fillRef>
+            <a:effectRef idx="0">
+              <a:schemeClr val="accent1"/>
+            </a:effectRef>
+            <a:fontRef idx="minor">
+              <a:schemeClr val="lt1"/>
+            </a:fontRef>
+          </p:style>
+          <p:txBody>
+            <a:bodyPr rtlCol="0" anchor="ctr"/>
+            <a:lstStyle/>
+            <a:p>
+              <a:pPr algn="ctr"/>
+              <a:endParaRPr lang="en-GB" sz="1798" dirty="0"/>
+            </a:p>
+          </p:txBody>
+        </p:sp>
+        <p:sp>
+          <p:nvSpPr>
+            <p:cNvPr id="96" name="Rectangle 95">
+              <a:extLst>
+                <a:ext uri="{FF2B5EF4-FFF2-40B4-BE49-F238E27FC236}">
+                  <a16:creationId xmlns:a16="http://schemas.microsoft.com/office/drawing/2014/main" id="{7100C7CB-9F75-4FF0-8654-9639E283F1A9}"/>
+                </a:ext>
+              </a:extLst>
+            </p:cNvPr>
+            <p:cNvSpPr/>
+            <p:nvPr/>
+          </p:nvSpPr>
+          <p:spPr>
+            <a:xfrm rot="5400000">
+              <a:off x="7528280" y="2114540"/>
+              <a:ext cx="190500" cy="198120"/>
+            </a:xfrm>
+            <a:prstGeom prst="rect">
+              <a:avLst/>
+            </a:prstGeom>
+            <a:solidFill>
+              <a:schemeClr val="accent4">
+                <a:lumMod val="40000"/>
+                <a:lumOff val="60000"/>
+              </a:schemeClr>
+            </a:solidFill>
+            <a:ln w="6350">
+              <a:solidFill>
+                <a:schemeClr val="tx1"/>
+              </a:solidFill>
+            </a:ln>
+          </p:spPr>
+          <p:style>
+            <a:lnRef idx="2">
+              <a:schemeClr val="accent1">
+                <a:shade val="50000"/>
+              </a:schemeClr>
+            </a:lnRef>
+            <a:fillRef idx="1">
+              <a:schemeClr val="accent1"/>
+            </a:fillRef>
+            <a:effectRef idx="0">
+              <a:schemeClr val="accent1"/>
+            </a:effectRef>
+            <a:fontRef idx="minor">
+              <a:schemeClr val="lt1"/>
+            </a:fontRef>
+          </p:style>
+          <p:txBody>
+            <a:bodyPr rtlCol="0" anchor="ctr"/>
+            <a:lstStyle/>
+            <a:p>
+              <a:pPr algn="ctr"/>
+              <a:endParaRPr lang="en-GB" sz="1798"/>
+            </a:p>
+          </p:txBody>
+        </p:sp>
+        <p:sp>
+          <p:nvSpPr>
+            <p:cNvPr id="97" name="Rectangle 96">
+              <a:extLst>
+                <a:ext uri="{FF2B5EF4-FFF2-40B4-BE49-F238E27FC236}">
+                  <a16:creationId xmlns:a16="http://schemas.microsoft.com/office/drawing/2014/main" id="{BE752933-C7C9-492C-B69F-09396CF96E27}"/>
+                </a:ext>
+              </a:extLst>
+            </p:cNvPr>
+            <p:cNvSpPr/>
+            <p:nvPr/>
+          </p:nvSpPr>
+          <p:spPr>
+            <a:xfrm rot="5400000">
+              <a:off x="7528280" y="2305040"/>
+              <a:ext cx="190500" cy="198120"/>
+            </a:xfrm>
+            <a:prstGeom prst="rect">
+              <a:avLst/>
+            </a:prstGeom>
+            <a:solidFill>
+              <a:schemeClr val="accent4">
+                <a:lumMod val="40000"/>
+                <a:lumOff val="60000"/>
+              </a:schemeClr>
+            </a:solidFill>
+            <a:ln w="6350">
+              <a:solidFill>
+                <a:schemeClr val="tx1"/>
+              </a:solidFill>
+            </a:ln>
+          </p:spPr>
+          <p:style>
+            <a:lnRef idx="2">
+              <a:schemeClr val="accent1">
+                <a:shade val="50000"/>
+              </a:schemeClr>
+            </a:lnRef>
+            <a:fillRef idx="1">
+              <a:schemeClr val="accent1"/>
+            </a:fillRef>
+            <a:effectRef idx="0">
+              <a:schemeClr val="accent1"/>
+            </a:effectRef>
+            <a:fontRef idx="minor">
+              <a:schemeClr val="lt1"/>
+            </a:fontRef>
+          </p:style>
+          <p:txBody>
+            <a:bodyPr rtlCol="0" anchor="ctr"/>
+            <a:lstStyle/>
+            <a:p>
+              <a:pPr algn="ctr"/>
+              <a:endParaRPr lang="en-GB" sz="1798" dirty="0"/>
+            </a:p>
+          </p:txBody>
+        </p:sp>
+        <p:sp>
+          <p:nvSpPr>
+            <p:cNvPr id="98" name="Rectangle 97">
+              <a:extLst>
+                <a:ext uri="{FF2B5EF4-FFF2-40B4-BE49-F238E27FC236}">
+                  <a16:creationId xmlns:a16="http://schemas.microsoft.com/office/drawing/2014/main" id="{094BAC3A-A27A-4B88-99C0-10F0F4DC5EA7}"/>
+                </a:ext>
+              </a:extLst>
+            </p:cNvPr>
+            <p:cNvSpPr/>
+            <p:nvPr/>
+          </p:nvSpPr>
+          <p:spPr>
+            <a:xfrm rot="5400000">
+              <a:off x="7528280" y="2495540"/>
+              <a:ext cx="190500" cy="198120"/>
+            </a:xfrm>
+            <a:prstGeom prst="rect">
+              <a:avLst/>
+            </a:prstGeom>
+            <a:solidFill>
+              <a:schemeClr val="accent4">
+                <a:lumMod val="40000"/>
+                <a:lumOff val="60000"/>
+              </a:schemeClr>
+            </a:solidFill>
+            <a:ln w="6350">
+              <a:solidFill>
+                <a:schemeClr val="tx1"/>
+              </a:solidFill>
+            </a:ln>
+          </p:spPr>
+          <p:style>
+            <a:lnRef idx="2">
+              <a:schemeClr val="accent1">
+                <a:shade val="50000"/>
+              </a:schemeClr>
+            </a:lnRef>
+            <a:fillRef idx="1">
+              <a:schemeClr val="accent1"/>
+            </a:fillRef>
+            <a:effectRef idx="0">
+              <a:schemeClr val="accent1"/>
+            </a:effectRef>
+            <a:fontRef idx="minor">
+              <a:schemeClr val="lt1"/>
+            </a:fontRef>
+          </p:style>
+          <p:txBody>
+            <a:bodyPr rtlCol="0" anchor="ctr"/>
+            <a:lstStyle/>
+            <a:p>
+              <a:pPr algn="ctr"/>
+              <a:endParaRPr lang="en-GB" sz="1798"/>
+            </a:p>
+          </p:txBody>
+        </p:sp>
+        <p:sp>
+          <p:nvSpPr>
+            <p:cNvPr id="99" name="TextBox 98">
+              <a:extLst>
+                <a:ext uri="{FF2B5EF4-FFF2-40B4-BE49-F238E27FC236}">
+                  <a16:creationId xmlns:a16="http://schemas.microsoft.com/office/drawing/2014/main" id="{56B3F40E-2C29-48A9-BADD-132257696F6C}"/>
+                </a:ext>
+              </a:extLst>
+            </p:cNvPr>
+            <p:cNvSpPr txBox="1"/>
+            <p:nvPr/>
+          </p:nvSpPr>
+          <p:spPr>
+            <a:xfrm>
+              <a:off x="6932916" y="2817878"/>
+              <a:ext cx="1381228" cy="246221"/>
+            </a:xfrm>
+            <a:prstGeom prst="rect">
+              <a:avLst/>
+            </a:prstGeom>
+            <a:noFill/>
+          </p:spPr>
+          <p:txBody>
+            <a:bodyPr wrap="square" rtlCol="0">
+              <a:spAutoFit/>
+            </a:bodyPr>
+            <a:lstStyle/>
+            <a:p>
+              <a:pPr algn="ctr"/>
+              <a:r>
+                <a:rPr lang="en-US" sz="999" dirty="0"/>
+                <a:t>s2</a:t>
+              </a:r>
+            </a:p>
+          </p:txBody>
+        </p:sp>
+      </p:grpSp>
+      <p:grpSp>
+        <p:nvGrpSpPr>
+          <p:cNvPr id="100" name="s_input">
+            <a:extLst>
+              <a:ext uri="{FF2B5EF4-FFF2-40B4-BE49-F238E27FC236}">
+                <a16:creationId xmlns:a16="http://schemas.microsoft.com/office/drawing/2014/main" id="{B3D671B6-3B36-46DF-A5E8-46EAAF17725F}"/>
+              </a:ext>
+            </a:extLst>
+          </p:cNvPr>
+          <p:cNvGrpSpPr/>
+          <p:nvPr/>
+        </p:nvGrpSpPr>
+        <p:grpSpPr>
+          <a:xfrm rot="16200000">
+            <a:off x="2827876" y="3535293"/>
+            <a:ext cx="1379789" cy="1135065"/>
+            <a:chOff x="6932916" y="1927850"/>
+            <a:chExt cx="1381228" cy="1136249"/>
+          </a:xfrm>
+        </p:grpSpPr>
+        <p:sp>
+          <p:nvSpPr>
+            <p:cNvPr id="101" name="Rectangle 100">
+              <a:extLst>
+                <a:ext uri="{FF2B5EF4-FFF2-40B4-BE49-F238E27FC236}">
+                  <a16:creationId xmlns:a16="http://schemas.microsoft.com/office/drawing/2014/main" id="{22D7728A-D12D-4372-BDEC-9A5C0B0C413C}"/>
+                </a:ext>
+              </a:extLst>
+            </p:cNvPr>
+            <p:cNvSpPr/>
+            <p:nvPr/>
+          </p:nvSpPr>
+          <p:spPr>
+            <a:xfrm rot="5400000">
+              <a:off x="7528280" y="1924040"/>
+              <a:ext cx="190500" cy="198120"/>
+            </a:xfrm>
+            <a:prstGeom prst="rect">
+              <a:avLst/>
+            </a:prstGeom>
+            <a:solidFill>
+              <a:schemeClr val="accent4">
+                <a:lumMod val="40000"/>
+                <a:lumOff val="60000"/>
+              </a:schemeClr>
+            </a:solidFill>
+            <a:ln w="6350">
+              <a:solidFill>
+                <a:schemeClr val="tx1"/>
+              </a:solidFill>
+            </a:ln>
+          </p:spPr>
+          <p:style>
+            <a:lnRef idx="2">
+              <a:schemeClr val="accent1">
+                <a:shade val="50000"/>
+              </a:schemeClr>
+            </a:lnRef>
+            <a:fillRef idx="1">
+              <a:schemeClr val="accent1"/>
+            </a:fillRef>
+            <a:effectRef idx="0">
+              <a:schemeClr val="accent1"/>
+            </a:effectRef>
+            <a:fontRef idx="minor">
+              <a:schemeClr val="lt1"/>
+            </a:fontRef>
+          </p:style>
+          <p:txBody>
+            <a:bodyPr rtlCol="0" anchor="ctr"/>
+            <a:lstStyle/>
+            <a:p>
+              <a:pPr algn="ctr"/>
+              <a:endParaRPr lang="en-GB" sz="1798" dirty="0"/>
+            </a:p>
+          </p:txBody>
+        </p:sp>
+        <p:sp>
+          <p:nvSpPr>
+            <p:cNvPr id="102" name="Rectangle 101">
+              <a:extLst>
+                <a:ext uri="{FF2B5EF4-FFF2-40B4-BE49-F238E27FC236}">
+                  <a16:creationId xmlns:a16="http://schemas.microsoft.com/office/drawing/2014/main" id="{48B06380-46F6-4708-A387-8AF54299D3DD}"/>
+                </a:ext>
+              </a:extLst>
+            </p:cNvPr>
+            <p:cNvSpPr/>
+            <p:nvPr/>
+          </p:nvSpPr>
+          <p:spPr>
+            <a:xfrm rot="5400000">
+              <a:off x="7528280" y="2114540"/>
+              <a:ext cx="190500" cy="198120"/>
+            </a:xfrm>
+            <a:prstGeom prst="rect">
+              <a:avLst/>
+            </a:prstGeom>
+            <a:solidFill>
+              <a:schemeClr val="accent4">
+                <a:lumMod val="40000"/>
+                <a:lumOff val="60000"/>
+              </a:schemeClr>
+            </a:solidFill>
+            <a:ln w="6350">
+              <a:solidFill>
+                <a:schemeClr val="tx1"/>
+              </a:solidFill>
+            </a:ln>
+          </p:spPr>
+          <p:style>
+            <a:lnRef idx="2">
+              <a:schemeClr val="accent1">
+                <a:shade val="50000"/>
+              </a:schemeClr>
+            </a:lnRef>
+            <a:fillRef idx="1">
+              <a:schemeClr val="accent1"/>
+            </a:fillRef>
+            <a:effectRef idx="0">
+              <a:schemeClr val="accent1"/>
+            </a:effectRef>
+            <a:fontRef idx="minor">
+              <a:schemeClr val="lt1"/>
+            </a:fontRef>
+          </p:style>
+          <p:txBody>
+            <a:bodyPr rtlCol="0" anchor="ctr"/>
+            <a:lstStyle/>
+            <a:p>
+              <a:pPr algn="ctr"/>
+              <a:endParaRPr lang="en-GB" sz="1798"/>
+            </a:p>
+          </p:txBody>
+        </p:sp>
+        <p:sp>
+          <p:nvSpPr>
+            <p:cNvPr id="103" name="Rectangle 102">
+              <a:extLst>
+                <a:ext uri="{FF2B5EF4-FFF2-40B4-BE49-F238E27FC236}">
+                  <a16:creationId xmlns:a16="http://schemas.microsoft.com/office/drawing/2014/main" id="{809CB550-3ECE-4EB7-ABE7-DB563B6B9D9B}"/>
+                </a:ext>
+              </a:extLst>
+            </p:cNvPr>
+            <p:cNvSpPr/>
+            <p:nvPr/>
+          </p:nvSpPr>
+          <p:spPr>
+            <a:xfrm rot="5400000">
+              <a:off x="7528280" y="2305040"/>
+              <a:ext cx="190500" cy="198120"/>
+            </a:xfrm>
+            <a:prstGeom prst="rect">
+              <a:avLst/>
+            </a:prstGeom>
+            <a:solidFill>
+              <a:schemeClr val="accent4">
+                <a:lumMod val="40000"/>
+                <a:lumOff val="60000"/>
+              </a:schemeClr>
+            </a:solidFill>
+            <a:ln w="6350">
+              <a:solidFill>
+                <a:schemeClr val="tx1"/>
+              </a:solidFill>
+            </a:ln>
+          </p:spPr>
+          <p:style>
+            <a:lnRef idx="2">
+              <a:schemeClr val="accent1">
+                <a:shade val="50000"/>
+              </a:schemeClr>
+            </a:lnRef>
+            <a:fillRef idx="1">
+              <a:schemeClr val="accent1"/>
+            </a:fillRef>
+            <a:effectRef idx="0">
+              <a:schemeClr val="accent1"/>
+            </a:effectRef>
+            <a:fontRef idx="minor">
+              <a:schemeClr val="lt1"/>
+            </a:fontRef>
+          </p:style>
+          <p:txBody>
+            <a:bodyPr rtlCol="0" anchor="ctr"/>
+            <a:lstStyle/>
+            <a:p>
+              <a:pPr algn="ctr"/>
+              <a:endParaRPr lang="en-GB" sz="1798" dirty="0"/>
+            </a:p>
+          </p:txBody>
+        </p:sp>
+        <p:sp>
+          <p:nvSpPr>
+            <p:cNvPr id="104" name="Rectangle 103">
+              <a:extLst>
+                <a:ext uri="{FF2B5EF4-FFF2-40B4-BE49-F238E27FC236}">
+                  <a16:creationId xmlns:a16="http://schemas.microsoft.com/office/drawing/2014/main" id="{AF5978C3-EAF8-4EC9-8FF1-66E8F1E01CCF}"/>
+                </a:ext>
+              </a:extLst>
+            </p:cNvPr>
+            <p:cNvSpPr/>
+            <p:nvPr/>
+          </p:nvSpPr>
+          <p:spPr>
+            <a:xfrm rot="5400000">
+              <a:off x="7528280" y="2495540"/>
+              <a:ext cx="190500" cy="198120"/>
+            </a:xfrm>
+            <a:prstGeom prst="rect">
+              <a:avLst/>
+            </a:prstGeom>
+            <a:solidFill>
+              <a:schemeClr val="accent4">
+                <a:lumMod val="40000"/>
+                <a:lumOff val="60000"/>
+              </a:schemeClr>
+            </a:solidFill>
+            <a:ln w="6350">
+              <a:solidFill>
+                <a:schemeClr val="tx1"/>
+              </a:solidFill>
+            </a:ln>
+          </p:spPr>
+          <p:style>
+            <a:lnRef idx="2">
+              <a:schemeClr val="accent1">
+                <a:shade val="50000"/>
+              </a:schemeClr>
+            </a:lnRef>
+            <a:fillRef idx="1">
+              <a:schemeClr val="accent1"/>
+            </a:fillRef>
+            <a:effectRef idx="0">
+              <a:schemeClr val="accent1"/>
+            </a:effectRef>
+            <a:fontRef idx="minor">
+              <a:schemeClr val="lt1"/>
+            </a:fontRef>
+          </p:style>
+          <p:txBody>
+            <a:bodyPr rtlCol="0" anchor="ctr"/>
+            <a:lstStyle/>
+            <a:p>
+              <a:pPr algn="ctr"/>
+              <a:endParaRPr lang="en-GB" sz="1798"/>
+            </a:p>
+          </p:txBody>
+        </p:sp>
+        <p:sp>
+          <p:nvSpPr>
+            <p:cNvPr id="105" name="TextBox 104">
+              <a:extLst>
+                <a:ext uri="{FF2B5EF4-FFF2-40B4-BE49-F238E27FC236}">
+                  <a16:creationId xmlns:a16="http://schemas.microsoft.com/office/drawing/2014/main" id="{CCAA8054-C060-464E-A94E-40E7716C36C6}"/>
+                </a:ext>
+              </a:extLst>
+            </p:cNvPr>
+            <p:cNvSpPr txBox="1"/>
+            <p:nvPr/>
+          </p:nvSpPr>
+          <p:spPr>
+            <a:xfrm>
+              <a:off x="6932916" y="2817878"/>
+              <a:ext cx="1381228" cy="246221"/>
+            </a:xfrm>
+            <a:prstGeom prst="rect">
+              <a:avLst/>
+            </a:prstGeom>
+            <a:noFill/>
+          </p:spPr>
+          <p:txBody>
+            <a:bodyPr wrap="square" rtlCol="0">
+              <a:spAutoFit/>
+            </a:bodyPr>
+            <a:lstStyle/>
+            <a:p>
+              <a:pPr algn="ctr"/>
+              <a:r>
+                <a:rPr lang="en-US" sz="999" dirty="0"/>
+                <a:t>s2</a:t>
+              </a:r>
+            </a:p>
+          </p:txBody>
+        </p:sp>
+      </p:grpSp>
+      <p:grpSp>
+        <p:nvGrpSpPr>
+          <p:cNvPr id="106" name="s_input">
+            <a:extLst>
+              <a:ext uri="{FF2B5EF4-FFF2-40B4-BE49-F238E27FC236}">
+                <a16:creationId xmlns:a16="http://schemas.microsoft.com/office/drawing/2014/main" id="{74A56AC0-8D61-4DA1-B8B0-D6B39E85611B}"/>
+              </a:ext>
+            </a:extLst>
+          </p:cNvPr>
+          <p:cNvGrpSpPr/>
+          <p:nvPr/>
+        </p:nvGrpSpPr>
+        <p:grpSpPr>
+          <a:xfrm rot="16200000">
+            <a:off x="2822565" y="4273497"/>
+            <a:ext cx="1379789" cy="1135065"/>
+            <a:chOff x="6932916" y="1927850"/>
+            <a:chExt cx="1381228" cy="1136249"/>
+          </a:xfrm>
+        </p:grpSpPr>
+        <p:sp>
+          <p:nvSpPr>
+            <p:cNvPr id="107" name="Rectangle 106">
+              <a:extLst>
+                <a:ext uri="{FF2B5EF4-FFF2-40B4-BE49-F238E27FC236}">
+                  <a16:creationId xmlns:a16="http://schemas.microsoft.com/office/drawing/2014/main" id="{8D7900EF-9972-471C-AEFB-8914DD3A3445}"/>
+                </a:ext>
+              </a:extLst>
+            </p:cNvPr>
+            <p:cNvSpPr/>
+            <p:nvPr/>
+          </p:nvSpPr>
+          <p:spPr>
+            <a:xfrm rot="5400000">
+              <a:off x="7528280" y="1924040"/>
+              <a:ext cx="190500" cy="198120"/>
+            </a:xfrm>
+            <a:prstGeom prst="rect">
+              <a:avLst/>
+            </a:prstGeom>
+            <a:solidFill>
+              <a:schemeClr val="accent4">
+                <a:lumMod val="40000"/>
+                <a:lumOff val="60000"/>
+              </a:schemeClr>
+            </a:solidFill>
+            <a:ln w="6350">
+              <a:solidFill>
+                <a:schemeClr val="tx1"/>
+              </a:solidFill>
+            </a:ln>
+          </p:spPr>
+          <p:style>
+            <a:lnRef idx="2">
+              <a:schemeClr val="accent1">
+                <a:shade val="50000"/>
+              </a:schemeClr>
+            </a:lnRef>
+            <a:fillRef idx="1">
+              <a:schemeClr val="accent1"/>
+            </a:fillRef>
+            <a:effectRef idx="0">
+              <a:schemeClr val="accent1"/>
+            </a:effectRef>
+            <a:fontRef idx="minor">
+              <a:schemeClr val="lt1"/>
+            </a:fontRef>
+          </p:style>
+          <p:txBody>
+            <a:bodyPr rtlCol="0" anchor="ctr"/>
+            <a:lstStyle/>
+            <a:p>
+              <a:pPr algn="ctr"/>
+              <a:endParaRPr lang="en-GB" sz="1798" dirty="0"/>
+            </a:p>
+          </p:txBody>
+        </p:sp>
+        <p:sp>
+          <p:nvSpPr>
+            <p:cNvPr id="108" name="Rectangle 107">
+              <a:extLst>
+                <a:ext uri="{FF2B5EF4-FFF2-40B4-BE49-F238E27FC236}">
+                  <a16:creationId xmlns:a16="http://schemas.microsoft.com/office/drawing/2014/main" id="{200D0E02-5AB3-496E-82BA-65BCADA26F63}"/>
+                </a:ext>
+              </a:extLst>
+            </p:cNvPr>
+            <p:cNvSpPr/>
+            <p:nvPr/>
+          </p:nvSpPr>
+          <p:spPr>
+            <a:xfrm rot="5400000">
+              <a:off x="7528280" y="2114540"/>
+              <a:ext cx="190500" cy="198120"/>
+            </a:xfrm>
+            <a:prstGeom prst="rect">
+              <a:avLst/>
+            </a:prstGeom>
+            <a:solidFill>
+              <a:schemeClr val="accent4">
+                <a:lumMod val="40000"/>
+                <a:lumOff val="60000"/>
+              </a:schemeClr>
+            </a:solidFill>
+            <a:ln w="6350">
+              <a:solidFill>
+                <a:schemeClr val="tx1"/>
+              </a:solidFill>
+            </a:ln>
+          </p:spPr>
+          <p:style>
+            <a:lnRef idx="2">
+              <a:schemeClr val="accent1">
+                <a:shade val="50000"/>
+              </a:schemeClr>
+            </a:lnRef>
+            <a:fillRef idx="1">
+              <a:schemeClr val="accent1"/>
+            </a:fillRef>
+            <a:effectRef idx="0">
+              <a:schemeClr val="accent1"/>
+            </a:effectRef>
+            <a:fontRef idx="minor">
+              <a:schemeClr val="lt1"/>
+            </a:fontRef>
+          </p:style>
+          <p:txBody>
+            <a:bodyPr rtlCol="0" anchor="ctr"/>
+            <a:lstStyle/>
+            <a:p>
+              <a:pPr algn="ctr"/>
+              <a:endParaRPr lang="en-GB" sz="1798"/>
+            </a:p>
+          </p:txBody>
+        </p:sp>
+        <p:sp>
+          <p:nvSpPr>
+            <p:cNvPr id="109" name="Rectangle 108">
+              <a:extLst>
+                <a:ext uri="{FF2B5EF4-FFF2-40B4-BE49-F238E27FC236}">
+                  <a16:creationId xmlns:a16="http://schemas.microsoft.com/office/drawing/2014/main" id="{4ACB4590-CBEC-4574-8A9F-4FA39AF27946}"/>
+                </a:ext>
+              </a:extLst>
+            </p:cNvPr>
+            <p:cNvSpPr/>
+            <p:nvPr/>
+          </p:nvSpPr>
+          <p:spPr>
+            <a:xfrm rot="5400000">
+              <a:off x="7528280" y="2305040"/>
+              <a:ext cx="190500" cy="198120"/>
+            </a:xfrm>
+            <a:prstGeom prst="rect">
+              <a:avLst/>
+            </a:prstGeom>
+            <a:solidFill>
+              <a:schemeClr val="accent4">
+                <a:lumMod val="40000"/>
+                <a:lumOff val="60000"/>
+              </a:schemeClr>
+            </a:solidFill>
+            <a:ln w="6350">
+              <a:solidFill>
+                <a:schemeClr val="tx1"/>
+              </a:solidFill>
+            </a:ln>
+          </p:spPr>
+          <p:style>
+            <a:lnRef idx="2">
+              <a:schemeClr val="accent1">
+                <a:shade val="50000"/>
+              </a:schemeClr>
+            </a:lnRef>
+            <a:fillRef idx="1">
+              <a:schemeClr val="accent1"/>
+            </a:fillRef>
+            <a:effectRef idx="0">
+              <a:schemeClr val="accent1"/>
+            </a:effectRef>
+            <a:fontRef idx="minor">
+              <a:schemeClr val="lt1"/>
+            </a:fontRef>
+          </p:style>
+          <p:txBody>
+            <a:bodyPr rtlCol="0" anchor="ctr"/>
+            <a:lstStyle/>
+            <a:p>
+              <a:pPr algn="ctr"/>
+              <a:endParaRPr lang="en-GB" sz="1798" dirty="0"/>
+            </a:p>
+          </p:txBody>
+        </p:sp>
+        <p:sp>
+          <p:nvSpPr>
+            <p:cNvPr id="110" name="Rectangle 109">
+              <a:extLst>
+                <a:ext uri="{FF2B5EF4-FFF2-40B4-BE49-F238E27FC236}">
+                  <a16:creationId xmlns:a16="http://schemas.microsoft.com/office/drawing/2014/main" id="{CF8EBF5A-FE46-4B3D-9F1A-CD369A168C2A}"/>
+                </a:ext>
+              </a:extLst>
+            </p:cNvPr>
+            <p:cNvSpPr/>
+            <p:nvPr/>
+          </p:nvSpPr>
+          <p:spPr>
+            <a:xfrm rot="5400000">
+              <a:off x="7528280" y="2495540"/>
+              <a:ext cx="190500" cy="198120"/>
+            </a:xfrm>
+            <a:prstGeom prst="rect">
+              <a:avLst/>
+            </a:prstGeom>
+            <a:solidFill>
+              <a:schemeClr val="accent4">
+                <a:lumMod val="40000"/>
+                <a:lumOff val="60000"/>
+              </a:schemeClr>
+            </a:solidFill>
+            <a:ln w="6350">
+              <a:solidFill>
+                <a:schemeClr val="tx1"/>
+              </a:solidFill>
+            </a:ln>
+          </p:spPr>
+          <p:style>
+            <a:lnRef idx="2">
+              <a:schemeClr val="accent1">
+                <a:shade val="50000"/>
+              </a:schemeClr>
+            </a:lnRef>
+            <a:fillRef idx="1">
+              <a:schemeClr val="accent1"/>
+            </a:fillRef>
+            <a:effectRef idx="0">
+              <a:schemeClr val="accent1"/>
+            </a:effectRef>
+            <a:fontRef idx="minor">
+              <a:schemeClr val="lt1"/>
+            </a:fontRef>
+          </p:style>
+          <p:txBody>
+            <a:bodyPr rtlCol="0" anchor="ctr"/>
+            <a:lstStyle/>
+            <a:p>
+              <a:pPr algn="ctr"/>
+              <a:endParaRPr lang="en-GB" sz="1798"/>
+            </a:p>
+          </p:txBody>
+        </p:sp>
+        <p:sp>
+          <p:nvSpPr>
+            <p:cNvPr id="111" name="TextBox 110">
+              <a:extLst>
+                <a:ext uri="{FF2B5EF4-FFF2-40B4-BE49-F238E27FC236}">
+                  <a16:creationId xmlns:a16="http://schemas.microsoft.com/office/drawing/2014/main" id="{90F7745F-AC40-4EEE-BB80-BDFA55568F90}"/>
+                </a:ext>
+              </a:extLst>
+            </p:cNvPr>
+            <p:cNvSpPr txBox="1"/>
+            <p:nvPr/>
+          </p:nvSpPr>
+          <p:spPr>
+            <a:xfrm>
+              <a:off x="6932916" y="2817878"/>
+              <a:ext cx="1381228" cy="246221"/>
+            </a:xfrm>
+            <a:prstGeom prst="rect">
+              <a:avLst/>
+            </a:prstGeom>
+            <a:noFill/>
+          </p:spPr>
+          <p:txBody>
+            <a:bodyPr wrap="square" rtlCol="0">
+              <a:spAutoFit/>
+            </a:bodyPr>
+            <a:lstStyle/>
+            <a:p>
+              <a:pPr algn="ctr"/>
+              <a:r>
+                <a:rPr lang="en-US" sz="999" dirty="0"/>
+                <a:t>s2</a:t>
+              </a:r>
+            </a:p>
+          </p:txBody>
+        </p:sp>
+      </p:grpSp>
+      <p:grpSp>
+        <p:nvGrpSpPr>
+          <p:cNvPr id="112" name="s_input">
+            <a:extLst>
+              <a:ext uri="{FF2B5EF4-FFF2-40B4-BE49-F238E27FC236}">
+                <a16:creationId xmlns:a16="http://schemas.microsoft.com/office/drawing/2014/main" id="{6F00BEC1-643A-4CC3-B10C-AD258430FA7A}"/>
+              </a:ext>
+            </a:extLst>
+          </p:cNvPr>
+          <p:cNvGrpSpPr/>
+          <p:nvPr/>
+        </p:nvGrpSpPr>
+        <p:grpSpPr>
+          <a:xfrm rot="16200000">
+            <a:off x="2825936" y="4986733"/>
+            <a:ext cx="1379789" cy="1135065"/>
+            <a:chOff x="6932916" y="1927850"/>
+            <a:chExt cx="1381228" cy="1136249"/>
+          </a:xfrm>
+        </p:grpSpPr>
+        <p:sp>
+          <p:nvSpPr>
+            <p:cNvPr id="113" name="Rectangle 112">
+              <a:extLst>
+                <a:ext uri="{FF2B5EF4-FFF2-40B4-BE49-F238E27FC236}">
+                  <a16:creationId xmlns:a16="http://schemas.microsoft.com/office/drawing/2014/main" id="{A4A5D20C-24F7-405F-873C-673B9D8A7613}"/>
+                </a:ext>
+              </a:extLst>
+            </p:cNvPr>
+            <p:cNvSpPr/>
+            <p:nvPr/>
+          </p:nvSpPr>
+          <p:spPr>
+            <a:xfrm rot="5400000">
+              <a:off x="7528280" y="1924040"/>
+              <a:ext cx="190500" cy="198120"/>
+            </a:xfrm>
+            <a:prstGeom prst="rect">
+              <a:avLst/>
+            </a:prstGeom>
+            <a:solidFill>
+              <a:schemeClr val="accent4">
+                <a:lumMod val="40000"/>
+                <a:lumOff val="60000"/>
+              </a:schemeClr>
+            </a:solidFill>
+            <a:ln w="6350">
+              <a:solidFill>
+                <a:schemeClr val="tx1"/>
+              </a:solidFill>
+            </a:ln>
+          </p:spPr>
+          <p:style>
+            <a:lnRef idx="2">
+              <a:schemeClr val="accent1">
+                <a:shade val="50000"/>
+              </a:schemeClr>
+            </a:lnRef>
+            <a:fillRef idx="1">
+              <a:schemeClr val="accent1"/>
+            </a:fillRef>
+            <a:effectRef idx="0">
+              <a:schemeClr val="accent1"/>
+            </a:effectRef>
+            <a:fontRef idx="minor">
+              <a:schemeClr val="lt1"/>
+            </a:fontRef>
+          </p:style>
+          <p:txBody>
+            <a:bodyPr rtlCol="0" anchor="ctr"/>
+            <a:lstStyle/>
+            <a:p>
+              <a:pPr algn="ctr"/>
+              <a:endParaRPr lang="en-GB" sz="1798" dirty="0"/>
+            </a:p>
+          </p:txBody>
+        </p:sp>
+        <p:sp>
+          <p:nvSpPr>
+            <p:cNvPr id="114" name="Rectangle 113">
+              <a:extLst>
+                <a:ext uri="{FF2B5EF4-FFF2-40B4-BE49-F238E27FC236}">
+                  <a16:creationId xmlns:a16="http://schemas.microsoft.com/office/drawing/2014/main" id="{A957A2AC-33C2-4099-A9CE-19D5ADB161E4}"/>
+                </a:ext>
+              </a:extLst>
+            </p:cNvPr>
+            <p:cNvSpPr/>
+            <p:nvPr/>
+          </p:nvSpPr>
+          <p:spPr>
+            <a:xfrm rot="5400000">
+              <a:off x="7528280" y="2114540"/>
+              <a:ext cx="190500" cy="198120"/>
+            </a:xfrm>
+            <a:prstGeom prst="rect">
+              <a:avLst/>
+            </a:prstGeom>
+            <a:solidFill>
+              <a:schemeClr val="accent4">
+                <a:lumMod val="40000"/>
+                <a:lumOff val="60000"/>
+              </a:schemeClr>
+            </a:solidFill>
+            <a:ln w="6350">
+              <a:solidFill>
+                <a:schemeClr val="tx1"/>
+              </a:solidFill>
+            </a:ln>
+          </p:spPr>
+          <p:style>
+            <a:lnRef idx="2">
+              <a:schemeClr val="accent1">
+                <a:shade val="50000"/>
+              </a:schemeClr>
+            </a:lnRef>
+            <a:fillRef idx="1">
+              <a:schemeClr val="accent1"/>
+            </a:fillRef>
+            <a:effectRef idx="0">
+              <a:schemeClr val="accent1"/>
+            </a:effectRef>
+            <a:fontRef idx="minor">
+              <a:schemeClr val="lt1"/>
+            </a:fontRef>
+          </p:style>
+          <p:txBody>
+            <a:bodyPr rtlCol="0" anchor="ctr"/>
+            <a:lstStyle/>
+            <a:p>
+              <a:pPr algn="ctr"/>
+              <a:endParaRPr lang="en-GB" sz="1798"/>
+            </a:p>
+          </p:txBody>
+        </p:sp>
+        <p:sp>
+          <p:nvSpPr>
+            <p:cNvPr id="115" name="Rectangle 114">
+              <a:extLst>
+                <a:ext uri="{FF2B5EF4-FFF2-40B4-BE49-F238E27FC236}">
+                  <a16:creationId xmlns:a16="http://schemas.microsoft.com/office/drawing/2014/main" id="{D02267CF-6E56-4CE9-87FA-86D07514AFF2}"/>
+                </a:ext>
+              </a:extLst>
+            </p:cNvPr>
+            <p:cNvSpPr/>
+            <p:nvPr/>
+          </p:nvSpPr>
+          <p:spPr>
+            <a:xfrm rot="5400000">
+              <a:off x="7528280" y="2305040"/>
+              <a:ext cx="190500" cy="198120"/>
+            </a:xfrm>
+            <a:prstGeom prst="rect">
+              <a:avLst/>
+            </a:prstGeom>
+            <a:solidFill>
+              <a:schemeClr val="accent4">
+                <a:lumMod val="40000"/>
+                <a:lumOff val="60000"/>
+              </a:schemeClr>
+            </a:solidFill>
+            <a:ln w="6350">
+              <a:solidFill>
+                <a:schemeClr val="tx1"/>
+              </a:solidFill>
+            </a:ln>
+          </p:spPr>
+          <p:style>
+            <a:lnRef idx="2">
+              <a:schemeClr val="accent1">
+                <a:shade val="50000"/>
+              </a:schemeClr>
+            </a:lnRef>
+            <a:fillRef idx="1">
+              <a:schemeClr val="accent1"/>
+            </a:fillRef>
+            <a:effectRef idx="0">
+              <a:schemeClr val="accent1"/>
+            </a:effectRef>
+            <a:fontRef idx="minor">
+              <a:schemeClr val="lt1"/>
+            </a:fontRef>
+          </p:style>
+          <p:txBody>
+            <a:bodyPr rtlCol="0" anchor="ctr"/>
+            <a:lstStyle/>
+            <a:p>
+              <a:pPr algn="ctr"/>
+              <a:endParaRPr lang="en-GB" sz="1798" dirty="0"/>
+            </a:p>
+          </p:txBody>
+        </p:sp>
+        <p:sp>
+          <p:nvSpPr>
+            <p:cNvPr id="116" name="Rectangle 115">
+              <a:extLst>
+                <a:ext uri="{FF2B5EF4-FFF2-40B4-BE49-F238E27FC236}">
+                  <a16:creationId xmlns:a16="http://schemas.microsoft.com/office/drawing/2014/main" id="{E80ADBE7-2827-4B36-B13F-6B85693A48CB}"/>
+                </a:ext>
+              </a:extLst>
+            </p:cNvPr>
+            <p:cNvSpPr/>
+            <p:nvPr/>
+          </p:nvSpPr>
+          <p:spPr>
+            <a:xfrm rot="5400000">
+              <a:off x="7528280" y="2495540"/>
+              <a:ext cx="190500" cy="198120"/>
+            </a:xfrm>
+            <a:prstGeom prst="rect">
+              <a:avLst/>
+            </a:prstGeom>
+            <a:solidFill>
+              <a:schemeClr val="accent4">
+                <a:lumMod val="40000"/>
+                <a:lumOff val="60000"/>
+              </a:schemeClr>
+            </a:solidFill>
+            <a:ln w="6350">
+              <a:solidFill>
+                <a:schemeClr val="tx1"/>
+              </a:solidFill>
+            </a:ln>
+          </p:spPr>
+          <p:style>
+            <a:lnRef idx="2">
+              <a:schemeClr val="accent1">
+                <a:shade val="50000"/>
+              </a:schemeClr>
+            </a:lnRef>
+            <a:fillRef idx="1">
+              <a:schemeClr val="accent1"/>
+            </a:fillRef>
+            <a:effectRef idx="0">
+              <a:schemeClr val="accent1"/>
+            </a:effectRef>
+            <a:fontRef idx="minor">
+              <a:schemeClr val="lt1"/>
+            </a:fontRef>
+          </p:style>
+          <p:txBody>
+            <a:bodyPr rtlCol="0" anchor="ctr"/>
+            <a:lstStyle/>
+            <a:p>
+              <a:pPr algn="ctr"/>
+              <a:endParaRPr lang="en-GB" sz="1798"/>
+            </a:p>
+          </p:txBody>
+        </p:sp>
+        <p:sp>
+          <p:nvSpPr>
+            <p:cNvPr id="117" name="TextBox 116">
+              <a:extLst>
+                <a:ext uri="{FF2B5EF4-FFF2-40B4-BE49-F238E27FC236}">
+                  <a16:creationId xmlns:a16="http://schemas.microsoft.com/office/drawing/2014/main" id="{1A8F94BD-DA23-41F8-8150-9A0ACF82E9C6}"/>
+                </a:ext>
+              </a:extLst>
+            </p:cNvPr>
+            <p:cNvSpPr txBox="1"/>
+            <p:nvPr/>
+          </p:nvSpPr>
+          <p:spPr>
+            <a:xfrm>
+              <a:off x="6932916" y="2817878"/>
+              <a:ext cx="1381228" cy="246221"/>
+            </a:xfrm>
+            <a:prstGeom prst="rect">
+              <a:avLst/>
+            </a:prstGeom>
+            <a:noFill/>
+          </p:spPr>
+          <p:txBody>
+            <a:bodyPr wrap="square" rtlCol="0">
+              <a:spAutoFit/>
+            </a:bodyPr>
+            <a:lstStyle/>
+            <a:p>
+              <a:pPr algn="ctr"/>
+              <a:r>
+                <a:rPr lang="en-US" sz="999" dirty="0"/>
+                <a:t>s2</a:t>
+              </a:r>
+            </a:p>
+          </p:txBody>
+        </p:sp>
+      </p:grpSp>
+      <p:grpSp>
+        <p:nvGrpSpPr>
+          <p:cNvPr id="118" name="s_input">
+            <a:extLst>
+              <a:ext uri="{FF2B5EF4-FFF2-40B4-BE49-F238E27FC236}">
+                <a16:creationId xmlns:a16="http://schemas.microsoft.com/office/drawing/2014/main" id="{5DE2BDB7-9EB0-4DE3-B000-446CEA4EDA04}"/>
+              </a:ext>
+            </a:extLst>
+          </p:cNvPr>
+          <p:cNvGrpSpPr/>
+          <p:nvPr/>
+        </p:nvGrpSpPr>
+        <p:grpSpPr>
+          <a:xfrm rot="16200000">
+            <a:off x="2822565" y="5702889"/>
+            <a:ext cx="1379789" cy="1135065"/>
+            <a:chOff x="6932916" y="1927850"/>
+            <a:chExt cx="1381228" cy="1136249"/>
+          </a:xfrm>
+        </p:grpSpPr>
+        <p:sp>
+          <p:nvSpPr>
+            <p:cNvPr id="119" name="Rectangle 118">
+              <a:extLst>
+                <a:ext uri="{FF2B5EF4-FFF2-40B4-BE49-F238E27FC236}">
+                  <a16:creationId xmlns:a16="http://schemas.microsoft.com/office/drawing/2014/main" id="{3098C901-4485-4197-973D-B94DCAB5C574}"/>
+                </a:ext>
+              </a:extLst>
+            </p:cNvPr>
+            <p:cNvSpPr/>
+            <p:nvPr/>
+          </p:nvSpPr>
+          <p:spPr>
+            <a:xfrm rot="5400000">
+              <a:off x="7528280" y="1924040"/>
+              <a:ext cx="190500" cy="198120"/>
+            </a:xfrm>
+            <a:prstGeom prst="rect">
+              <a:avLst/>
+            </a:prstGeom>
+            <a:solidFill>
+              <a:schemeClr val="accent4">
+                <a:lumMod val="40000"/>
+                <a:lumOff val="60000"/>
+              </a:schemeClr>
+            </a:solidFill>
+            <a:ln w="6350">
+              <a:solidFill>
+                <a:schemeClr val="tx1"/>
+              </a:solidFill>
+            </a:ln>
+          </p:spPr>
+          <p:style>
+            <a:lnRef idx="2">
+              <a:schemeClr val="accent1">
+                <a:shade val="50000"/>
+              </a:schemeClr>
+            </a:lnRef>
+            <a:fillRef idx="1">
+              <a:schemeClr val="accent1"/>
+            </a:fillRef>
+            <a:effectRef idx="0">
+              <a:schemeClr val="accent1"/>
+            </a:effectRef>
+            <a:fontRef idx="minor">
+              <a:schemeClr val="lt1"/>
+            </a:fontRef>
+          </p:style>
+          <p:txBody>
+            <a:bodyPr rtlCol="0" anchor="ctr"/>
+            <a:lstStyle/>
+            <a:p>
+              <a:pPr algn="ctr"/>
+              <a:endParaRPr lang="en-GB" sz="1798" dirty="0"/>
+            </a:p>
+          </p:txBody>
+        </p:sp>
+        <p:sp>
+          <p:nvSpPr>
+            <p:cNvPr id="120" name="Rectangle 119">
+              <a:extLst>
+                <a:ext uri="{FF2B5EF4-FFF2-40B4-BE49-F238E27FC236}">
+                  <a16:creationId xmlns:a16="http://schemas.microsoft.com/office/drawing/2014/main" id="{7D28165B-0321-4F73-ACAD-ED1D58A7F347}"/>
+                </a:ext>
+              </a:extLst>
+            </p:cNvPr>
+            <p:cNvSpPr/>
+            <p:nvPr/>
+          </p:nvSpPr>
+          <p:spPr>
+            <a:xfrm rot="5400000">
+              <a:off x="7528280" y="2114540"/>
+              <a:ext cx="190500" cy="198120"/>
+            </a:xfrm>
+            <a:prstGeom prst="rect">
+              <a:avLst/>
+            </a:prstGeom>
+            <a:solidFill>
+              <a:schemeClr val="accent4">
+                <a:lumMod val="40000"/>
+                <a:lumOff val="60000"/>
+              </a:schemeClr>
+            </a:solidFill>
+            <a:ln w="6350">
+              <a:solidFill>
+                <a:schemeClr val="tx1"/>
+              </a:solidFill>
+            </a:ln>
+          </p:spPr>
+          <p:style>
+            <a:lnRef idx="2">
+              <a:schemeClr val="accent1">
+                <a:shade val="50000"/>
+              </a:schemeClr>
+            </a:lnRef>
+            <a:fillRef idx="1">
+              <a:schemeClr val="accent1"/>
+            </a:fillRef>
+            <a:effectRef idx="0">
+              <a:schemeClr val="accent1"/>
+            </a:effectRef>
+            <a:fontRef idx="minor">
+              <a:schemeClr val="lt1"/>
+            </a:fontRef>
+          </p:style>
+          <p:txBody>
+            <a:bodyPr rtlCol="0" anchor="ctr"/>
+            <a:lstStyle/>
+            <a:p>
+              <a:pPr algn="ctr"/>
+              <a:endParaRPr lang="en-GB" sz="1798"/>
+            </a:p>
+          </p:txBody>
+        </p:sp>
+        <p:sp>
+          <p:nvSpPr>
+            <p:cNvPr id="121" name="Rectangle 120">
+              <a:extLst>
+                <a:ext uri="{FF2B5EF4-FFF2-40B4-BE49-F238E27FC236}">
+                  <a16:creationId xmlns:a16="http://schemas.microsoft.com/office/drawing/2014/main" id="{010FCD9A-BDA5-4331-8348-D5F00B3FA843}"/>
+                </a:ext>
+              </a:extLst>
+            </p:cNvPr>
+            <p:cNvSpPr/>
+            <p:nvPr/>
+          </p:nvSpPr>
+          <p:spPr>
+            <a:xfrm rot="5400000">
+              <a:off x="7528280" y="2305040"/>
+              <a:ext cx="190500" cy="198120"/>
+            </a:xfrm>
+            <a:prstGeom prst="rect">
+              <a:avLst/>
+            </a:prstGeom>
+            <a:solidFill>
+              <a:schemeClr val="accent4">
+                <a:lumMod val="40000"/>
+                <a:lumOff val="60000"/>
+              </a:schemeClr>
+            </a:solidFill>
+            <a:ln w="6350">
+              <a:solidFill>
+                <a:schemeClr val="tx1"/>
+              </a:solidFill>
+            </a:ln>
+          </p:spPr>
+          <p:style>
+            <a:lnRef idx="2">
+              <a:schemeClr val="accent1">
+                <a:shade val="50000"/>
+              </a:schemeClr>
+            </a:lnRef>
+            <a:fillRef idx="1">
+              <a:schemeClr val="accent1"/>
+            </a:fillRef>
+            <a:effectRef idx="0">
+              <a:schemeClr val="accent1"/>
+            </a:effectRef>
+            <a:fontRef idx="minor">
+              <a:schemeClr val="lt1"/>
+            </a:fontRef>
+          </p:style>
+          <p:txBody>
+            <a:bodyPr rtlCol="0" anchor="ctr"/>
+            <a:lstStyle/>
+            <a:p>
+              <a:pPr algn="ctr"/>
+              <a:endParaRPr lang="en-GB" sz="1798" dirty="0"/>
+            </a:p>
+          </p:txBody>
+        </p:sp>
+        <p:sp>
+          <p:nvSpPr>
+            <p:cNvPr id="122" name="Rectangle 121">
+              <a:extLst>
+                <a:ext uri="{FF2B5EF4-FFF2-40B4-BE49-F238E27FC236}">
+                  <a16:creationId xmlns:a16="http://schemas.microsoft.com/office/drawing/2014/main" id="{4F18A38F-C062-4F52-89DC-7302A95C170A}"/>
+                </a:ext>
+              </a:extLst>
+            </p:cNvPr>
+            <p:cNvSpPr/>
+            <p:nvPr/>
+          </p:nvSpPr>
+          <p:spPr>
+            <a:xfrm rot="5400000">
+              <a:off x="7528280" y="2495540"/>
+              <a:ext cx="190500" cy="198120"/>
+            </a:xfrm>
+            <a:prstGeom prst="rect">
+              <a:avLst/>
+            </a:prstGeom>
+            <a:solidFill>
+              <a:schemeClr val="accent4">
+                <a:lumMod val="40000"/>
+                <a:lumOff val="60000"/>
+              </a:schemeClr>
+            </a:solidFill>
+            <a:ln w="6350">
+              <a:solidFill>
+                <a:schemeClr val="tx1"/>
+              </a:solidFill>
+            </a:ln>
+          </p:spPr>
+          <p:style>
+            <a:lnRef idx="2">
+              <a:schemeClr val="accent1">
+                <a:shade val="50000"/>
+              </a:schemeClr>
+            </a:lnRef>
+            <a:fillRef idx="1">
+              <a:schemeClr val="accent1"/>
+            </a:fillRef>
+            <a:effectRef idx="0">
+              <a:schemeClr val="accent1"/>
+            </a:effectRef>
+            <a:fontRef idx="minor">
+              <a:schemeClr val="lt1"/>
+            </a:fontRef>
+          </p:style>
+          <p:txBody>
+            <a:bodyPr rtlCol="0" anchor="ctr"/>
+            <a:lstStyle/>
+            <a:p>
+              <a:pPr algn="ctr"/>
+              <a:endParaRPr lang="en-GB" sz="1798"/>
+            </a:p>
+          </p:txBody>
+        </p:sp>
+        <p:sp>
+          <p:nvSpPr>
+            <p:cNvPr id="123" name="TextBox 122">
+              <a:extLst>
+                <a:ext uri="{FF2B5EF4-FFF2-40B4-BE49-F238E27FC236}">
+                  <a16:creationId xmlns:a16="http://schemas.microsoft.com/office/drawing/2014/main" id="{25B340D2-41CB-4AE3-8F3E-FA30FC919050}"/>
+                </a:ext>
+              </a:extLst>
+            </p:cNvPr>
+            <p:cNvSpPr txBox="1"/>
+            <p:nvPr/>
+          </p:nvSpPr>
+          <p:spPr>
+            <a:xfrm>
+              <a:off x="6932916" y="2817878"/>
+              <a:ext cx="1381228" cy="246221"/>
+            </a:xfrm>
+            <a:prstGeom prst="rect">
+              <a:avLst/>
+            </a:prstGeom>
+            <a:noFill/>
+          </p:spPr>
+          <p:txBody>
+            <a:bodyPr wrap="square" rtlCol="0">
+              <a:spAutoFit/>
+            </a:bodyPr>
+            <a:lstStyle/>
+            <a:p>
+              <a:pPr algn="ctr"/>
+              <a:r>
+                <a:rPr lang="en-US" sz="999" dirty="0"/>
+                <a:t>s2</a:t>
+              </a:r>
+            </a:p>
+          </p:txBody>
+        </p:sp>
+      </p:grpSp>
+      <p:grpSp>
+        <p:nvGrpSpPr>
+          <p:cNvPr id="227" name="Group 226">
+            <a:extLst>
+              <a:ext uri="{FF2B5EF4-FFF2-40B4-BE49-F238E27FC236}">
+                <a16:creationId xmlns:a16="http://schemas.microsoft.com/office/drawing/2014/main" id="{828AAF84-3570-4A8D-A7E7-A89815EF1679}"/>
+              </a:ext>
+            </a:extLst>
+          </p:cNvPr>
+          <p:cNvGrpSpPr/>
+          <p:nvPr/>
+        </p:nvGrpSpPr>
+        <p:grpSpPr>
+          <a:xfrm>
+            <a:off x="2853885" y="177525"/>
+            <a:ext cx="3235765" cy="6528300"/>
+            <a:chOff x="2853885" y="177525"/>
+            <a:chExt cx="3235765" cy="6528300"/>
+          </a:xfrm>
+        </p:grpSpPr>
+        <p:cxnSp>
+          <p:nvCxnSpPr>
+            <p:cNvPr id="203" name="Straight Arrow Connector 202">
+              <a:extLst>
+                <a:ext uri="{FF2B5EF4-FFF2-40B4-BE49-F238E27FC236}">
+                  <a16:creationId xmlns:a16="http://schemas.microsoft.com/office/drawing/2014/main" id="{7E59CE26-A669-4AD5-B2A5-B02EDE038774}"/>
+                </a:ext>
+              </a:extLst>
+            </p:cNvPr>
+            <p:cNvCxnSpPr>
+              <a:cxnSpLocks/>
+            </p:cNvCxnSpPr>
+            <p:nvPr/>
+          </p:nvCxnSpPr>
+          <p:spPr>
+            <a:xfrm>
+              <a:off x="4515800" y="662152"/>
+              <a:ext cx="0" cy="403255"/>
+            </a:xfrm>
+            <a:prstGeom prst="straightConnector1">
+              <a:avLst/>
+            </a:prstGeom>
+            <a:ln w="19050">
+              <a:solidFill>
+                <a:schemeClr val="tx1"/>
+              </a:solidFill>
+              <a:tailEnd type="triangle"/>
+            </a:ln>
+          </p:spPr>
+          <p:style>
+            <a:lnRef idx="1">
+              <a:schemeClr val="accent1"/>
+            </a:lnRef>
+            <a:fillRef idx="0">
+              <a:schemeClr val="accent1"/>
+            </a:fillRef>
+            <a:effectRef idx="0">
+              <a:schemeClr val="accent1"/>
+            </a:effectRef>
+            <a:fontRef idx="minor">
+              <a:schemeClr val="tx1"/>
+            </a:fontRef>
+          </p:style>
+        </p:cxnSp>
+        <p:grpSp>
+          <p:nvGrpSpPr>
+            <p:cNvPr id="167" name="Group 166">
+              <a:extLst>
+                <a:ext uri="{FF2B5EF4-FFF2-40B4-BE49-F238E27FC236}">
+                  <a16:creationId xmlns:a16="http://schemas.microsoft.com/office/drawing/2014/main" id="{26377931-D927-4F92-866D-B29DD1EB2AC0}"/>
+                </a:ext>
+              </a:extLst>
+            </p:cNvPr>
+            <p:cNvGrpSpPr/>
+            <p:nvPr/>
+          </p:nvGrpSpPr>
+          <p:grpSpPr>
+            <a:xfrm>
+              <a:off x="4158995" y="1465004"/>
+              <a:ext cx="714703" cy="923330"/>
+              <a:chOff x="8954814" y="1388924"/>
+              <a:chExt cx="714703" cy="923330"/>
+            </a:xfrm>
+          </p:grpSpPr>
+          <p:cxnSp>
+            <p:nvCxnSpPr>
+              <p:cNvPr id="142" name="Straight Connector 141">
+                <a:extLst>
+                  <a:ext uri="{FF2B5EF4-FFF2-40B4-BE49-F238E27FC236}">
+                    <a16:creationId xmlns:a16="http://schemas.microsoft.com/office/drawing/2014/main" id="{B0210037-D7F2-4AF1-B9E1-DF3469071F49}"/>
+                  </a:ext>
+                </a:extLst>
+              </p:cNvPr>
+              <p:cNvCxnSpPr>
+                <a:cxnSpLocks/>
+              </p:cNvCxnSpPr>
+              <p:nvPr/>
+            </p:nvCxnSpPr>
+            <p:spPr>
+              <a:xfrm>
+                <a:off x="8954814" y="1878400"/>
+                <a:ext cx="254948" cy="0"/>
+              </a:xfrm>
+              <a:prstGeom prst="line">
+                <a:avLst/>
+              </a:prstGeom>
+              <a:ln w="28575"/>
+            </p:spPr>
+            <p:style>
+              <a:lnRef idx="1">
+                <a:schemeClr val="dk1"/>
+              </a:lnRef>
+              <a:fillRef idx="0">
+                <a:schemeClr val="dk1"/>
+              </a:fillRef>
+              <a:effectRef idx="0">
+                <a:schemeClr val="dk1"/>
+              </a:effectRef>
+              <a:fontRef idx="minor">
+                <a:schemeClr val="tx1"/>
+              </a:fontRef>
+            </p:style>
+          </p:cxnSp>
+          <mc:AlternateContent xmlns:mc="http://schemas.openxmlformats.org/markup-compatibility/2006">
+            <mc:Choice xmlns:a14="http://schemas.microsoft.com/office/drawing/2010/main" Requires="a14">
+              <p:sp>
+                <p:nvSpPr>
+                  <p:cNvPr id="148" name="TextBox 147">
+                    <a:extLst>
+                      <a:ext uri="{FF2B5EF4-FFF2-40B4-BE49-F238E27FC236}">
+                        <a16:creationId xmlns:a16="http://schemas.microsoft.com/office/drawing/2014/main" id="{FB9B0799-BD98-49FB-A9B0-67D65D9E40A6}"/>
+                      </a:ext>
+                    </a:extLst>
+                  </p:cNvPr>
+                  <p:cNvSpPr txBox="1"/>
+                  <p:nvPr/>
+                </p:nvSpPr>
+                <p:spPr>
+                  <a:xfrm>
+                    <a:off x="9017016" y="1388924"/>
+                    <a:ext cx="599090" cy="923330"/>
+                  </a:xfrm>
+                  <a:prstGeom prst="rect">
+                    <a:avLst/>
+                  </a:prstGeom>
+                  <a:noFill/>
+                </p:spPr>
+                <p:txBody>
+                  <a:bodyPr wrap="square" rtlCol="0">
+                    <a:spAutoFit/>
+                  </a:bodyPr>
+                  <a:lstStyle/>
+                  <a:p>
+                    <a14:m>
+                      <m:oMathPara xmlns:m="http://schemas.openxmlformats.org/officeDocument/2006/math">
+                        <m:oMathParaPr>
+                          <m:jc m:val="centerGroup"/>
+                        </m:oMathParaPr>
+                        <m:oMath xmlns:m="http://schemas.openxmlformats.org/officeDocument/2006/math">
+                          <m:r>
+                            <a:rPr lang="en-GB" sz="5400" i="1" smtClean="0">
+                              <a:latin typeface="Cambria Math" panose="02040503050406030204" pitchFamily="18" charset="0"/>
+                              <a:ea typeface="Cambria Math" panose="02040503050406030204" pitchFamily="18" charset="0"/>
+                            </a:rPr>
+                            <m:t>∙</m:t>
+                          </m:r>
+                        </m:oMath>
+                      </m:oMathPara>
+                    </a14:m>
+                    <a:endParaRPr lang="en-GB" dirty="0"/>
+                  </a:p>
+                </p:txBody>
+              </p:sp>
+            </mc:Choice>
+            <mc:Fallback>
+              <p:sp>
+                <p:nvSpPr>
+                  <p:cNvPr id="148" name="TextBox 147">
+                    <a:extLst>
+                      <a:ext uri="{FF2B5EF4-FFF2-40B4-BE49-F238E27FC236}">
+                        <a16:creationId xmlns:a16="http://schemas.microsoft.com/office/drawing/2014/main" id="{FB9B0799-BD98-49FB-A9B0-67D65D9E40A6}"/>
+                      </a:ext>
+                    </a:extLst>
+                  </p:cNvPr>
+                  <p:cNvSpPr txBox="1">
+                    <a:spLocks noRot="1" noChangeAspect="1" noMove="1" noResize="1" noEditPoints="1" noAdjustHandles="1" noChangeArrowheads="1" noChangeShapeType="1" noTextEdit="1"/>
+                  </p:cNvSpPr>
+                  <p:nvPr/>
+                </p:nvSpPr>
+                <p:spPr>
+                  <a:xfrm>
+                    <a:off x="9017016" y="1388924"/>
+                    <a:ext cx="599090" cy="923330"/>
+                  </a:xfrm>
+                  <a:prstGeom prst="rect">
+                    <a:avLst/>
+                  </a:prstGeom>
+                  <a:blipFill>
+                    <a:blip r:embed="rId2"/>
+                    <a:stretch>
+                      <a:fillRect/>
+                    </a:stretch>
+                  </a:blipFill>
+                </p:spPr>
+                <p:txBody>
+                  <a:bodyPr/>
+                  <a:lstStyle/>
+                  <a:p>
+                    <a:r>
+                      <a:rPr lang="en-GB">
+                        <a:noFill/>
+                      </a:rPr>
+                      <a:t> </a:t>
+                    </a:r>
+                  </a:p>
+                </p:txBody>
+              </p:sp>
+            </mc:Fallback>
+          </mc:AlternateContent>
+          <p:cxnSp>
+            <p:nvCxnSpPr>
+              <p:cNvPr id="152" name="Straight Connector 151">
+                <a:extLst>
+                  <a:ext uri="{FF2B5EF4-FFF2-40B4-BE49-F238E27FC236}">
+                    <a16:creationId xmlns:a16="http://schemas.microsoft.com/office/drawing/2014/main" id="{5B60F8A1-FCA5-4330-BA34-8ABA9FBFD16F}"/>
+                  </a:ext>
+                </a:extLst>
+              </p:cNvPr>
+              <p:cNvCxnSpPr>
+                <a:cxnSpLocks/>
+              </p:cNvCxnSpPr>
+              <p:nvPr/>
+            </p:nvCxnSpPr>
+            <p:spPr>
+              <a:xfrm>
+                <a:off x="9423359" y="1878400"/>
+                <a:ext cx="246158" cy="0"/>
+              </a:xfrm>
+              <a:prstGeom prst="line">
+                <a:avLst/>
+              </a:prstGeom>
+              <a:ln w="28575"/>
+            </p:spPr>
+            <p:style>
+              <a:lnRef idx="1">
+                <a:schemeClr val="dk1"/>
+              </a:lnRef>
+              <a:fillRef idx="0">
+                <a:schemeClr val="dk1"/>
+              </a:fillRef>
+              <a:effectRef idx="0">
+                <a:schemeClr val="dk1"/>
+              </a:effectRef>
+              <a:fontRef idx="minor">
+                <a:schemeClr val="tx1"/>
+              </a:fontRef>
+            </p:style>
+          </p:cxnSp>
+        </p:grpSp>
+        <p:grpSp>
+          <p:nvGrpSpPr>
+            <p:cNvPr id="172" name="Group 171">
+              <a:extLst>
+                <a:ext uri="{FF2B5EF4-FFF2-40B4-BE49-F238E27FC236}">
+                  <a16:creationId xmlns:a16="http://schemas.microsoft.com/office/drawing/2014/main" id="{3D2F3C68-2EBA-4868-ADEF-5B5EAC0BC529}"/>
+                </a:ext>
+              </a:extLst>
+            </p:cNvPr>
+            <p:cNvGrpSpPr/>
+            <p:nvPr/>
+          </p:nvGrpSpPr>
+          <p:grpSpPr>
+            <a:xfrm>
+              <a:off x="4163390" y="2177775"/>
+              <a:ext cx="714703" cy="923330"/>
+              <a:chOff x="8954814" y="1388924"/>
+              <a:chExt cx="714703" cy="923330"/>
+            </a:xfrm>
+          </p:grpSpPr>
+          <p:cxnSp>
+            <p:nvCxnSpPr>
+              <p:cNvPr id="173" name="Straight Connector 172">
+                <a:extLst>
+                  <a:ext uri="{FF2B5EF4-FFF2-40B4-BE49-F238E27FC236}">
+                    <a16:creationId xmlns:a16="http://schemas.microsoft.com/office/drawing/2014/main" id="{4DC4A6CA-31BA-4A84-9BB4-65BABA8F3732}"/>
+                  </a:ext>
+                </a:extLst>
+              </p:cNvPr>
+              <p:cNvCxnSpPr>
+                <a:cxnSpLocks/>
+              </p:cNvCxnSpPr>
+              <p:nvPr/>
+            </p:nvCxnSpPr>
+            <p:spPr>
+              <a:xfrm>
+                <a:off x="8954814" y="1878400"/>
+                <a:ext cx="254948" cy="0"/>
+              </a:xfrm>
+              <a:prstGeom prst="line">
+                <a:avLst/>
+              </a:prstGeom>
+              <a:ln w="28575"/>
+            </p:spPr>
+            <p:style>
+              <a:lnRef idx="1">
+                <a:schemeClr val="dk1"/>
+              </a:lnRef>
+              <a:fillRef idx="0">
+                <a:schemeClr val="dk1"/>
+              </a:fillRef>
+              <a:effectRef idx="0">
+                <a:schemeClr val="dk1"/>
+              </a:effectRef>
+              <a:fontRef idx="minor">
+                <a:schemeClr val="tx1"/>
+              </a:fontRef>
+            </p:style>
+          </p:cxnSp>
+          <mc:AlternateContent xmlns:mc="http://schemas.openxmlformats.org/markup-compatibility/2006">
+            <mc:Choice xmlns:a14="http://schemas.microsoft.com/office/drawing/2010/main" Requires="a14">
+              <p:sp>
+                <p:nvSpPr>
+                  <p:cNvPr id="174" name="TextBox 173">
+                    <a:extLst>
+                      <a:ext uri="{FF2B5EF4-FFF2-40B4-BE49-F238E27FC236}">
+                        <a16:creationId xmlns:a16="http://schemas.microsoft.com/office/drawing/2014/main" id="{990ED835-6E34-49EE-9277-8C298DBA8621}"/>
+                      </a:ext>
+                    </a:extLst>
+                  </p:cNvPr>
+                  <p:cNvSpPr txBox="1"/>
+                  <p:nvPr/>
+                </p:nvSpPr>
+                <p:spPr>
+                  <a:xfrm>
+                    <a:off x="9017016" y="1388924"/>
+                    <a:ext cx="599090" cy="923330"/>
+                  </a:xfrm>
+                  <a:prstGeom prst="rect">
+                    <a:avLst/>
+                  </a:prstGeom>
+                  <a:noFill/>
+                </p:spPr>
+                <p:txBody>
+                  <a:bodyPr wrap="square" rtlCol="0">
+                    <a:spAutoFit/>
+                  </a:bodyPr>
+                  <a:lstStyle/>
+                  <a:p>
+                    <a14:m>
+                      <m:oMathPara xmlns:m="http://schemas.openxmlformats.org/officeDocument/2006/math">
+                        <m:oMathParaPr>
+                          <m:jc m:val="centerGroup"/>
+                        </m:oMathParaPr>
+                        <m:oMath xmlns:m="http://schemas.openxmlformats.org/officeDocument/2006/math">
+                          <m:r>
+                            <a:rPr lang="en-GB" sz="5400" i="1" smtClean="0">
+                              <a:latin typeface="Cambria Math" panose="02040503050406030204" pitchFamily="18" charset="0"/>
+                              <a:ea typeface="Cambria Math" panose="02040503050406030204" pitchFamily="18" charset="0"/>
+                            </a:rPr>
+                            <m:t>∙</m:t>
+                          </m:r>
+                        </m:oMath>
+                      </m:oMathPara>
+                    </a14:m>
+                    <a:endParaRPr lang="en-GB" dirty="0"/>
+                  </a:p>
+                </p:txBody>
+              </p:sp>
+            </mc:Choice>
+            <mc:Fallback>
+              <p:sp>
+                <p:nvSpPr>
+                  <p:cNvPr id="174" name="TextBox 173">
+                    <a:extLst>
+                      <a:ext uri="{FF2B5EF4-FFF2-40B4-BE49-F238E27FC236}">
+                        <a16:creationId xmlns:a16="http://schemas.microsoft.com/office/drawing/2014/main" id="{990ED835-6E34-49EE-9277-8C298DBA8621}"/>
+                      </a:ext>
+                    </a:extLst>
+                  </p:cNvPr>
+                  <p:cNvSpPr txBox="1">
+                    <a:spLocks noRot="1" noChangeAspect="1" noMove="1" noResize="1" noEditPoints="1" noAdjustHandles="1" noChangeArrowheads="1" noChangeShapeType="1" noTextEdit="1"/>
+                  </p:cNvSpPr>
+                  <p:nvPr/>
+                </p:nvSpPr>
+                <p:spPr>
+                  <a:xfrm>
+                    <a:off x="9017016" y="1388924"/>
+                    <a:ext cx="599090" cy="923330"/>
+                  </a:xfrm>
+                  <a:prstGeom prst="rect">
+                    <a:avLst/>
+                  </a:prstGeom>
+                  <a:blipFill>
+                    <a:blip r:embed="rId3"/>
+                    <a:stretch>
+                      <a:fillRect/>
+                    </a:stretch>
+                  </a:blipFill>
+                </p:spPr>
+                <p:txBody>
+                  <a:bodyPr/>
+                  <a:lstStyle/>
+                  <a:p>
+                    <a:r>
+                      <a:rPr lang="en-GB">
+                        <a:noFill/>
+                      </a:rPr>
+                      <a:t> </a:t>
+                    </a:r>
+                  </a:p>
+                </p:txBody>
+              </p:sp>
+            </mc:Fallback>
+          </mc:AlternateContent>
+          <p:cxnSp>
+            <p:nvCxnSpPr>
+              <p:cNvPr id="175" name="Straight Connector 174">
+                <a:extLst>
+                  <a:ext uri="{FF2B5EF4-FFF2-40B4-BE49-F238E27FC236}">
+                    <a16:creationId xmlns:a16="http://schemas.microsoft.com/office/drawing/2014/main" id="{098E28DE-0A01-4F7A-A791-CD5F1C521526}"/>
+                  </a:ext>
+                </a:extLst>
+              </p:cNvPr>
+              <p:cNvCxnSpPr>
+                <a:cxnSpLocks/>
+              </p:cNvCxnSpPr>
+              <p:nvPr/>
+            </p:nvCxnSpPr>
+            <p:spPr>
+              <a:xfrm>
+                <a:off x="9423359" y="1878400"/>
+                <a:ext cx="246158" cy="0"/>
+              </a:xfrm>
+              <a:prstGeom prst="line">
+                <a:avLst/>
+              </a:prstGeom>
+              <a:ln w="28575"/>
+            </p:spPr>
+            <p:style>
+              <a:lnRef idx="1">
+                <a:schemeClr val="dk1"/>
+              </a:lnRef>
+              <a:fillRef idx="0">
+                <a:schemeClr val="dk1"/>
+              </a:fillRef>
+              <a:effectRef idx="0">
+                <a:schemeClr val="dk1"/>
+              </a:effectRef>
+              <a:fontRef idx="minor">
+                <a:schemeClr val="tx1"/>
+              </a:fontRef>
+            </p:style>
+          </p:cxnSp>
+        </p:grpSp>
+        <p:grpSp>
+          <p:nvGrpSpPr>
+            <p:cNvPr id="176" name="Group 175">
+              <a:extLst>
+                <a:ext uri="{FF2B5EF4-FFF2-40B4-BE49-F238E27FC236}">
+                  <a16:creationId xmlns:a16="http://schemas.microsoft.com/office/drawing/2014/main" id="{1B4489A1-8120-4877-A2E5-A24C750DABBD}"/>
+                </a:ext>
+              </a:extLst>
+            </p:cNvPr>
+            <p:cNvGrpSpPr/>
+            <p:nvPr/>
+          </p:nvGrpSpPr>
+          <p:grpSpPr>
+            <a:xfrm>
+              <a:off x="4185641" y="2935672"/>
+              <a:ext cx="714703" cy="923330"/>
+              <a:chOff x="8954814" y="1388924"/>
+              <a:chExt cx="714703" cy="923330"/>
+            </a:xfrm>
+          </p:grpSpPr>
+          <p:cxnSp>
+            <p:nvCxnSpPr>
+              <p:cNvPr id="177" name="Straight Connector 176">
+                <a:extLst>
+                  <a:ext uri="{FF2B5EF4-FFF2-40B4-BE49-F238E27FC236}">
+                    <a16:creationId xmlns:a16="http://schemas.microsoft.com/office/drawing/2014/main" id="{C9314A63-3CD5-479D-A5FB-EEF79C75F4B9}"/>
+                  </a:ext>
+                </a:extLst>
+              </p:cNvPr>
+              <p:cNvCxnSpPr>
+                <a:cxnSpLocks/>
+              </p:cNvCxnSpPr>
+              <p:nvPr/>
+            </p:nvCxnSpPr>
+            <p:spPr>
+              <a:xfrm>
+                <a:off x="8954814" y="1878400"/>
+                <a:ext cx="254948" cy="0"/>
+              </a:xfrm>
+              <a:prstGeom prst="line">
+                <a:avLst/>
+              </a:prstGeom>
+              <a:ln w="28575"/>
+            </p:spPr>
+            <p:style>
+              <a:lnRef idx="1">
+                <a:schemeClr val="dk1"/>
+              </a:lnRef>
+              <a:fillRef idx="0">
+                <a:schemeClr val="dk1"/>
+              </a:fillRef>
+              <a:effectRef idx="0">
+                <a:schemeClr val="dk1"/>
+              </a:effectRef>
+              <a:fontRef idx="minor">
+                <a:schemeClr val="tx1"/>
+              </a:fontRef>
+            </p:style>
+          </p:cxnSp>
+          <mc:AlternateContent xmlns:mc="http://schemas.openxmlformats.org/markup-compatibility/2006">
+            <mc:Choice xmlns:a14="http://schemas.microsoft.com/office/drawing/2010/main" Requires="a14">
+              <p:sp>
+                <p:nvSpPr>
+                  <p:cNvPr id="178" name="TextBox 177">
+                    <a:extLst>
+                      <a:ext uri="{FF2B5EF4-FFF2-40B4-BE49-F238E27FC236}">
+                        <a16:creationId xmlns:a16="http://schemas.microsoft.com/office/drawing/2014/main" id="{6184E6C2-71E3-4B28-87FB-E3EEE230CA31}"/>
+                      </a:ext>
+                    </a:extLst>
+                  </p:cNvPr>
+                  <p:cNvSpPr txBox="1"/>
+                  <p:nvPr/>
+                </p:nvSpPr>
+                <p:spPr>
+                  <a:xfrm>
+                    <a:off x="9017016" y="1388924"/>
+                    <a:ext cx="599090" cy="923330"/>
+                  </a:xfrm>
+                  <a:prstGeom prst="rect">
+                    <a:avLst/>
+                  </a:prstGeom>
+                  <a:noFill/>
+                </p:spPr>
+                <p:txBody>
+                  <a:bodyPr wrap="square" rtlCol="0">
+                    <a:spAutoFit/>
+                  </a:bodyPr>
+                  <a:lstStyle/>
+                  <a:p>
+                    <a14:m>
+                      <m:oMathPara xmlns:m="http://schemas.openxmlformats.org/officeDocument/2006/math">
+                        <m:oMathParaPr>
+                          <m:jc m:val="centerGroup"/>
+                        </m:oMathParaPr>
+                        <m:oMath xmlns:m="http://schemas.openxmlformats.org/officeDocument/2006/math">
+                          <m:r>
+                            <a:rPr lang="en-GB" sz="5400" i="1" smtClean="0">
+                              <a:latin typeface="Cambria Math" panose="02040503050406030204" pitchFamily="18" charset="0"/>
+                              <a:ea typeface="Cambria Math" panose="02040503050406030204" pitchFamily="18" charset="0"/>
+                            </a:rPr>
+                            <m:t>∙</m:t>
+                          </m:r>
+                        </m:oMath>
+                      </m:oMathPara>
+                    </a14:m>
+                    <a:endParaRPr lang="en-GB" dirty="0"/>
+                  </a:p>
+                </p:txBody>
+              </p:sp>
+            </mc:Choice>
+            <mc:Fallback>
+              <p:sp>
+                <p:nvSpPr>
+                  <p:cNvPr id="178" name="TextBox 177">
+                    <a:extLst>
+                      <a:ext uri="{FF2B5EF4-FFF2-40B4-BE49-F238E27FC236}">
+                        <a16:creationId xmlns:a16="http://schemas.microsoft.com/office/drawing/2014/main" id="{6184E6C2-71E3-4B28-87FB-E3EEE230CA31}"/>
+                      </a:ext>
+                    </a:extLst>
+                  </p:cNvPr>
+                  <p:cNvSpPr txBox="1">
+                    <a:spLocks noRot="1" noChangeAspect="1" noMove="1" noResize="1" noEditPoints="1" noAdjustHandles="1" noChangeArrowheads="1" noChangeShapeType="1" noTextEdit="1"/>
+                  </p:cNvSpPr>
+                  <p:nvPr/>
+                </p:nvSpPr>
+                <p:spPr>
+                  <a:xfrm>
+                    <a:off x="9017016" y="1388924"/>
+                    <a:ext cx="599090" cy="923330"/>
+                  </a:xfrm>
+                  <a:prstGeom prst="rect">
+                    <a:avLst/>
+                  </a:prstGeom>
+                  <a:blipFill>
+                    <a:blip r:embed="rId4"/>
+                    <a:stretch>
+                      <a:fillRect/>
+                    </a:stretch>
+                  </a:blipFill>
+                </p:spPr>
+                <p:txBody>
+                  <a:bodyPr/>
+                  <a:lstStyle/>
+                  <a:p>
+                    <a:r>
+                      <a:rPr lang="en-GB">
+                        <a:noFill/>
+                      </a:rPr>
+                      <a:t> </a:t>
+                    </a:r>
+                  </a:p>
+                </p:txBody>
+              </p:sp>
+            </mc:Fallback>
+          </mc:AlternateContent>
+          <p:cxnSp>
+            <p:nvCxnSpPr>
+              <p:cNvPr id="179" name="Straight Connector 178">
+                <a:extLst>
+                  <a:ext uri="{FF2B5EF4-FFF2-40B4-BE49-F238E27FC236}">
+                    <a16:creationId xmlns:a16="http://schemas.microsoft.com/office/drawing/2014/main" id="{D8A62320-B4C0-4E02-8BAA-AB27E2502AFF}"/>
+                  </a:ext>
+                </a:extLst>
+              </p:cNvPr>
+              <p:cNvCxnSpPr>
+                <a:cxnSpLocks/>
+              </p:cNvCxnSpPr>
+              <p:nvPr/>
+            </p:nvCxnSpPr>
+            <p:spPr>
+              <a:xfrm>
+                <a:off x="9423359" y="1878400"/>
+                <a:ext cx="246158" cy="0"/>
+              </a:xfrm>
+              <a:prstGeom prst="line">
+                <a:avLst/>
+              </a:prstGeom>
+              <a:ln w="28575"/>
+            </p:spPr>
+            <p:style>
+              <a:lnRef idx="1">
+                <a:schemeClr val="dk1"/>
+              </a:lnRef>
+              <a:fillRef idx="0">
+                <a:schemeClr val="dk1"/>
+              </a:fillRef>
+              <a:effectRef idx="0">
+                <a:schemeClr val="dk1"/>
+              </a:effectRef>
+              <a:fontRef idx="minor">
+                <a:schemeClr val="tx1"/>
+              </a:fontRef>
+            </p:style>
+          </p:cxnSp>
+        </p:grpSp>
+        <p:grpSp>
+          <p:nvGrpSpPr>
+            <p:cNvPr id="180" name="Group 179">
+              <a:extLst>
+                <a:ext uri="{FF2B5EF4-FFF2-40B4-BE49-F238E27FC236}">
+                  <a16:creationId xmlns:a16="http://schemas.microsoft.com/office/drawing/2014/main" id="{149BE1A3-0B75-4D9E-8B09-4BA66C7FE493}"/>
+                </a:ext>
+              </a:extLst>
+            </p:cNvPr>
+            <p:cNvGrpSpPr/>
+            <p:nvPr/>
+          </p:nvGrpSpPr>
+          <p:grpSpPr>
+            <a:xfrm>
+              <a:off x="4154053" y="3601327"/>
+              <a:ext cx="714703" cy="923330"/>
+              <a:chOff x="8954814" y="1388924"/>
+              <a:chExt cx="714703" cy="923330"/>
+            </a:xfrm>
+          </p:grpSpPr>
+          <p:cxnSp>
+            <p:nvCxnSpPr>
+              <p:cNvPr id="181" name="Straight Connector 180">
+                <a:extLst>
+                  <a:ext uri="{FF2B5EF4-FFF2-40B4-BE49-F238E27FC236}">
+                    <a16:creationId xmlns:a16="http://schemas.microsoft.com/office/drawing/2014/main" id="{AFD6957B-ABCC-4D4E-8324-EC83D84BDDE8}"/>
+                  </a:ext>
+                </a:extLst>
+              </p:cNvPr>
+              <p:cNvCxnSpPr>
+                <a:cxnSpLocks/>
+              </p:cNvCxnSpPr>
+              <p:nvPr/>
+            </p:nvCxnSpPr>
+            <p:spPr>
+              <a:xfrm>
+                <a:off x="8954814" y="1878400"/>
+                <a:ext cx="254948" cy="0"/>
+              </a:xfrm>
+              <a:prstGeom prst="line">
+                <a:avLst/>
+              </a:prstGeom>
+              <a:ln w="28575"/>
+            </p:spPr>
+            <p:style>
+              <a:lnRef idx="1">
+                <a:schemeClr val="dk1"/>
+              </a:lnRef>
+              <a:fillRef idx="0">
+                <a:schemeClr val="dk1"/>
+              </a:fillRef>
+              <a:effectRef idx="0">
+                <a:schemeClr val="dk1"/>
+              </a:effectRef>
+              <a:fontRef idx="minor">
+                <a:schemeClr val="tx1"/>
+              </a:fontRef>
+            </p:style>
+          </p:cxnSp>
+          <mc:AlternateContent xmlns:mc="http://schemas.openxmlformats.org/markup-compatibility/2006">
+            <mc:Choice xmlns:a14="http://schemas.microsoft.com/office/drawing/2010/main" Requires="a14">
+              <p:sp>
+                <p:nvSpPr>
+                  <p:cNvPr id="182" name="TextBox 181">
+                    <a:extLst>
+                      <a:ext uri="{FF2B5EF4-FFF2-40B4-BE49-F238E27FC236}">
+                        <a16:creationId xmlns:a16="http://schemas.microsoft.com/office/drawing/2014/main" id="{E40FFC36-7835-46C4-AE02-9E53E6220566}"/>
+                      </a:ext>
+                    </a:extLst>
+                  </p:cNvPr>
+                  <p:cNvSpPr txBox="1"/>
+                  <p:nvPr/>
+                </p:nvSpPr>
+                <p:spPr>
+                  <a:xfrm>
+                    <a:off x="9017016" y="1388924"/>
+                    <a:ext cx="599090" cy="923330"/>
+                  </a:xfrm>
+                  <a:prstGeom prst="rect">
+                    <a:avLst/>
+                  </a:prstGeom>
+                  <a:noFill/>
+                </p:spPr>
+                <p:txBody>
+                  <a:bodyPr wrap="square" rtlCol="0">
+                    <a:spAutoFit/>
+                  </a:bodyPr>
+                  <a:lstStyle/>
+                  <a:p>
+                    <a14:m>
+                      <m:oMathPara xmlns:m="http://schemas.openxmlformats.org/officeDocument/2006/math">
+                        <m:oMathParaPr>
+                          <m:jc m:val="centerGroup"/>
+                        </m:oMathParaPr>
+                        <m:oMath xmlns:m="http://schemas.openxmlformats.org/officeDocument/2006/math">
+                          <m:r>
+                            <a:rPr lang="en-GB" sz="5400" i="1" smtClean="0">
+                              <a:latin typeface="Cambria Math" panose="02040503050406030204" pitchFamily="18" charset="0"/>
+                              <a:ea typeface="Cambria Math" panose="02040503050406030204" pitchFamily="18" charset="0"/>
+                            </a:rPr>
+                            <m:t>∙</m:t>
+                          </m:r>
+                        </m:oMath>
+                      </m:oMathPara>
+                    </a14:m>
+                    <a:endParaRPr lang="en-GB" dirty="0"/>
+                  </a:p>
+                </p:txBody>
+              </p:sp>
+            </mc:Choice>
+            <mc:Fallback>
+              <p:sp>
+                <p:nvSpPr>
+                  <p:cNvPr id="182" name="TextBox 181">
+                    <a:extLst>
+                      <a:ext uri="{FF2B5EF4-FFF2-40B4-BE49-F238E27FC236}">
+                        <a16:creationId xmlns:a16="http://schemas.microsoft.com/office/drawing/2014/main" id="{E40FFC36-7835-46C4-AE02-9E53E6220566}"/>
+                      </a:ext>
+                    </a:extLst>
+                  </p:cNvPr>
+                  <p:cNvSpPr txBox="1">
+                    <a:spLocks noRot="1" noChangeAspect="1" noMove="1" noResize="1" noEditPoints="1" noAdjustHandles="1" noChangeArrowheads="1" noChangeShapeType="1" noTextEdit="1"/>
+                  </p:cNvSpPr>
+                  <p:nvPr/>
+                </p:nvSpPr>
+                <p:spPr>
+                  <a:xfrm>
+                    <a:off x="9017016" y="1388924"/>
+                    <a:ext cx="599090" cy="923330"/>
+                  </a:xfrm>
+                  <a:prstGeom prst="rect">
+                    <a:avLst/>
+                  </a:prstGeom>
+                  <a:blipFill>
+                    <a:blip r:embed="rId5"/>
+                    <a:stretch>
+                      <a:fillRect/>
+                    </a:stretch>
+                  </a:blipFill>
+                </p:spPr>
+                <p:txBody>
+                  <a:bodyPr/>
+                  <a:lstStyle/>
+                  <a:p>
+                    <a:r>
+                      <a:rPr lang="en-GB">
+                        <a:noFill/>
+                      </a:rPr>
+                      <a:t> </a:t>
+                    </a:r>
+                  </a:p>
+                </p:txBody>
+              </p:sp>
+            </mc:Fallback>
+          </mc:AlternateContent>
+          <p:cxnSp>
+            <p:nvCxnSpPr>
+              <p:cNvPr id="183" name="Straight Connector 182">
+                <a:extLst>
+                  <a:ext uri="{FF2B5EF4-FFF2-40B4-BE49-F238E27FC236}">
+                    <a16:creationId xmlns:a16="http://schemas.microsoft.com/office/drawing/2014/main" id="{8B73F159-B6D4-4DB3-A8DB-890E7530A5B7}"/>
+                  </a:ext>
+                </a:extLst>
+              </p:cNvPr>
+              <p:cNvCxnSpPr>
+                <a:cxnSpLocks/>
+              </p:cNvCxnSpPr>
+              <p:nvPr/>
+            </p:nvCxnSpPr>
+            <p:spPr>
+              <a:xfrm>
+                <a:off x="9423359" y="1878400"/>
+                <a:ext cx="246158" cy="0"/>
+              </a:xfrm>
+              <a:prstGeom prst="line">
+                <a:avLst/>
+              </a:prstGeom>
+              <a:ln w="28575"/>
+            </p:spPr>
+            <p:style>
+              <a:lnRef idx="1">
+                <a:schemeClr val="dk1"/>
+              </a:lnRef>
+              <a:fillRef idx="0">
+                <a:schemeClr val="dk1"/>
+              </a:fillRef>
+              <a:effectRef idx="0">
+                <a:schemeClr val="dk1"/>
+              </a:effectRef>
+              <a:fontRef idx="minor">
+                <a:schemeClr val="tx1"/>
+              </a:fontRef>
+            </p:style>
+          </p:cxnSp>
+        </p:grpSp>
+        <p:grpSp>
+          <p:nvGrpSpPr>
+            <p:cNvPr id="184" name="Group 183">
+              <a:extLst>
+                <a:ext uri="{FF2B5EF4-FFF2-40B4-BE49-F238E27FC236}">
+                  <a16:creationId xmlns:a16="http://schemas.microsoft.com/office/drawing/2014/main" id="{34C69CEB-FBA1-4AA4-94FE-D13C7611F89E}"/>
+                </a:ext>
+              </a:extLst>
+            </p:cNvPr>
+            <p:cNvGrpSpPr/>
+            <p:nvPr/>
+          </p:nvGrpSpPr>
+          <p:grpSpPr>
+            <a:xfrm>
+              <a:off x="4154053" y="4339589"/>
+              <a:ext cx="714703" cy="923330"/>
+              <a:chOff x="8954814" y="1388924"/>
+              <a:chExt cx="714703" cy="923330"/>
+            </a:xfrm>
+          </p:grpSpPr>
+          <p:cxnSp>
+            <p:nvCxnSpPr>
+              <p:cNvPr id="185" name="Straight Connector 184">
+                <a:extLst>
+                  <a:ext uri="{FF2B5EF4-FFF2-40B4-BE49-F238E27FC236}">
+                    <a16:creationId xmlns:a16="http://schemas.microsoft.com/office/drawing/2014/main" id="{1F70AFFF-49CE-4569-8FDD-399819B4EC6C}"/>
+                  </a:ext>
+                </a:extLst>
+              </p:cNvPr>
+              <p:cNvCxnSpPr>
+                <a:cxnSpLocks/>
+              </p:cNvCxnSpPr>
+              <p:nvPr/>
+            </p:nvCxnSpPr>
+            <p:spPr>
+              <a:xfrm>
+                <a:off x="8954814" y="1878400"/>
+                <a:ext cx="254948" cy="0"/>
+              </a:xfrm>
+              <a:prstGeom prst="line">
+                <a:avLst/>
+              </a:prstGeom>
+              <a:ln w="28575"/>
+            </p:spPr>
+            <p:style>
+              <a:lnRef idx="1">
+                <a:schemeClr val="dk1"/>
+              </a:lnRef>
+              <a:fillRef idx="0">
+                <a:schemeClr val="dk1"/>
+              </a:fillRef>
+              <a:effectRef idx="0">
+                <a:schemeClr val="dk1"/>
+              </a:effectRef>
+              <a:fontRef idx="minor">
+                <a:schemeClr val="tx1"/>
+              </a:fontRef>
+            </p:style>
+          </p:cxnSp>
+          <mc:AlternateContent xmlns:mc="http://schemas.openxmlformats.org/markup-compatibility/2006">
+            <mc:Choice xmlns:a14="http://schemas.microsoft.com/office/drawing/2010/main" Requires="a14">
+              <p:sp>
+                <p:nvSpPr>
+                  <p:cNvPr id="186" name="TextBox 185">
+                    <a:extLst>
+                      <a:ext uri="{FF2B5EF4-FFF2-40B4-BE49-F238E27FC236}">
+                        <a16:creationId xmlns:a16="http://schemas.microsoft.com/office/drawing/2014/main" id="{55ED166C-A695-4C8F-8029-E8EB1FF5DC56}"/>
+                      </a:ext>
+                    </a:extLst>
+                  </p:cNvPr>
+                  <p:cNvSpPr txBox="1"/>
+                  <p:nvPr/>
+                </p:nvSpPr>
+                <p:spPr>
+                  <a:xfrm>
+                    <a:off x="9017016" y="1388924"/>
+                    <a:ext cx="599090" cy="923330"/>
+                  </a:xfrm>
+                  <a:prstGeom prst="rect">
+                    <a:avLst/>
+                  </a:prstGeom>
+                  <a:noFill/>
+                </p:spPr>
+                <p:txBody>
+                  <a:bodyPr wrap="square" rtlCol="0">
+                    <a:spAutoFit/>
+                  </a:bodyPr>
+                  <a:lstStyle/>
+                  <a:p>
+                    <a14:m>
+                      <m:oMathPara xmlns:m="http://schemas.openxmlformats.org/officeDocument/2006/math">
+                        <m:oMathParaPr>
+                          <m:jc m:val="centerGroup"/>
+                        </m:oMathParaPr>
+                        <m:oMath xmlns:m="http://schemas.openxmlformats.org/officeDocument/2006/math">
+                          <m:r>
+                            <a:rPr lang="en-GB" sz="5400" i="1" smtClean="0">
+                              <a:latin typeface="Cambria Math" panose="02040503050406030204" pitchFamily="18" charset="0"/>
+                              <a:ea typeface="Cambria Math" panose="02040503050406030204" pitchFamily="18" charset="0"/>
+                            </a:rPr>
+                            <m:t>∙</m:t>
+                          </m:r>
+                        </m:oMath>
+                      </m:oMathPara>
+                    </a14:m>
+                    <a:endParaRPr lang="en-GB" dirty="0"/>
+                  </a:p>
+                </p:txBody>
+              </p:sp>
+            </mc:Choice>
+            <mc:Fallback>
+              <p:sp>
+                <p:nvSpPr>
+                  <p:cNvPr id="186" name="TextBox 185">
+                    <a:extLst>
+                      <a:ext uri="{FF2B5EF4-FFF2-40B4-BE49-F238E27FC236}">
+                        <a16:creationId xmlns:a16="http://schemas.microsoft.com/office/drawing/2014/main" id="{55ED166C-A695-4C8F-8029-E8EB1FF5DC56}"/>
+                      </a:ext>
+                    </a:extLst>
+                  </p:cNvPr>
+                  <p:cNvSpPr txBox="1">
+                    <a:spLocks noRot="1" noChangeAspect="1" noMove="1" noResize="1" noEditPoints="1" noAdjustHandles="1" noChangeArrowheads="1" noChangeShapeType="1" noTextEdit="1"/>
+                  </p:cNvSpPr>
+                  <p:nvPr/>
+                </p:nvSpPr>
+                <p:spPr>
+                  <a:xfrm>
+                    <a:off x="9017016" y="1388924"/>
+                    <a:ext cx="599090" cy="923330"/>
+                  </a:xfrm>
+                  <a:prstGeom prst="rect">
+                    <a:avLst/>
+                  </a:prstGeom>
+                  <a:blipFill>
+                    <a:blip r:embed="rId6"/>
+                    <a:stretch>
+                      <a:fillRect/>
+                    </a:stretch>
+                  </a:blipFill>
+                </p:spPr>
+                <p:txBody>
+                  <a:bodyPr/>
+                  <a:lstStyle/>
+                  <a:p>
+                    <a:r>
+                      <a:rPr lang="en-GB">
+                        <a:noFill/>
+                      </a:rPr>
+                      <a:t> </a:t>
+                    </a:r>
+                  </a:p>
+                </p:txBody>
+              </p:sp>
+            </mc:Fallback>
+          </mc:AlternateContent>
+          <p:cxnSp>
+            <p:nvCxnSpPr>
+              <p:cNvPr id="187" name="Straight Connector 186">
+                <a:extLst>
+                  <a:ext uri="{FF2B5EF4-FFF2-40B4-BE49-F238E27FC236}">
+                    <a16:creationId xmlns:a16="http://schemas.microsoft.com/office/drawing/2014/main" id="{73878F8E-E197-4B3E-94C6-6859E84A015A}"/>
+                  </a:ext>
+                </a:extLst>
+              </p:cNvPr>
+              <p:cNvCxnSpPr>
+                <a:cxnSpLocks/>
+              </p:cNvCxnSpPr>
+              <p:nvPr/>
+            </p:nvCxnSpPr>
+            <p:spPr>
+              <a:xfrm>
+                <a:off x="9423359" y="1878400"/>
+                <a:ext cx="246158" cy="0"/>
+              </a:xfrm>
+              <a:prstGeom prst="line">
+                <a:avLst/>
+              </a:prstGeom>
+              <a:ln w="28575"/>
+            </p:spPr>
+            <p:style>
+              <a:lnRef idx="1">
+                <a:schemeClr val="dk1"/>
+              </a:lnRef>
+              <a:fillRef idx="0">
+                <a:schemeClr val="dk1"/>
+              </a:fillRef>
+              <a:effectRef idx="0">
+                <a:schemeClr val="dk1"/>
+              </a:effectRef>
+              <a:fontRef idx="minor">
+                <a:schemeClr val="tx1"/>
+              </a:fontRef>
+            </p:style>
+          </p:cxnSp>
+        </p:grpSp>
+        <p:grpSp>
+          <p:nvGrpSpPr>
+            <p:cNvPr id="188" name="Group 187">
+              <a:extLst>
+                <a:ext uri="{FF2B5EF4-FFF2-40B4-BE49-F238E27FC236}">
+                  <a16:creationId xmlns:a16="http://schemas.microsoft.com/office/drawing/2014/main" id="{74A8C6A8-E43E-45CB-8C71-5ADEE4C8C7F7}"/>
+                </a:ext>
+              </a:extLst>
+            </p:cNvPr>
+            <p:cNvGrpSpPr/>
+            <p:nvPr/>
+          </p:nvGrpSpPr>
+          <p:grpSpPr>
+            <a:xfrm>
+              <a:off x="4154053" y="5076605"/>
+              <a:ext cx="714703" cy="923330"/>
+              <a:chOff x="8954814" y="1388924"/>
+              <a:chExt cx="714703" cy="923330"/>
+            </a:xfrm>
+          </p:grpSpPr>
+          <p:cxnSp>
+            <p:nvCxnSpPr>
+              <p:cNvPr id="189" name="Straight Connector 188">
+                <a:extLst>
+                  <a:ext uri="{FF2B5EF4-FFF2-40B4-BE49-F238E27FC236}">
+                    <a16:creationId xmlns:a16="http://schemas.microsoft.com/office/drawing/2014/main" id="{BDA29444-A578-4E7C-A34A-DB59327438DF}"/>
+                  </a:ext>
+                </a:extLst>
+              </p:cNvPr>
+              <p:cNvCxnSpPr>
+                <a:cxnSpLocks/>
+              </p:cNvCxnSpPr>
+              <p:nvPr/>
+            </p:nvCxnSpPr>
+            <p:spPr>
+              <a:xfrm>
+                <a:off x="8954814" y="1878400"/>
+                <a:ext cx="254948" cy="0"/>
+              </a:xfrm>
+              <a:prstGeom prst="line">
+                <a:avLst/>
+              </a:prstGeom>
+              <a:ln w="28575"/>
+            </p:spPr>
+            <p:style>
+              <a:lnRef idx="1">
+                <a:schemeClr val="dk1"/>
+              </a:lnRef>
+              <a:fillRef idx="0">
+                <a:schemeClr val="dk1"/>
+              </a:fillRef>
+              <a:effectRef idx="0">
+                <a:schemeClr val="dk1"/>
+              </a:effectRef>
+              <a:fontRef idx="minor">
+                <a:schemeClr val="tx1"/>
+              </a:fontRef>
+            </p:style>
+          </p:cxnSp>
+          <mc:AlternateContent xmlns:mc="http://schemas.openxmlformats.org/markup-compatibility/2006">
+            <mc:Choice xmlns:a14="http://schemas.microsoft.com/office/drawing/2010/main" Requires="a14">
+              <p:sp>
+                <p:nvSpPr>
+                  <p:cNvPr id="190" name="TextBox 189">
+                    <a:extLst>
+                      <a:ext uri="{FF2B5EF4-FFF2-40B4-BE49-F238E27FC236}">
+                        <a16:creationId xmlns:a16="http://schemas.microsoft.com/office/drawing/2014/main" id="{5852101A-1618-4756-9797-6730BB4FA47A}"/>
+                      </a:ext>
+                    </a:extLst>
+                  </p:cNvPr>
+                  <p:cNvSpPr txBox="1"/>
+                  <p:nvPr/>
+                </p:nvSpPr>
+                <p:spPr>
+                  <a:xfrm>
+                    <a:off x="9017016" y="1388924"/>
+                    <a:ext cx="599090" cy="923330"/>
+                  </a:xfrm>
+                  <a:prstGeom prst="rect">
+                    <a:avLst/>
+                  </a:prstGeom>
+                  <a:noFill/>
+                </p:spPr>
+                <p:txBody>
+                  <a:bodyPr wrap="square" rtlCol="0">
+                    <a:spAutoFit/>
+                  </a:bodyPr>
+                  <a:lstStyle/>
+                  <a:p>
+                    <a14:m>
+                      <m:oMathPara xmlns:m="http://schemas.openxmlformats.org/officeDocument/2006/math">
+                        <m:oMathParaPr>
+                          <m:jc m:val="centerGroup"/>
+                        </m:oMathParaPr>
+                        <m:oMath xmlns:m="http://schemas.openxmlformats.org/officeDocument/2006/math">
+                          <m:r>
+                            <a:rPr lang="en-GB" sz="5400" i="1" smtClean="0">
+                              <a:latin typeface="Cambria Math" panose="02040503050406030204" pitchFamily="18" charset="0"/>
+                              <a:ea typeface="Cambria Math" panose="02040503050406030204" pitchFamily="18" charset="0"/>
+                            </a:rPr>
+                            <m:t>∙</m:t>
+                          </m:r>
+                        </m:oMath>
+                      </m:oMathPara>
+                    </a14:m>
+                    <a:endParaRPr lang="en-GB" dirty="0"/>
+                  </a:p>
+                </p:txBody>
+              </p:sp>
+            </mc:Choice>
+            <mc:Fallback>
+              <p:sp>
+                <p:nvSpPr>
+                  <p:cNvPr id="190" name="TextBox 189">
+                    <a:extLst>
+                      <a:ext uri="{FF2B5EF4-FFF2-40B4-BE49-F238E27FC236}">
+                        <a16:creationId xmlns:a16="http://schemas.microsoft.com/office/drawing/2014/main" id="{5852101A-1618-4756-9797-6730BB4FA47A}"/>
+                      </a:ext>
+                    </a:extLst>
+                  </p:cNvPr>
+                  <p:cNvSpPr txBox="1">
+                    <a:spLocks noRot="1" noChangeAspect="1" noMove="1" noResize="1" noEditPoints="1" noAdjustHandles="1" noChangeArrowheads="1" noChangeShapeType="1" noTextEdit="1"/>
+                  </p:cNvSpPr>
+                  <p:nvPr/>
+                </p:nvSpPr>
+                <p:spPr>
+                  <a:xfrm>
+                    <a:off x="9017016" y="1388924"/>
+                    <a:ext cx="599090" cy="923330"/>
+                  </a:xfrm>
+                  <a:prstGeom prst="rect">
+                    <a:avLst/>
+                  </a:prstGeom>
+                  <a:blipFill>
+                    <a:blip r:embed="rId7"/>
+                    <a:stretch>
+                      <a:fillRect/>
+                    </a:stretch>
+                  </a:blipFill>
+                </p:spPr>
+                <p:txBody>
+                  <a:bodyPr/>
+                  <a:lstStyle/>
+                  <a:p>
+                    <a:r>
+                      <a:rPr lang="en-GB">
+                        <a:noFill/>
+                      </a:rPr>
+                      <a:t> </a:t>
+                    </a:r>
+                  </a:p>
+                </p:txBody>
+              </p:sp>
+            </mc:Fallback>
+          </mc:AlternateContent>
+          <p:cxnSp>
+            <p:nvCxnSpPr>
+              <p:cNvPr id="191" name="Straight Connector 190">
+                <a:extLst>
+                  <a:ext uri="{FF2B5EF4-FFF2-40B4-BE49-F238E27FC236}">
+                    <a16:creationId xmlns:a16="http://schemas.microsoft.com/office/drawing/2014/main" id="{ADC80DD4-9636-4E0C-B6F5-F555EBC4EF5E}"/>
+                  </a:ext>
+                </a:extLst>
+              </p:cNvPr>
+              <p:cNvCxnSpPr>
+                <a:cxnSpLocks/>
+              </p:cNvCxnSpPr>
+              <p:nvPr/>
+            </p:nvCxnSpPr>
+            <p:spPr>
+              <a:xfrm>
+                <a:off x="9423359" y="1878400"/>
+                <a:ext cx="246158" cy="0"/>
+              </a:xfrm>
+              <a:prstGeom prst="line">
+                <a:avLst/>
+              </a:prstGeom>
+              <a:ln w="28575"/>
+            </p:spPr>
+            <p:style>
+              <a:lnRef idx="1">
+                <a:schemeClr val="dk1"/>
+              </a:lnRef>
+              <a:fillRef idx="0">
+                <a:schemeClr val="dk1"/>
+              </a:fillRef>
+              <a:effectRef idx="0">
+                <a:schemeClr val="dk1"/>
+              </a:effectRef>
+              <a:fontRef idx="minor">
+                <a:schemeClr val="tx1"/>
+              </a:fontRef>
+            </p:style>
+          </p:cxnSp>
+        </p:grpSp>
+        <p:grpSp>
+          <p:nvGrpSpPr>
+            <p:cNvPr id="192" name="Group 191">
+              <a:extLst>
+                <a:ext uri="{FF2B5EF4-FFF2-40B4-BE49-F238E27FC236}">
+                  <a16:creationId xmlns:a16="http://schemas.microsoft.com/office/drawing/2014/main" id="{CC72C353-FA28-4EE9-AA0E-2B10828A5EDA}"/>
+                </a:ext>
+              </a:extLst>
+            </p:cNvPr>
+            <p:cNvGrpSpPr/>
+            <p:nvPr/>
+          </p:nvGrpSpPr>
+          <p:grpSpPr>
+            <a:xfrm>
+              <a:off x="4163390" y="5782495"/>
+              <a:ext cx="714703" cy="923330"/>
+              <a:chOff x="8954814" y="1388924"/>
+              <a:chExt cx="714703" cy="923330"/>
+            </a:xfrm>
+          </p:grpSpPr>
+          <p:cxnSp>
+            <p:nvCxnSpPr>
+              <p:cNvPr id="193" name="Straight Connector 192">
+                <a:extLst>
+                  <a:ext uri="{FF2B5EF4-FFF2-40B4-BE49-F238E27FC236}">
+                    <a16:creationId xmlns:a16="http://schemas.microsoft.com/office/drawing/2014/main" id="{8BC72656-0A3B-4E4F-9731-496530A43FA0}"/>
+                  </a:ext>
+                </a:extLst>
+              </p:cNvPr>
+              <p:cNvCxnSpPr>
+                <a:cxnSpLocks/>
+              </p:cNvCxnSpPr>
+              <p:nvPr/>
+            </p:nvCxnSpPr>
+            <p:spPr>
+              <a:xfrm>
+                <a:off x="8954814" y="1878400"/>
+                <a:ext cx="254948" cy="0"/>
+              </a:xfrm>
+              <a:prstGeom prst="line">
+                <a:avLst/>
+              </a:prstGeom>
+              <a:ln w="28575"/>
+            </p:spPr>
+            <p:style>
+              <a:lnRef idx="1">
+                <a:schemeClr val="dk1"/>
+              </a:lnRef>
+              <a:fillRef idx="0">
+                <a:schemeClr val="dk1"/>
+              </a:fillRef>
+              <a:effectRef idx="0">
+                <a:schemeClr val="dk1"/>
+              </a:effectRef>
+              <a:fontRef idx="minor">
+                <a:schemeClr val="tx1"/>
+              </a:fontRef>
+            </p:style>
+          </p:cxnSp>
+          <mc:AlternateContent xmlns:mc="http://schemas.openxmlformats.org/markup-compatibility/2006">
+            <mc:Choice xmlns:a14="http://schemas.microsoft.com/office/drawing/2010/main" Requires="a14">
+              <p:sp>
+                <p:nvSpPr>
+                  <p:cNvPr id="194" name="TextBox 193">
+                    <a:extLst>
+                      <a:ext uri="{FF2B5EF4-FFF2-40B4-BE49-F238E27FC236}">
+                        <a16:creationId xmlns:a16="http://schemas.microsoft.com/office/drawing/2014/main" id="{57671D3B-8AE2-4B29-9CDB-94BCDDB17F44}"/>
+                      </a:ext>
+                    </a:extLst>
+                  </p:cNvPr>
+                  <p:cNvSpPr txBox="1"/>
+                  <p:nvPr/>
+                </p:nvSpPr>
+                <p:spPr>
+                  <a:xfrm>
+                    <a:off x="9017016" y="1388924"/>
+                    <a:ext cx="599090" cy="923330"/>
+                  </a:xfrm>
+                  <a:prstGeom prst="rect">
+                    <a:avLst/>
+                  </a:prstGeom>
+                  <a:noFill/>
+                </p:spPr>
+                <p:txBody>
+                  <a:bodyPr wrap="square" rtlCol="0">
+                    <a:spAutoFit/>
+                  </a:bodyPr>
+                  <a:lstStyle/>
+                  <a:p>
+                    <a14:m>
+                      <m:oMathPara xmlns:m="http://schemas.openxmlformats.org/officeDocument/2006/math">
+                        <m:oMathParaPr>
+                          <m:jc m:val="centerGroup"/>
+                        </m:oMathParaPr>
+                        <m:oMath xmlns:m="http://schemas.openxmlformats.org/officeDocument/2006/math">
+                          <m:r>
+                            <a:rPr lang="en-GB" sz="5400" i="1" smtClean="0">
+                              <a:latin typeface="Cambria Math" panose="02040503050406030204" pitchFamily="18" charset="0"/>
+                              <a:ea typeface="Cambria Math" panose="02040503050406030204" pitchFamily="18" charset="0"/>
+                            </a:rPr>
+                            <m:t>∙</m:t>
+                          </m:r>
+                        </m:oMath>
+                      </m:oMathPara>
+                    </a14:m>
+                    <a:endParaRPr lang="en-GB" dirty="0"/>
+                  </a:p>
+                </p:txBody>
+              </p:sp>
+            </mc:Choice>
+            <mc:Fallback>
+              <p:sp>
+                <p:nvSpPr>
+                  <p:cNvPr id="194" name="TextBox 193">
+                    <a:extLst>
+                      <a:ext uri="{FF2B5EF4-FFF2-40B4-BE49-F238E27FC236}">
+                        <a16:creationId xmlns:a16="http://schemas.microsoft.com/office/drawing/2014/main" id="{57671D3B-8AE2-4B29-9CDB-94BCDDB17F44}"/>
+                      </a:ext>
+                    </a:extLst>
+                  </p:cNvPr>
+                  <p:cNvSpPr txBox="1">
+                    <a:spLocks noRot="1" noChangeAspect="1" noMove="1" noResize="1" noEditPoints="1" noAdjustHandles="1" noChangeArrowheads="1" noChangeShapeType="1" noTextEdit="1"/>
+                  </p:cNvSpPr>
+                  <p:nvPr/>
+                </p:nvSpPr>
+                <p:spPr>
+                  <a:xfrm>
+                    <a:off x="9017016" y="1388924"/>
+                    <a:ext cx="599090" cy="923330"/>
+                  </a:xfrm>
+                  <a:prstGeom prst="rect">
+                    <a:avLst/>
+                  </a:prstGeom>
+                  <a:blipFill>
+                    <a:blip r:embed="rId8"/>
+                    <a:stretch>
+                      <a:fillRect/>
+                    </a:stretch>
+                  </a:blipFill>
+                </p:spPr>
+                <p:txBody>
+                  <a:bodyPr/>
+                  <a:lstStyle/>
+                  <a:p>
+                    <a:r>
+                      <a:rPr lang="en-GB">
+                        <a:noFill/>
+                      </a:rPr>
+                      <a:t> </a:t>
+                    </a:r>
+                  </a:p>
+                </p:txBody>
+              </p:sp>
+            </mc:Fallback>
+          </mc:AlternateContent>
+          <p:cxnSp>
+            <p:nvCxnSpPr>
+              <p:cNvPr id="195" name="Straight Connector 194">
+                <a:extLst>
+                  <a:ext uri="{FF2B5EF4-FFF2-40B4-BE49-F238E27FC236}">
+                    <a16:creationId xmlns:a16="http://schemas.microsoft.com/office/drawing/2014/main" id="{27F6BE45-FEBF-4D7D-B947-E7706F676628}"/>
+                  </a:ext>
+                </a:extLst>
+              </p:cNvPr>
+              <p:cNvCxnSpPr>
+                <a:cxnSpLocks/>
+              </p:cNvCxnSpPr>
+              <p:nvPr/>
+            </p:nvCxnSpPr>
+            <p:spPr>
+              <a:xfrm>
+                <a:off x="9423359" y="1878400"/>
+                <a:ext cx="246158" cy="0"/>
+              </a:xfrm>
+              <a:prstGeom prst="line">
+                <a:avLst/>
+              </a:prstGeom>
+              <a:ln w="28575"/>
+            </p:spPr>
+            <p:style>
+              <a:lnRef idx="1">
+                <a:schemeClr val="dk1"/>
+              </a:lnRef>
+              <a:fillRef idx="0">
+                <a:schemeClr val="dk1"/>
+              </a:fillRef>
+              <a:effectRef idx="0">
+                <a:schemeClr val="dk1"/>
+              </a:effectRef>
+              <a:fontRef idx="minor">
+                <a:schemeClr val="tx1"/>
+              </a:fontRef>
+            </p:style>
+          </p:cxnSp>
+        </p:grpSp>
+        <p:grpSp>
+          <p:nvGrpSpPr>
+            <p:cNvPr id="196" name="Group 195">
+              <a:extLst>
+                <a:ext uri="{FF2B5EF4-FFF2-40B4-BE49-F238E27FC236}">
+                  <a16:creationId xmlns:a16="http://schemas.microsoft.com/office/drawing/2014/main" id="{336EB750-BA70-47DC-BB28-B276D975FF07}"/>
+                </a:ext>
+              </a:extLst>
+            </p:cNvPr>
+            <p:cNvGrpSpPr/>
+            <p:nvPr/>
+          </p:nvGrpSpPr>
+          <p:grpSpPr>
+            <a:xfrm>
+              <a:off x="4163390" y="765606"/>
+              <a:ext cx="714703" cy="923330"/>
+              <a:chOff x="8954814" y="1388924"/>
+              <a:chExt cx="714703" cy="923330"/>
+            </a:xfrm>
+          </p:grpSpPr>
+          <p:cxnSp>
+            <p:nvCxnSpPr>
+              <p:cNvPr id="197" name="Straight Connector 196">
+                <a:extLst>
+                  <a:ext uri="{FF2B5EF4-FFF2-40B4-BE49-F238E27FC236}">
+                    <a16:creationId xmlns:a16="http://schemas.microsoft.com/office/drawing/2014/main" id="{C29E84FF-D360-4E1C-AA8D-41E010336EFB}"/>
+                  </a:ext>
+                </a:extLst>
+              </p:cNvPr>
+              <p:cNvCxnSpPr>
+                <a:cxnSpLocks/>
+              </p:cNvCxnSpPr>
+              <p:nvPr/>
+            </p:nvCxnSpPr>
+            <p:spPr>
+              <a:xfrm>
+                <a:off x="8954814" y="1878400"/>
+                <a:ext cx="254948" cy="0"/>
+              </a:xfrm>
+              <a:prstGeom prst="line">
+                <a:avLst/>
+              </a:prstGeom>
+              <a:ln w="28575"/>
+            </p:spPr>
+            <p:style>
+              <a:lnRef idx="1">
+                <a:schemeClr val="dk1"/>
+              </a:lnRef>
+              <a:fillRef idx="0">
+                <a:schemeClr val="dk1"/>
+              </a:fillRef>
+              <a:effectRef idx="0">
+                <a:schemeClr val="dk1"/>
+              </a:effectRef>
+              <a:fontRef idx="minor">
+                <a:schemeClr val="tx1"/>
+              </a:fontRef>
+            </p:style>
+          </p:cxnSp>
+          <mc:AlternateContent xmlns:mc="http://schemas.openxmlformats.org/markup-compatibility/2006">
+            <mc:Choice xmlns:a14="http://schemas.microsoft.com/office/drawing/2010/main" Requires="a14">
+              <p:sp>
+                <p:nvSpPr>
+                  <p:cNvPr id="198" name="TextBox 197">
+                    <a:extLst>
+                      <a:ext uri="{FF2B5EF4-FFF2-40B4-BE49-F238E27FC236}">
+                        <a16:creationId xmlns:a16="http://schemas.microsoft.com/office/drawing/2014/main" id="{3D5FEB49-7089-49BD-8FC9-D87143E8444E}"/>
+                      </a:ext>
+                    </a:extLst>
+                  </p:cNvPr>
+                  <p:cNvSpPr txBox="1"/>
+                  <p:nvPr/>
+                </p:nvSpPr>
+                <p:spPr>
+                  <a:xfrm>
+                    <a:off x="9017016" y="1388924"/>
+                    <a:ext cx="599090" cy="923330"/>
+                  </a:xfrm>
+                  <a:prstGeom prst="rect">
+                    <a:avLst/>
+                  </a:prstGeom>
+                  <a:noFill/>
+                </p:spPr>
+                <p:txBody>
+                  <a:bodyPr wrap="square" rtlCol="0">
+                    <a:spAutoFit/>
+                  </a:bodyPr>
+                  <a:lstStyle/>
+                  <a:p>
+                    <a14:m>
+                      <m:oMathPara xmlns:m="http://schemas.openxmlformats.org/officeDocument/2006/math">
+                        <m:oMathParaPr>
+                          <m:jc m:val="centerGroup"/>
+                        </m:oMathParaPr>
+                        <m:oMath xmlns:m="http://schemas.openxmlformats.org/officeDocument/2006/math">
+                          <m:r>
+                            <a:rPr lang="en-GB" sz="5400" i="1" smtClean="0">
+                              <a:latin typeface="Cambria Math" panose="02040503050406030204" pitchFamily="18" charset="0"/>
+                              <a:ea typeface="Cambria Math" panose="02040503050406030204" pitchFamily="18" charset="0"/>
+                            </a:rPr>
+                            <m:t>∙</m:t>
+                          </m:r>
+                        </m:oMath>
+                      </m:oMathPara>
+                    </a14:m>
+                    <a:endParaRPr lang="en-GB" dirty="0"/>
+                  </a:p>
+                </p:txBody>
+              </p:sp>
+            </mc:Choice>
+            <mc:Fallback>
+              <p:sp>
+                <p:nvSpPr>
+                  <p:cNvPr id="198" name="TextBox 197">
+                    <a:extLst>
+                      <a:ext uri="{FF2B5EF4-FFF2-40B4-BE49-F238E27FC236}">
+                        <a16:creationId xmlns:a16="http://schemas.microsoft.com/office/drawing/2014/main" id="{3D5FEB49-7089-49BD-8FC9-D87143E8444E}"/>
+                      </a:ext>
+                    </a:extLst>
+                  </p:cNvPr>
+                  <p:cNvSpPr txBox="1">
+                    <a:spLocks noRot="1" noChangeAspect="1" noMove="1" noResize="1" noEditPoints="1" noAdjustHandles="1" noChangeArrowheads="1" noChangeShapeType="1" noTextEdit="1"/>
+                  </p:cNvSpPr>
+                  <p:nvPr/>
+                </p:nvSpPr>
+                <p:spPr>
+                  <a:xfrm>
+                    <a:off x="9017016" y="1388924"/>
+                    <a:ext cx="599090" cy="923330"/>
+                  </a:xfrm>
+                  <a:prstGeom prst="rect">
+                    <a:avLst/>
+                  </a:prstGeom>
+                  <a:blipFill>
+                    <a:blip r:embed="rId9"/>
+                    <a:stretch>
+                      <a:fillRect/>
+                    </a:stretch>
+                  </a:blipFill>
+                </p:spPr>
+                <p:txBody>
+                  <a:bodyPr/>
+                  <a:lstStyle/>
+                  <a:p>
+                    <a:r>
+                      <a:rPr lang="en-GB">
+                        <a:noFill/>
+                      </a:rPr>
+                      <a:t> </a:t>
+                    </a:r>
+                  </a:p>
+                </p:txBody>
+              </p:sp>
+            </mc:Fallback>
+          </mc:AlternateContent>
+          <p:cxnSp>
+            <p:nvCxnSpPr>
+              <p:cNvPr id="199" name="Straight Connector 198">
+                <a:extLst>
+                  <a:ext uri="{FF2B5EF4-FFF2-40B4-BE49-F238E27FC236}">
+                    <a16:creationId xmlns:a16="http://schemas.microsoft.com/office/drawing/2014/main" id="{B73535F7-5507-489A-BCE7-7D59435B0031}"/>
+                  </a:ext>
+                </a:extLst>
+              </p:cNvPr>
+              <p:cNvCxnSpPr>
+                <a:cxnSpLocks/>
+              </p:cNvCxnSpPr>
+              <p:nvPr/>
+            </p:nvCxnSpPr>
+            <p:spPr>
+              <a:xfrm>
+                <a:off x="9423359" y="1878400"/>
+                <a:ext cx="246158" cy="0"/>
+              </a:xfrm>
+              <a:prstGeom prst="line">
+                <a:avLst/>
+              </a:prstGeom>
+              <a:ln w="28575"/>
+            </p:spPr>
+            <p:style>
+              <a:lnRef idx="1">
+                <a:schemeClr val="dk1"/>
+              </a:lnRef>
+              <a:fillRef idx="0">
+                <a:schemeClr val="dk1"/>
+              </a:fillRef>
+              <a:effectRef idx="0">
+                <a:schemeClr val="dk1"/>
+              </a:effectRef>
+              <a:fontRef idx="minor">
+                <a:schemeClr val="tx1"/>
+              </a:fontRef>
+            </p:style>
+          </p:cxnSp>
+        </p:grpSp>
+        <p:sp>
+          <p:nvSpPr>
+            <p:cNvPr id="205" name="TextBox 204">
+              <a:extLst>
+                <a:ext uri="{FF2B5EF4-FFF2-40B4-BE49-F238E27FC236}">
+                  <a16:creationId xmlns:a16="http://schemas.microsoft.com/office/drawing/2014/main" id="{41DFE2D7-B61C-44FA-BBED-EDF21771879B}"/>
+                </a:ext>
+              </a:extLst>
+            </p:cNvPr>
+            <p:cNvSpPr txBox="1"/>
+            <p:nvPr/>
+          </p:nvSpPr>
+          <p:spPr>
+            <a:xfrm>
+              <a:off x="2853885" y="177525"/>
+              <a:ext cx="3235765" cy="461665"/>
+            </a:xfrm>
+            <a:prstGeom prst="rect">
+              <a:avLst/>
+            </a:prstGeom>
+            <a:noFill/>
+            <a:ln>
+              <a:solidFill>
+                <a:schemeClr val="tx1"/>
+              </a:solidFill>
+            </a:ln>
+          </p:spPr>
+          <p:txBody>
+            <a:bodyPr wrap="square" rtlCol="0">
+              <a:spAutoFit/>
+            </a:bodyPr>
+            <a:lstStyle/>
+            <a:p>
+              <a:pPr algn="ctr"/>
+              <a:r>
+                <a:rPr lang="en-US" sz="1200" dirty="0">
+                  <a:latin typeface="Avenir Next LT Pro" panose="020B0504020202020204" pitchFamily="34" charset="0"/>
+                </a:rPr>
+                <a:t>Dot product </a:t>
+              </a:r>
+              <a:r>
+                <a:rPr lang="en-US" sz="1200" dirty="0" err="1">
+                  <a:latin typeface="Avenir Next LT Pro" panose="020B0504020202020204" pitchFamily="34" charset="0"/>
+                </a:rPr>
+                <a:t>bw</a:t>
+              </a:r>
+              <a:r>
+                <a:rPr lang="en-US" sz="1200" dirty="0">
+                  <a:latin typeface="Avenir Next LT Pro" panose="020B0504020202020204" pitchFamily="34" charset="0"/>
+                </a:rPr>
+                <a:t> the hidden state and every o/p embedding – returns a set of scalars</a:t>
+              </a:r>
+              <a:endParaRPr lang="en-GB" sz="1200" dirty="0">
+                <a:latin typeface="Avenir Next LT Pro" panose="020B0504020202020204" pitchFamily="34" charset="0"/>
+              </a:endParaRPr>
+            </a:p>
+          </p:txBody>
+        </p:sp>
+      </p:grpSp>
+      <p:sp>
+        <p:nvSpPr>
+          <p:cNvPr id="206" name="TextBox 205">
+            <a:extLst>
+              <a:ext uri="{FF2B5EF4-FFF2-40B4-BE49-F238E27FC236}">
+                <a16:creationId xmlns:a16="http://schemas.microsoft.com/office/drawing/2014/main" id="{E1757066-7519-47A5-8BDE-7030807D7E24}"/>
+              </a:ext>
+            </a:extLst>
+          </p:cNvPr>
+          <p:cNvSpPr txBox="1"/>
+          <p:nvPr/>
+        </p:nvSpPr>
+        <p:spPr>
+          <a:xfrm>
+            <a:off x="7430561" y="1045838"/>
+            <a:ext cx="819807" cy="369332"/>
+          </a:xfrm>
+          <a:prstGeom prst="rect">
+            <a:avLst/>
+          </a:prstGeom>
+          <a:noFill/>
+        </p:spPr>
+        <p:txBody>
+          <a:bodyPr wrap="square" rtlCol="0">
+            <a:spAutoFit/>
+          </a:bodyPr>
+          <a:lstStyle/>
+          <a:p>
+            <a:r>
+              <a:rPr lang="en-US" dirty="0"/>
+              <a:t>= 0.9</a:t>
+            </a:r>
+            <a:endParaRPr lang="en-GB" dirty="0"/>
+          </a:p>
+        </p:txBody>
+      </p:sp>
+      <p:sp>
+        <p:nvSpPr>
+          <p:cNvPr id="207" name="TextBox 206">
+            <a:extLst>
+              <a:ext uri="{FF2B5EF4-FFF2-40B4-BE49-F238E27FC236}">
+                <a16:creationId xmlns:a16="http://schemas.microsoft.com/office/drawing/2014/main" id="{587A3A90-DF76-4BDA-BF4C-8D47B84AA5CB}"/>
+              </a:ext>
+            </a:extLst>
+          </p:cNvPr>
+          <p:cNvSpPr txBox="1"/>
+          <p:nvPr/>
+        </p:nvSpPr>
+        <p:spPr>
+          <a:xfrm>
+            <a:off x="7433959" y="1768353"/>
+            <a:ext cx="819807" cy="369332"/>
+          </a:xfrm>
+          <a:prstGeom prst="rect">
+            <a:avLst/>
+          </a:prstGeom>
+          <a:noFill/>
+        </p:spPr>
+        <p:txBody>
+          <a:bodyPr wrap="square" rtlCol="0">
+            <a:spAutoFit/>
+          </a:bodyPr>
+          <a:lstStyle/>
+          <a:p>
+            <a:r>
+              <a:rPr lang="en-US" dirty="0"/>
+              <a:t>= 3.7</a:t>
+            </a:r>
+            <a:endParaRPr lang="en-GB" dirty="0"/>
+          </a:p>
+        </p:txBody>
+      </p:sp>
+      <p:sp>
+        <p:nvSpPr>
+          <p:cNvPr id="208" name="TextBox 207">
+            <a:extLst>
+              <a:ext uri="{FF2B5EF4-FFF2-40B4-BE49-F238E27FC236}">
+                <a16:creationId xmlns:a16="http://schemas.microsoft.com/office/drawing/2014/main" id="{5644F6DF-B9B5-4BE8-BBA0-8604DDD18CF6}"/>
+              </a:ext>
+            </a:extLst>
+          </p:cNvPr>
+          <p:cNvSpPr txBox="1"/>
+          <p:nvPr/>
+        </p:nvSpPr>
+        <p:spPr>
+          <a:xfrm>
+            <a:off x="7430561" y="2454774"/>
+            <a:ext cx="819807" cy="369332"/>
+          </a:xfrm>
+          <a:prstGeom prst="rect">
+            <a:avLst/>
+          </a:prstGeom>
+          <a:noFill/>
+        </p:spPr>
+        <p:txBody>
+          <a:bodyPr wrap="square" rtlCol="0">
+            <a:spAutoFit/>
+          </a:bodyPr>
+          <a:lstStyle/>
+          <a:p>
+            <a:r>
+              <a:rPr lang="en-US" dirty="0"/>
+              <a:t>= 0.3</a:t>
+            </a:r>
+            <a:endParaRPr lang="en-GB" dirty="0"/>
+          </a:p>
+        </p:txBody>
+      </p:sp>
+      <p:sp>
+        <p:nvSpPr>
+          <p:cNvPr id="209" name="TextBox 208">
+            <a:extLst>
+              <a:ext uri="{FF2B5EF4-FFF2-40B4-BE49-F238E27FC236}">
+                <a16:creationId xmlns:a16="http://schemas.microsoft.com/office/drawing/2014/main" id="{280813FF-F368-4E9D-97CB-317B117023C4}"/>
+              </a:ext>
+            </a:extLst>
+          </p:cNvPr>
+          <p:cNvSpPr txBox="1"/>
+          <p:nvPr/>
+        </p:nvSpPr>
+        <p:spPr>
+          <a:xfrm>
+            <a:off x="7430560" y="3213949"/>
+            <a:ext cx="819807" cy="369332"/>
+          </a:xfrm>
+          <a:prstGeom prst="rect">
+            <a:avLst/>
+          </a:prstGeom>
+          <a:noFill/>
+        </p:spPr>
+        <p:txBody>
+          <a:bodyPr wrap="square" rtlCol="0">
+            <a:spAutoFit/>
+          </a:bodyPr>
+          <a:lstStyle/>
+          <a:p>
+            <a:r>
+              <a:rPr lang="en-US" dirty="0"/>
+              <a:t>= 1.3</a:t>
+            </a:r>
+            <a:endParaRPr lang="en-GB" dirty="0"/>
+          </a:p>
+        </p:txBody>
+      </p:sp>
+      <p:sp>
+        <p:nvSpPr>
+          <p:cNvPr id="210" name="TextBox 209">
+            <a:extLst>
+              <a:ext uri="{FF2B5EF4-FFF2-40B4-BE49-F238E27FC236}">
+                <a16:creationId xmlns:a16="http://schemas.microsoft.com/office/drawing/2014/main" id="{800678F0-604C-4CA1-8DEB-EFD88ECF962D}"/>
+              </a:ext>
+            </a:extLst>
+          </p:cNvPr>
+          <p:cNvSpPr txBox="1"/>
+          <p:nvPr/>
+        </p:nvSpPr>
+        <p:spPr>
+          <a:xfrm>
+            <a:off x="7430981" y="3922833"/>
+            <a:ext cx="819807" cy="369332"/>
+          </a:xfrm>
+          <a:prstGeom prst="rect">
+            <a:avLst/>
+          </a:prstGeom>
+          <a:noFill/>
+        </p:spPr>
+        <p:txBody>
+          <a:bodyPr wrap="square" rtlCol="0">
+            <a:spAutoFit/>
+          </a:bodyPr>
+          <a:lstStyle/>
+          <a:p>
+            <a:r>
+              <a:rPr lang="en-US" dirty="0"/>
+              <a:t>= 1.1</a:t>
+            </a:r>
+            <a:endParaRPr lang="en-GB" dirty="0"/>
+          </a:p>
+        </p:txBody>
+      </p:sp>
+      <p:sp>
+        <p:nvSpPr>
+          <p:cNvPr id="211" name="TextBox 210">
+            <a:extLst>
+              <a:ext uri="{FF2B5EF4-FFF2-40B4-BE49-F238E27FC236}">
+                <a16:creationId xmlns:a16="http://schemas.microsoft.com/office/drawing/2014/main" id="{478596D3-B6B8-491B-AD0D-4B11E980B25F}"/>
+              </a:ext>
+            </a:extLst>
+          </p:cNvPr>
+          <p:cNvSpPr txBox="1"/>
+          <p:nvPr/>
+        </p:nvSpPr>
+        <p:spPr>
+          <a:xfrm>
+            <a:off x="7430560" y="4661095"/>
+            <a:ext cx="819807" cy="369332"/>
+          </a:xfrm>
+          <a:prstGeom prst="rect">
+            <a:avLst/>
+          </a:prstGeom>
+          <a:noFill/>
+        </p:spPr>
+        <p:txBody>
+          <a:bodyPr wrap="square" rtlCol="0">
+            <a:spAutoFit/>
+          </a:bodyPr>
+          <a:lstStyle/>
+          <a:p>
+            <a:r>
+              <a:rPr lang="en-US" dirty="0"/>
+              <a:t>= 0.7</a:t>
+            </a:r>
+            <a:endParaRPr lang="en-GB" dirty="0"/>
+          </a:p>
+        </p:txBody>
+      </p:sp>
+      <p:sp>
+        <p:nvSpPr>
+          <p:cNvPr id="212" name="TextBox 211">
+            <a:extLst>
+              <a:ext uri="{FF2B5EF4-FFF2-40B4-BE49-F238E27FC236}">
+                <a16:creationId xmlns:a16="http://schemas.microsoft.com/office/drawing/2014/main" id="{75CECF48-8F79-4F4F-A8AD-DD49A87B43EE}"/>
+              </a:ext>
+            </a:extLst>
+          </p:cNvPr>
+          <p:cNvSpPr txBox="1"/>
+          <p:nvPr/>
+        </p:nvSpPr>
+        <p:spPr>
+          <a:xfrm>
+            <a:off x="7430560" y="5359824"/>
+            <a:ext cx="819807" cy="369332"/>
+          </a:xfrm>
+          <a:prstGeom prst="rect">
+            <a:avLst/>
+          </a:prstGeom>
+          <a:noFill/>
+        </p:spPr>
+        <p:txBody>
+          <a:bodyPr wrap="square" rtlCol="0">
+            <a:spAutoFit/>
+          </a:bodyPr>
+          <a:lstStyle/>
+          <a:p>
+            <a:r>
+              <a:rPr lang="en-US" dirty="0"/>
+              <a:t>= 0.3</a:t>
+            </a:r>
+            <a:endParaRPr lang="en-GB" dirty="0"/>
+          </a:p>
+        </p:txBody>
+      </p:sp>
+      <p:sp>
+        <p:nvSpPr>
+          <p:cNvPr id="213" name="TextBox 212">
+            <a:extLst>
+              <a:ext uri="{FF2B5EF4-FFF2-40B4-BE49-F238E27FC236}">
+                <a16:creationId xmlns:a16="http://schemas.microsoft.com/office/drawing/2014/main" id="{793DC301-EF4C-49E7-89F3-EB4709A74BE0}"/>
+              </a:ext>
+            </a:extLst>
+          </p:cNvPr>
+          <p:cNvSpPr txBox="1"/>
+          <p:nvPr/>
+        </p:nvSpPr>
+        <p:spPr>
+          <a:xfrm>
+            <a:off x="7430560" y="6058553"/>
+            <a:ext cx="819807" cy="369332"/>
+          </a:xfrm>
+          <a:prstGeom prst="rect">
+            <a:avLst/>
+          </a:prstGeom>
+          <a:noFill/>
+        </p:spPr>
+        <p:txBody>
+          <a:bodyPr wrap="square" rtlCol="0">
+            <a:spAutoFit/>
+          </a:bodyPr>
+          <a:lstStyle/>
+          <a:p>
+            <a:r>
+              <a:rPr lang="en-US" dirty="0"/>
+              <a:t>= 0.2</a:t>
+            </a:r>
+            <a:endParaRPr lang="en-GB" dirty="0"/>
+          </a:p>
+        </p:txBody>
+      </p:sp>
+      <p:grpSp>
+        <p:nvGrpSpPr>
+          <p:cNvPr id="228" name="Group 227">
+            <a:extLst>
+              <a:ext uri="{FF2B5EF4-FFF2-40B4-BE49-F238E27FC236}">
+                <a16:creationId xmlns:a16="http://schemas.microsoft.com/office/drawing/2014/main" id="{89FE6079-1EA9-404E-9E7B-882070682897}"/>
+              </a:ext>
+            </a:extLst>
+          </p:cNvPr>
+          <p:cNvGrpSpPr/>
+          <p:nvPr/>
+        </p:nvGrpSpPr>
+        <p:grpSpPr>
+          <a:xfrm>
+            <a:off x="7381857" y="201964"/>
+            <a:ext cx="2239356" cy="6103743"/>
+            <a:chOff x="7381857" y="201964"/>
+            <a:chExt cx="2239356" cy="6103743"/>
+          </a:xfrm>
+        </p:grpSpPr>
+        <p:sp>
+          <p:nvSpPr>
+            <p:cNvPr id="214" name="Right Brace 213">
+              <a:extLst>
+                <a:ext uri="{FF2B5EF4-FFF2-40B4-BE49-F238E27FC236}">
+                  <a16:creationId xmlns:a16="http://schemas.microsoft.com/office/drawing/2014/main" id="{2067634C-ABD4-4345-AB56-99BCB517CCF2}"/>
+                </a:ext>
+              </a:extLst>
+            </p:cNvPr>
+            <p:cNvSpPr/>
+            <p:nvPr/>
+          </p:nvSpPr>
+          <p:spPr>
+            <a:xfrm>
+              <a:off x="8250367" y="1135726"/>
+              <a:ext cx="978695" cy="5169981"/>
+            </a:xfrm>
+            <a:prstGeom prst="rightBrace">
+              <a:avLst/>
+            </a:prstGeom>
+            <a:solidFill>
+              <a:schemeClr val="bg1"/>
+            </a:solidFill>
+            <a:ln w="19050">
+              <a:solidFill>
+                <a:schemeClr val="tx1"/>
+              </a:solidFill>
+              <a:headEnd type="none" w="med" len="med"/>
+              <a:tailEnd type="none" w="med" len="med"/>
+              <a:extLst>
+                <a:ext uri="{C807C97D-BFC1-408E-A445-0C87EB9F89A2}">
+                  <ask:lineSketchStyleProps xmlns:ask="http://schemas.microsoft.com/office/drawing/2018/sketchyshapes" sd="782294884">
+                    <a:custGeom>
+                      <a:avLst/>
+                      <a:gdLst>
+                        <a:gd name="connsiteX0" fmla="*/ 0 w 978695"/>
+                        <a:gd name="connsiteY0" fmla="*/ 0 h 5169981"/>
+                        <a:gd name="connsiteX1" fmla="*/ 489348 w 978695"/>
+                        <a:gd name="connsiteY1" fmla="*/ 81555 h 5169981"/>
+                        <a:gd name="connsiteX2" fmla="*/ 489348 w 978695"/>
+                        <a:gd name="connsiteY2" fmla="*/ 735463 h 5169981"/>
+                        <a:gd name="connsiteX3" fmla="*/ 489348 w 978695"/>
+                        <a:gd name="connsiteY3" fmla="*/ 1389371 h 5169981"/>
+                        <a:gd name="connsiteX4" fmla="*/ 489348 w 978695"/>
+                        <a:gd name="connsiteY4" fmla="*/ 2503436 h 5169981"/>
+                        <a:gd name="connsiteX5" fmla="*/ 978696 w 978695"/>
+                        <a:gd name="connsiteY5" fmla="*/ 2584991 h 5169981"/>
+                        <a:gd name="connsiteX6" fmla="*/ 489348 w 978695"/>
+                        <a:gd name="connsiteY6" fmla="*/ 2666546 h 5169981"/>
+                        <a:gd name="connsiteX7" fmla="*/ 489348 w 978695"/>
+                        <a:gd name="connsiteY7" fmla="*/ 3247797 h 5169981"/>
+                        <a:gd name="connsiteX8" fmla="*/ 489348 w 978695"/>
+                        <a:gd name="connsiteY8" fmla="*/ 3877486 h 5169981"/>
+                        <a:gd name="connsiteX9" fmla="*/ 489348 w 978695"/>
+                        <a:gd name="connsiteY9" fmla="*/ 4531394 h 5169981"/>
+                        <a:gd name="connsiteX10" fmla="*/ 489348 w 978695"/>
+                        <a:gd name="connsiteY10" fmla="*/ 5088426 h 5169981"/>
+                        <a:gd name="connsiteX11" fmla="*/ 0 w 978695"/>
+                        <a:gd name="connsiteY11" fmla="*/ 5169981 h 5169981"/>
+                        <a:gd name="connsiteX12" fmla="*/ 0 w 978695"/>
+                        <a:gd name="connsiteY12" fmla="*/ 4523733 h 5169981"/>
+                        <a:gd name="connsiteX13" fmla="*/ 0 w 978695"/>
+                        <a:gd name="connsiteY13" fmla="*/ 3774086 h 5169981"/>
+                        <a:gd name="connsiteX14" fmla="*/ 0 w 978695"/>
+                        <a:gd name="connsiteY14" fmla="*/ 3231238 h 5169981"/>
+                        <a:gd name="connsiteX15" fmla="*/ 0 w 978695"/>
+                        <a:gd name="connsiteY15" fmla="*/ 2740090 h 5169981"/>
+                        <a:gd name="connsiteX16" fmla="*/ 0 w 978695"/>
+                        <a:gd name="connsiteY16" fmla="*/ 2197242 h 5169981"/>
+                        <a:gd name="connsiteX17" fmla="*/ 0 w 978695"/>
+                        <a:gd name="connsiteY17" fmla="*/ 1550994 h 5169981"/>
+                        <a:gd name="connsiteX18" fmla="*/ 0 w 978695"/>
+                        <a:gd name="connsiteY18" fmla="*/ 1008146 h 5169981"/>
+                        <a:gd name="connsiteX19" fmla="*/ 0 w 978695"/>
+                        <a:gd name="connsiteY19" fmla="*/ 0 h 5169981"/>
+                        <a:gd name="connsiteX0" fmla="*/ 0 w 978695"/>
+                        <a:gd name="connsiteY0" fmla="*/ 0 h 5169981"/>
+                        <a:gd name="connsiteX1" fmla="*/ 489348 w 978695"/>
+                        <a:gd name="connsiteY1" fmla="*/ 81555 h 5169981"/>
+                        <a:gd name="connsiteX2" fmla="*/ 489348 w 978695"/>
+                        <a:gd name="connsiteY2" fmla="*/ 662806 h 5169981"/>
+                        <a:gd name="connsiteX3" fmla="*/ 489348 w 978695"/>
+                        <a:gd name="connsiteY3" fmla="*/ 1219839 h 5169981"/>
+                        <a:gd name="connsiteX4" fmla="*/ 489348 w 978695"/>
+                        <a:gd name="connsiteY4" fmla="*/ 1825309 h 5169981"/>
+                        <a:gd name="connsiteX5" fmla="*/ 489348 w 978695"/>
+                        <a:gd name="connsiteY5" fmla="*/ 2503436 h 5169981"/>
+                        <a:gd name="connsiteX6" fmla="*/ 978696 w 978695"/>
+                        <a:gd name="connsiteY6" fmla="*/ 2584991 h 5169981"/>
+                        <a:gd name="connsiteX7" fmla="*/ 489348 w 978695"/>
+                        <a:gd name="connsiteY7" fmla="*/ 2666546 h 5169981"/>
+                        <a:gd name="connsiteX8" fmla="*/ 489348 w 978695"/>
+                        <a:gd name="connsiteY8" fmla="*/ 3247797 h 5169981"/>
+                        <a:gd name="connsiteX9" fmla="*/ 489348 w 978695"/>
+                        <a:gd name="connsiteY9" fmla="*/ 3901705 h 5169981"/>
+                        <a:gd name="connsiteX10" fmla="*/ 489348 w 978695"/>
+                        <a:gd name="connsiteY10" fmla="*/ 4458737 h 5169981"/>
+                        <a:gd name="connsiteX11" fmla="*/ 489348 w 978695"/>
+                        <a:gd name="connsiteY11" fmla="*/ 5088426 h 5169981"/>
+                        <a:gd name="connsiteX12" fmla="*/ 0 w 978695"/>
+                        <a:gd name="connsiteY12" fmla="*/ 5169981 h 5169981"/>
+                      </a:gdLst>
+                      <a:ahLst/>
+                      <a:cxnLst>
+                        <a:cxn ang="0">
+                          <a:pos x="connsiteX0" y="connsiteY0"/>
+                        </a:cxn>
+                        <a:cxn ang="0">
+                          <a:pos x="connsiteX1" y="connsiteY1"/>
+                        </a:cxn>
+                        <a:cxn ang="0">
+                          <a:pos x="connsiteX2" y="connsiteY2"/>
+                        </a:cxn>
+                        <a:cxn ang="0">
+                          <a:pos x="connsiteX3" y="connsiteY3"/>
+                        </a:cxn>
+                        <a:cxn ang="0">
+                          <a:pos x="connsiteX4" y="connsiteY4"/>
+                        </a:cxn>
+                        <a:cxn ang="0">
+                          <a:pos x="connsiteX5" y="connsiteY5"/>
+                        </a:cxn>
+                        <a:cxn ang="0">
+                          <a:pos x="connsiteX6" y="connsiteY6"/>
+                        </a:cxn>
+                        <a:cxn ang="0">
+                          <a:pos x="connsiteX7" y="connsiteY7"/>
+                        </a:cxn>
+                        <a:cxn ang="0">
+                          <a:pos x="connsiteX8" y="connsiteY8"/>
+                        </a:cxn>
+                        <a:cxn ang="0">
+                          <a:pos x="connsiteX9" y="connsiteY9"/>
+                        </a:cxn>
+                        <a:cxn ang="0">
+                          <a:pos x="connsiteX10" y="connsiteY10"/>
+                        </a:cxn>
+                        <a:cxn ang="0">
+                          <a:pos x="connsiteX11" y="connsiteY11"/>
+                        </a:cxn>
+                        <a:cxn ang="0">
+                          <a:pos x="connsiteX12" y="connsiteY12"/>
+                        </a:cxn>
+                      </a:cxnLst>
+                      <a:rect l="l" t="t" r="r" b="b"/>
+                      <a:pathLst>
+                        <a:path w="978695" h="5169981" stroke="0" extrusionOk="0">
+                          <a:moveTo>
+                            <a:pt x="0" y="0"/>
+                          </a:moveTo>
+                          <a:cubicBezTo>
+                            <a:pt x="268056" y="-1266"/>
+                            <a:pt x="489655" y="27114"/>
+                            <a:pt x="489348" y="81555"/>
+                          </a:cubicBezTo>
+                          <a:cubicBezTo>
+                            <a:pt x="501370" y="379549"/>
+                            <a:pt x="464271" y="440038"/>
+                            <a:pt x="489348" y="735463"/>
+                          </a:cubicBezTo>
+                          <a:cubicBezTo>
+                            <a:pt x="514425" y="1030888"/>
+                            <a:pt x="500615" y="1235137"/>
+                            <a:pt x="489348" y="1389371"/>
+                          </a:cubicBezTo>
+                          <a:cubicBezTo>
+                            <a:pt x="478081" y="1543605"/>
+                            <a:pt x="531016" y="2120275"/>
+                            <a:pt x="489348" y="2503436"/>
+                          </a:cubicBezTo>
+                          <a:cubicBezTo>
+                            <a:pt x="480000" y="2535639"/>
+                            <a:pt x="672114" y="2565633"/>
+                            <a:pt x="978696" y="2584991"/>
+                          </a:cubicBezTo>
+                          <a:cubicBezTo>
+                            <a:pt x="710828" y="2574658"/>
+                            <a:pt x="487981" y="2622318"/>
+                            <a:pt x="489348" y="2666546"/>
+                          </a:cubicBezTo>
+                          <a:cubicBezTo>
+                            <a:pt x="502225" y="2864109"/>
+                            <a:pt x="467930" y="3104819"/>
+                            <a:pt x="489348" y="3247797"/>
+                          </a:cubicBezTo>
+                          <a:cubicBezTo>
+                            <a:pt x="510766" y="3390775"/>
+                            <a:pt x="479213" y="3746018"/>
+                            <a:pt x="489348" y="3877486"/>
+                          </a:cubicBezTo>
+                          <a:cubicBezTo>
+                            <a:pt x="499483" y="4008954"/>
+                            <a:pt x="508704" y="4385160"/>
+                            <a:pt x="489348" y="4531394"/>
+                          </a:cubicBezTo>
+                          <a:cubicBezTo>
+                            <a:pt x="469992" y="4677628"/>
+                            <a:pt x="470056" y="4813957"/>
+                            <a:pt x="489348" y="5088426"/>
+                          </a:cubicBezTo>
+                          <a:cubicBezTo>
+                            <a:pt x="502561" y="5107353"/>
+                            <a:pt x="286429" y="5172565"/>
+                            <a:pt x="0" y="5169981"/>
+                          </a:cubicBezTo>
+                          <a:cubicBezTo>
+                            <a:pt x="-14084" y="4945965"/>
+                            <a:pt x="20788" y="4681514"/>
+                            <a:pt x="0" y="4523733"/>
+                          </a:cubicBezTo>
+                          <a:cubicBezTo>
+                            <a:pt x="-20788" y="4365952"/>
+                            <a:pt x="-18335" y="4118544"/>
+                            <a:pt x="0" y="3774086"/>
+                          </a:cubicBezTo>
+                          <a:cubicBezTo>
+                            <a:pt x="18335" y="3429628"/>
+                            <a:pt x="19888" y="3371749"/>
+                            <a:pt x="0" y="3231238"/>
+                          </a:cubicBezTo>
+                          <a:cubicBezTo>
+                            <a:pt x="-19888" y="3090727"/>
+                            <a:pt x="-3104" y="2884004"/>
+                            <a:pt x="0" y="2740090"/>
+                          </a:cubicBezTo>
+                          <a:cubicBezTo>
+                            <a:pt x="3104" y="2596176"/>
+                            <a:pt x="17530" y="2399384"/>
+                            <a:pt x="0" y="2197242"/>
+                          </a:cubicBezTo>
+                          <a:cubicBezTo>
+                            <a:pt x="-17530" y="1995100"/>
+                            <a:pt x="927" y="1870941"/>
+                            <a:pt x="0" y="1550994"/>
+                          </a:cubicBezTo>
+                          <a:cubicBezTo>
+                            <a:pt x="-927" y="1231047"/>
+                            <a:pt x="-14799" y="1138270"/>
+                            <a:pt x="0" y="1008146"/>
+                          </a:cubicBezTo>
+                          <a:cubicBezTo>
+                            <a:pt x="14799" y="878022"/>
+                            <a:pt x="-22752" y="482181"/>
+                            <a:pt x="0" y="0"/>
+                          </a:cubicBezTo>
+                          <a:close/>
+                        </a:path>
+                        <a:path w="978695" h="5169981" fill="none" extrusionOk="0">
+                          <a:moveTo>
+                            <a:pt x="0" y="0"/>
+                          </a:moveTo>
+                          <a:cubicBezTo>
+                            <a:pt x="269126" y="-1574"/>
+                            <a:pt x="481631" y="34836"/>
+                            <a:pt x="489348" y="81555"/>
+                          </a:cubicBezTo>
+                          <a:cubicBezTo>
+                            <a:pt x="503062" y="367978"/>
+                            <a:pt x="479560" y="406563"/>
+                            <a:pt x="489348" y="662806"/>
+                          </a:cubicBezTo>
+                          <a:cubicBezTo>
+                            <a:pt x="499136" y="919049"/>
+                            <a:pt x="477033" y="1080146"/>
+                            <a:pt x="489348" y="1219839"/>
+                          </a:cubicBezTo>
+                          <a:cubicBezTo>
+                            <a:pt x="501663" y="1359532"/>
+                            <a:pt x="497963" y="1577138"/>
+                            <a:pt x="489348" y="1825309"/>
+                          </a:cubicBezTo>
+                          <a:cubicBezTo>
+                            <a:pt x="480734" y="2073480"/>
+                            <a:pt x="475082" y="2275821"/>
+                            <a:pt x="489348" y="2503436"/>
+                          </a:cubicBezTo>
+                          <a:cubicBezTo>
+                            <a:pt x="512961" y="2584085"/>
+                            <a:pt x="713910" y="2588382"/>
+                            <a:pt x="978696" y="2584991"/>
+                          </a:cubicBezTo>
+                          <a:cubicBezTo>
+                            <a:pt x="717070" y="2585830"/>
+                            <a:pt x="490089" y="2620193"/>
+                            <a:pt x="489348" y="2666546"/>
+                          </a:cubicBezTo>
+                          <a:cubicBezTo>
+                            <a:pt x="484885" y="2809078"/>
+                            <a:pt x="466700" y="3060877"/>
+                            <a:pt x="489348" y="3247797"/>
+                          </a:cubicBezTo>
+                          <a:cubicBezTo>
+                            <a:pt x="511996" y="3434717"/>
+                            <a:pt x="482804" y="3575527"/>
+                            <a:pt x="489348" y="3901705"/>
+                          </a:cubicBezTo>
+                          <a:cubicBezTo>
+                            <a:pt x="495892" y="4227883"/>
+                            <a:pt x="474935" y="4223530"/>
+                            <a:pt x="489348" y="4458737"/>
+                          </a:cubicBezTo>
+                          <a:cubicBezTo>
+                            <a:pt x="503761" y="4693944"/>
+                            <a:pt x="512480" y="4949287"/>
+                            <a:pt x="489348" y="5088426"/>
+                          </a:cubicBezTo>
+                          <a:cubicBezTo>
+                            <a:pt x="492562" y="5085701"/>
+                            <a:pt x="244342" y="5210229"/>
+                            <a:pt x="0" y="5169981"/>
+                          </a:cubicBezTo>
+                        </a:path>
+                        <a:path w="978695" h="5169981" fill="none" stroke="0" extrusionOk="0">
+                          <a:moveTo>
+                            <a:pt x="0" y="0"/>
+                          </a:moveTo>
+                          <a:cubicBezTo>
+                            <a:pt x="265808" y="7704"/>
+                            <a:pt x="493342" y="37064"/>
+                            <a:pt x="489348" y="81555"/>
+                          </a:cubicBezTo>
+                          <a:cubicBezTo>
+                            <a:pt x="515075" y="378110"/>
+                            <a:pt x="484824" y="485278"/>
+                            <a:pt x="489348" y="687025"/>
+                          </a:cubicBezTo>
+                          <a:cubicBezTo>
+                            <a:pt x="493873" y="888772"/>
+                            <a:pt x="519078" y="1072514"/>
+                            <a:pt x="489348" y="1292496"/>
+                          </a:cubicBezTo>
+                          <a:cubicBezTo>
+                            <a:pt x="459618" y="1512478"/>
+                            <a:pt x="491705" y="1662693"/>
+                            <a:pt x="489348" y="1825309"/>
+                          </a:cubicBezTo>
+                          <a:cubicBezTo>
+                            <a:pt x="486991" y="1987925"/>
+                            <a:pt x="509110" y="2329890"/>
+                            <a:pt x="489348" y="2503436"/>
+                          </a:cubicBezTo>
+                          <a:cubicBezTo>
+                            <a:pt x="438209" y="2560339"/>
+                            <a:pt x="723166" y="2606734"/>
+                            <a:pt x="978696" y="2584991"/>
+                          </a:cubicBezTo>
+                          <a:cubicBezTo>
+                            <a:pt x="714138" y="2585497"/>
+                            <a:pt x="496149" y="2623773"/>
+                            <a:pt x="489348" y="2666546"/>
+                          </a:cubicBezTo>
+                          <a:cubicBezTo>
+                            <a:pt x="463037" y="2943096"/>
+                            <a:pt x="510350" y="3076991"/>
+                            <a:pt x="489348" y="3247797"/>
+                          </a:cubicBezTo>
+                          <a:cubicBezTo>
+                            <a:pt x="468346" y="3418603"/>
+                            <a:pt x="489375" y="3649720"/>
+                            <a:pt x="489348" y="3829048"/>
+                          </a:cubicBezTo>
+                          <a:cubicBezTo>
+                            <a:pt x="489321" y="4008376"/>
+                            <a:pt x="511920" y="4241944"/>
+                            <a:pt x="489348" y="4458737"/>
+                          </a:cubicBezTo>
+                          <a:cubicBezTo>
+                            <a:pt x="466776" y="4675530"/>
+                            <a:pt x="485203" y="4786419"/>
+                            <a:pt x="489348" y="5088426"/>
+                          </a:cubicBezTo>
+                          <a:cubicBezTo>
+                            <a:pt x="489600" y="5126230"/>
+                            <a:pt x="237281" y="5165065"/>
+                            <a:pt x="0" y="5169981"/>
+                          </a:cubicBezTo>
+                        </a:path>
+                      </a:pathLst>
+                    </a:custGeom>
+                    <ask:type>
+                      <ask:lineSketchNone/>
+                    </ask:type>
+                  </ask:lineSketchStyleProps>
+                </a:ext>
+              </a:extLst>
+            </a:ln>
+          </p:spPr>
+          <p:style>
+            <a:lnRef idx="1">
+              <a:schemeClr val="accent1"/>
+            </a:lnRef>
+            <a:fillRef idx="0">
+              <a:schemeClr val="accent1"/>
+            </a:fillRef>
+            <a:effectRef idx="0">
+              <a:schemeClr val="accent1"/>
+            </a:effectRef>
+            <a:fontRef idx="minor">
+              <a:schemeClr val="tx1"/>
+            </a:fontRef>
+          </p:style>
+          <p:txBody>
+            <a:bodyPr rtlCol="0" anchor="ctr"/>
+            <a:lstStyle/>
+            <a:p>
+              <a:pPr algn="ctr"/>
+              <a:endParaRPr lang="en-GB"/>
+            </a:p>
+          </p:txBody>
+        </p:sp>
+        <p:sp>
+          <p:nvSpPr>
+            <p:cNvPr id="215" name="TextBox 214">
+              <a:extLst>
+                <a:ext uri="{FF2B5EF4-FFF2-40B4-BE49-F238E27FC236}">
+                  <a16:creationId xmlns:a16="http://schemas.microsoft.com/office/drawing/2014/main" id="{A8A491AC-BA06-4AF6-A66A-15D768BA9608}"/>
+                </a:ext>
+              </a:extLst>
+            </p:cNvPr>
+            <p:cNvSpPr txBox="1"/>
+            <p:nvPr/>
+          </p:nvSpPr>
+          <p:spPr>
+            <a:xfrm>
+              <a:off x="7381857" y="201964"/>
+              <a:ext cx="2239356" cy="461665"/>
+            </a:xfrm>
+            <a:prstGeom prst="rect">
+              <a:avLst/>
+            </a:prstGeom>
+            <a:noFill/>
+            <a:ln>
+              <a:solidFill>
+                <a:schemeClr val="tx1"/>
+              </a:solidFill>
+            </a:ln>
+          </p:spPr>
+          <p:txBody>
+            <a:bodyPr wrap="square" rtlCol="0">
+              <a:spAutoFit/>
+            </a:bodyPr>
+            <a:lstStyle/>
+            <a:p>
+              <a:pPr algn="ctr"/>
+              <a:r>
+                <a:rPr lang="en-US" sz="1200" dirty="0">
+                  <a:latin typeface="Avenir Next LT Pro" panose="020B0504020202020204" pitchFamily="34" charset="0"/>
+                </a:rPr>
+                <a:t>SoftMax operation to normalize the scores</a:t>
+              </a:r>
+              <a:endParaRPr lang="en-GB" sz="1200" dirty="0">
+                <a:latin typeface="Avenir Next LT Pro" panose="020B0504020202020204" pitchFamily="34" charset="0"/>
+              </a:endParaRPr>
+            </a:p>
+          </p:txBody>
+        </p:sp>
+        <p:cxnSp>
+          <p:nvCxnSpPr>
+            <p:cNvPr id="216" name="Straight Arrow Connector 215">
+              <a:extLst>
+                <a:ext uri="{FF2B5EF4-FFF2-40B4-BE49-F238E27FC236}">
+                  <a16:creationId xmlns:a16="http://schemas.microsoft.com/office/drawing/2014/main" id="{11B2FDB5-EED6-4F57-9CBB-FA8DD4ABF050}"/>
+                </a:ext>
+              </a:extLst>
+            </p:cNvPr>
+            <p:cNvCxnSpPr>
+              <a:cxnSpLocks/>
+            </p:cNvCxnSpPr>
+            <p:nvPr/>
+          </p:nvCxnSpPr>
+          <p:spPr>
+            <a:xfrm>
+              <a:off x="8492632" y="662151"/>
+              <a:ext cx="0" cy="403255"/>
+            </a:xfrm>
+            <a:prstGeom prst="straightConnector1">
+              <a:avLst/>
+            </a:prstGeom>
+            <a:ln w="19050">
+              <a:solidFill>
+                <a:schemeClr val="tx1"/>
+              </a:solidFill>
+              <a:tailEnd type="triangle"/>
+            </a:ln>
+          </p:spPr>
+          <p:style>
+            <a:lnRef idx="1">
+              <a:schemeClr val="accent1"/>
+            </a:lnRef>
+            <a:fillRef idx="0">
+              <a:schemeClr val="accent1"/>
+            </a:fillRef>
+            <a:effectRef idx="0">
+              <a:schemeClr val="accent1"/>
+            </a:effectRef>
+            <a:fontRef idx="minor">
+              <a:schemeClr val="tx1"/>
+            </a:fontRef>
+          </p:style>
+        </p:cxnSp>
+      </p:grpSp>
+      <p:sp>
+        <p:nvSpPr>
+          <p:cNvPr id="217" name="TextBox 216">
+            <a:extLst>
+              <a:ext uri="{FF2B5EF4-FFF2-40B4-BE49-F238E27FC236}">
+                <a16:creationId xmlns:a16="http://schemas.microsoft.com/office/drawing/2014/main" id="{F3DBF7CD-34F0-4BA9-968A-8F42C7A48090}"/>
+              </a:ext>
+            </a:extLst>
+          </p:cNvPr>
+          <p:cNvSpPr txBox="1"/>
+          <p:nvPr/>
+        </p:nvSpPr>
+        <p:spPr>
+          <a:xfrm>
+            <a:off x="9266547" y="1045838"/>
+            <a:ext cx="819807" cy="369332"/>
+          </a:xfrm>
+          <a:prstGeom prst="rect">
+            <a:avLst/>
+          </a:prstGeom>
+          <a:noFill/>
+        </p:spPr>
+        <p:txBody>
+          <a:bodyPr wrap="square" rtlCol="0">
+            <a:spAutoFit/>
+          </a:bodyPr>
+          <a:lstStyle/>
+          <a:p>
+            <a:r>
+              <a:rPr lang="en-US" dirty="0"/>
+              <a:t>= 0.04</a:t>
+            </a:r>
+            <a:endParaRPr lang="en-GB" dirty="0"/>
+          </a:p>
+        </p:txBody>
+      </p:sp>
+      <p:sp>
+        <p:nvSpPr>
+          <p:cNvPr id="218" name="TextBox 217">
+            <a:extLst>
+              <a:ext uri="{FF2B5EF4-FFF2-40B4-BE49-F238E27FC236}">
+                <a16:creationId xmlns:a16="http://schemas.microsoft.com/office/drawing/2014/main" id="{7245FD1A-6012-45D0-905F-A1D9A93CB375}"/>
+              </a:ext>
+            </a:extLst>
+          </p:cNvPr>
+          <p:cNvSpPr txBox="1"/>
+          <p:nvPr/>
+        </p:nvSpPr>
+        <p:spPr>
+          <a:xfrm>
+            <a:off x="9269945" y="1768353"/>
+            <a:ext cx="819807" cy="369332"/>
+          </a:xfrm>
+          <a:prstGeom prst="rect">
+            <a:avLst/>
+          </a:prstGeom>
+          <a:noFill/>
+        </p:spPr>
+        <p:txBody>
+          <a:bodyPr wrap="square" rtlCol="0">
+            <a:spAutoFit/>
+          </a:bodyPr>
+          <a:lstStyle/>
+          <a:p>
+            <a:r>
+              <a:rPr lang="en-US" dirty="0"/>
+              <a:t>= 0.73</a:t>
+            </a:r>
+            <a:endParaRPr lang="en-GB" dirty="0"/>
+          </a:p>
+        </p:txBody>
+      </p:sp>
+      <p:sp>
+        <p:nvSpPr>
+          <p:cNvPr id="219" name="TextBox 218">
+            <a:extLst>
+              <a:ext uri="{FF2B5EF4-FFF2-40B4-BE49-F238E27FC236}">
+                <a16:creationId xmlns:a16="http://schemas.microsoft.com/office/drawing/2014/main" id="{DFF40852-88B5-45F4-8BDD-A00D2C782988}"/>
+              </a:ext>
+            </a:extLst>
+          </p:cNvPr>
+          <p:cNvSpPr txBox="1"/>
+          <p:nvPr/>
+        </p:nvSpPr>
+        <p:spPr>
+          <a:xfrm>
+            <a:off x="9266547" y="2454774"/>
+            <a:ext cx="819807" cy="369332"/>
+          </a:xfrm>
+          <a:prstGeom prst="rect">
+            <a:avLst/>
+          </a:prstGeom>
+          <a:noFill/>
+        </p:spPr>
+        <p:txBody>
+          <a:bodyPr wrap="square" rtlCol="0">
+            <a:spAutoFit/>
+          </a:bodyPr>
+          <a:lstStyle/>
+          <a:p>
+            <a:r>
+              <a:rPr lang="en-US" dirty="0"/>
+              <a:t>= 0.02</a:t>
+            </a:r>
+            <a:endParaRPr lang="en-GB" dirty="0"/>
+          </a:p>
+        </p:txBody>
+      </p:sp>
+      <p:sp>
+        <p:nvSpPr>
+          <p:cNvPr id="220" name="TextBox 219">
+            <a:extLst>
+              <a:ext uri="{FF2B5EF4-FFF2-40B4-BE49-F238E27FC236}">
+                <a16:creationId xmlns:a16="http://schemas.microsoft.com/office/drawing/2014/main" id="{1DBB2950-6639-4D70-89B2-EA6525896D3D}"/>
+              </a:ext>
+            </a:extLst>
+          </p:cNvPr>
+          <p:cNvSpPr txBox="1"/>
+          <p:nvPr/>
+        </p:nvSpPr>
+        <p:spPr>
+          <a:xfrm>
+            <a:off x="9266546" y="3213949"/>
+            <a:ext cx="819807" cy="369332"/>
+          </a:xfrm>
+          <a:prstGeom prst="rect">
+            <a:avLst/>
+          </a:prstGeom>
+          <a:noFill/>
+        </p:spPr>
+        <p:txBody>
+          <a:bodyPr wrap="square" rtlCol="0">
+            <a:spAutoFit/>
+          </a:bodyPr>
+          <a:lstStyle/>
+          <a:p>
+            <a:r>
+              <a:rPr lang="en-US" dirty="0"/>
+              <a:t>= 0.07</a:t>
+            </a:r>
+            <a:endParaRPr lang="en-GB" dirty="0"/>
+          </a:p>
+        </p:txBody>
+      </p:sp>
+      <p:sp>
+        <p:nvSpPr>
+          <p:cNvPr id="221" name="TextBox 220">
+            <a:extLst>
+              <a:ext uri="{FF2B5EF4-FFF2-40B4-BE49-F238E27FC236}">
+                <a16:creationId xmlns:a16="http://schemas.microsoft.com/office/drawing/2014/main" id="{343558A3-B08F-45CD-88C1-0AAAD4CDF54D}"/>
+              </a:ext>
+            </a:extLst>
+          </p:cNvPr>
+          <p:cNvSpPr txBox="1"/>
+          <p:nvPr/>
+        </p:nvSpPr>
+        <p:spPr>
+          <a:xfrm>
+            <a:off x="9266967" y="3922833"/>
+            <a:ext cx="819807" cy="369332"/>
+          </a:xfrm>
+          <a:prstGeom prst="rect">
+            <a:avLst/>
+          </a:prstGeom>
+          <a:noFill/>
+        </p:spPr>
+        <p:txBody>
+          <a:bodyPr wrap="square" rtlCol="0">
+            <a:spAutoFit/>
+          </a:bodyPr>
+          <a:lstStyle/>
+          <a:p>
+            <a:r>
+              <a:rPr lang="en-US" dirty="0"/>
+              <a:t>= 0.05</a:t>
+            </a:r>
+            <a:endParaRPr lang="en-GB" dirty="0"/>
+          </a:p>
+        </p:txBody>
+      </p:sp>
+      <p:sp>
+        <p:nvSpPr>
+          <p:cNvPr id="222" name="TextBox 221">
+            <a:extLst>
+              <a:ext uri="{FF2B5EF4-FFF2-40B4-BE49-F238E27FC236}">
+                <a16:creationId xmlns:a16="http://schemas.microsoft.com/office/drawing/2014/main" id="{00D2F588-A2DB-47EE-AAC1-7838769CCF32}"/>
+              </a:ext>
+            </a:extLst>
+          </p:cNvPr>
+          <p:cNvSpPr txBox="1"/>
+          <p:nvPr/>
+        </p:nvSpPr>
+        <p:spPr>
+          <a:xfrm>
+            <a:off x="9266546" y="4661095"/>
+            <a:ext cx="819807" cy="369332"/>
+          </a:xfrm>
+          <a:prstGeom prst="rect">
+            <a:avLst/>
+          </a:prstGeom>
+          <a:noFill/>
+        </p:spPr>
+        <p:txBody>
+          <a:bodyPr wrap="square" rtlCol="0">
+            <a:spAutoFit/>
+          </a:bodyPr>
+          <a:lstStyle/>
+          <a:p>
+            <a:r>
+              <a:rPr lang="en-US" dirty="0"/>
+              <a:t>= 0.04</a:t>
+            </a:r>
+            <a:endParaRPr lang="en-GB" dirty="0"/>
+          </a:p>
+        </p:txBody>
+      </p:sp>
+      <p:sp>
+        <p:nvSpPr>
+          <p:cNvPr id="223" name="TextBox 222">
+            <a:extLst>
+              <a:ext uri="{FF2B5EF4-FFF2-40B4-BE49-F238E27FC236}">
+                <a16:creationId xmlns:a16="http://schemas.microsoft.com/office/drawing/2014/main" id="{3C243D0A-939F-484F-B958-1373C728ED0A}"/>
+              </a:ext>
+            </a:extLst>
+          </p:cNvPr>
+          <p:cNvSpPr txBox="1"/>
+          <p:nvPr/>
+        </p:nvSpPr>
+        <p:spPr>
+          <a:xfrm>
+            <a:off x="9266546" y="5359824"/>
+            <a:ext cx="819807" cy="369332"/>
+          </a:xfrm>
+          <a:prstGeom prst="rect">
+            <a:avLst/>
+          </a:prstGeom>
+          <a:noFill/>
+        </p:spPr>
+        <p:txBody>
+          <a:bodyPr wrap="square" rtlCol="0">
+            <a:spAutoFit/>
+          </a:bodyPr>
+          <a:lstStyle/>
+          <a:p>
+            <a:r>
+              <a:rPr lang="en-US" dirty="0"/>
+              <a:t>= 0.02</a:t>
+            </a:r>
+            <a:endParaRPr lang="en-GB" dirty="0"/>
+          </a:p>
+        </p:txBody>
+      </p:sp>
+      <p:sp>
+        <p:nvSpPr>
+          <p:cNvPr id="224" name="TextBox 223">
+            <a:extLst>
+              <a:ext uri="{FF2B5EF4-FFF2-40B4-BE49-F238E27FC236}">
+                <a16:creationId xmlns:a16="http://schemas.microsoft.com/office/drawing/2014/main" id="{97846307-3623-49F9-8079-E01154F59C8C}"/>
+              </a:ext>
+            </a:extLst>
+          </p:cNvPr>
+          <p:cNvSpPr txBox="1"/>
+          <p:nvPr/>
+        </p:nvSpPr>
+        <p:spPr>
+          <a:xfrm>
+            <a:off x="9266546" y="6058553"/>
+            <a:ext cx="819807" cy="369332"/>
+          </a:xfrm>
+          <a:prstGeom prst="rect">
+            <a:avLst/>
+          </a:prstGeom>
+          <a:noFill/>
+        </p:spPr>
+        <p:txBody>
+          <a:bodyPr wrap="square" rtlCol="0">
+            <a:spAutoFit/>
+          </a:bodyPr>
+          <a:lstStyle/>
+          <a:p>
+            <a:r>
+              <a:rPr lang="en-US" dirty="0"/>
+              <a:t>= 0.02</a:t>
+            </a:r>
+            <a:endParaRPr lang="en-GB" dirty="0"/>
+          </a:p>
+        </p:txBody>
+      </p:sp>
+      <p:grpSp>
+        <p:nvGrpSpPr>
+          <p:cNvPr id="236" name="Group 235">
+            <a:extLst>
+              <a:ext uri="{FF2B5EF4-FFF2-40B4-BE49-F238E27FC236}">
+                <a16:creationId xmlns:a16="http://schemas.microsoft.com/office/drawing/2014/main" id="{3B42D445-647E-43C5-BF86-A0B19C5E8A32}"/>
+              </a:ext>
+            </a:extLst>
+          </p:cNvPr>
+          <p:cNvGrpSpPr/>
+          <p:nvPr/>
+        </p:nvGrpSpPr>
+        <p:grpSpPr>
+          <a:xfrm>
+            <a:off x="10005672" y="1805126"/>
+            <a:ext cx="2196840" cy="307777"/>
+            <a:chOff x="10005672" y="1805126"/>
+            <a:chExt cx="2196840" cy="307777"/>
+          </a:xfrm>
+        </p:grpSpPr>
+        <p:sp>
+          <p:nvSpPr>
+            <p:cNvPr id="229" name="TextBox 228">
+              <a:extLst>
+                <a:ext uri="{FF2B5EF4-FFF2-40B4-BE49-F238E27FC236}">
+                  <a16:creationId xmlns:a16="http://schemas.microsoft.com/office/drawing/2014/main" id="{2359EF5B-8A0B-4142-8BC5-AB80E9A6CE28}"/>
+                </a:ext>
+              </a:extLst>
+            </p:cNvPr>
+            <p:cNvSpPr txBox="1"/>
+            <p:nvPr/>
+          </p:nvSpPr>
+          <p:spPr>
+            <a:xfrm>
+              <a:off x="10594430" y="1805126"/>
+              <a:ext cx="1608082" cy="307777"/>
+            </a:xfrm>
+            <a:prstGeom prst="rect">
+              <a:avLst/>
+            </a:prstGeom>
+            <a:noFill/>
+          </p:spPr>
+          <p:txBody>
+            <a:bodyPr wrap="square" rtlCol="0">
+              <a:spAutoFit/>
+            </a:bodyPr>
+            <a:lstStyle/>
+            <a:p>
+              <a:r>
+                <a:rPr lang="en-US" sz="1400" dirty="0"/>
+                <a:t>maximum</a:t>
+              </a:r>
+              <a:endParaRPr lang="en-GB" dirty="0"/>
+            </a:p>
+          </p:txBody>
+        </p:sp>
+        <p:cxnSp>
+          <p:nvCxnSpPr>
+            <p:cNvPr id="231" name="Straight Arrow Connector 230">
+              <a:extLst>
+                <a:ext uri="{FF2B5EF4-FFF2-40B4-BE49-F238E27FC236}">
+                  <a16:creationId xmlns:a16="http://schemas.microsoft.com/office/drawing/2014/main" id="{706A1364-6988-4D4D-B399-F54B32F4724B}"/>
+                </a:ext>
+              </a:extLst>
+            </p:cNvPr>
+            <p:cNvCxnSpPr>
+              <a:cxnSpLocks/>
+              <a:stCxn id="229" idx="1"/>
+            </p:cNvCxnSpPr>
+            <p:nvPr/>
+          </p:nvCxnSpPr>
+          <p:spPr>
+            <a:xfrm flipH="1" flipV="1">
+              <a:off x="10005672" y="1953019"/>
+              <a:ext cx="588758" cy="5996"/>
+            </a:xfrm>
+            <a:prstGeom prst="straightConnector1">
+              <a:avLst/>
+            </a:prstGeom>
+            <a:ln>
+              <a:tailEnd type="triangle"/>
+            </a:ln>
+          </p:spPr>
+          <p:style>
+            <a:lnRef idx="1">
+              <a:schemeClr val="dk1"/>
+            </a:lnRef>
+            <a:fillRef idx="0">
+              <a:schemeClr val="dk1"/>
+            </a:fillRef>
+            <a:effectRef idx="0">
+              <a:schemeClr val="dk1"/>
+            </a:effectRef>
+            <a:fontRef idx="minor">
+              <a:schemeClr val="tx1"/>
+            </a:fontRef>
+          </p:style>
+        </p:cxnSp>
+      </p:grpSp>
+      <p:sp>
+        <p:nvSpPr>
+          <p:cNvPr id="237" name="TextBox 236">
+            <a:extLst>
+              <a:ext uri="{FF2B5EF4-FFF2-40B4-BE49-F238E27FC236}">
+                <a16:creationId xmlns:a16="http://schemas.microsoft.com/office/drawing/2014/main" id="{F300E791-B5B3-4000-9B9F-E4211A57F30D}"/>
+              </a:ext>
+            </a:extLst>
+          </p:cNvPr>
+          <p:cNvSpPr txBox="1"/>
+          <p:nvPr/>
+        </p:nvSpPr>
+        <p:spPr>
+          <a:xfrm>
+            <a:off x="7311622" y="7069004"/>
+            <a:ext cx="1954924" cy="307777"/>
+          </a:xfrm>
+          <a:prstGeom prst="rect">
+            <a:avLst/>
+          </a:prstGeom>
+          <a:noFill/>
+        </p:spPr>
+        <p:txBody>
+          <a:bodyPr wrap="square" rtlCol="0">
+            <a:spAutoFit/>
+          </a:bodyPr>
+          <a:lstStyle/>
+          <a:p>
+            <a:r>
+              <a:rPr lang="en-US" sz="1400" i="1" dirty="0"/>
+              <a:t>Output op3 =</a:t>
+            </a:r>
+            <a:endParaRPr lang="en-GB" sz="1400" i="1" dirty="0"/>
+          </a:p>
+        </p:txBody>
+      </p:sp>
+    </p:spTree>
+    <p:extLst>
+      <p:ext uri="{BB962C8B-B14F-4D97-AF65-F5344CB8AC3E}">
+        <p14:creationId xmlns:p14="http://schemas.microsoft.com/office/powerpoint/2010/main" val="280907147"/>
+      </p:ext>
+    </p:extLst>
+  </p:cSld>
+  <p:clrMapOvr>
+    <a:masterClrMapping/>
+  </p:clrMapOvr>
+  <p:timing>
+    <p:tnLst>
+      <p:par>
+        <p:cTn id="1" dur="indefinite" restart="never" nodeType="tmRoot">
+          <p:childTnLst>
+            <p:seq concurrent="1" nextAc="seek">
+              <p:cTn id="2" dur="indefinite" nodeType="mainSeq">
+                <p:childTnLst>
+                  <p:par>
+                    <p:cTn id="3" fill="hold">
+                      <p:stCondLst>
+                        <p:cond delay="indefinite"/>
+                        <p:cond evt="onBegin" delay="0">
+                          <p:tn val="2"/>
+                        </p:cond>
+                      </p:stCondLst>
+                      <p:childTnLst>
+                        <p:par>
+                          <p:cTn id="4" fill="hold">
+                            <p:stCondLst>
+                              <p:cond delay="0"/>
+                            </p:stCondLst>
+                            <p:childTnLst>
+                              <p:par>
+                                <p:cTn id="5" presetID="0" presetClass="path" presetSubtype="0" accel="50000" decel="50000" fill="hold" nodeType="afterEffect">
+                                  <p:stCondLst>
+                                    <p:cond delay="0"/>
+                                  </p:stCondLst>
+                                  <p:childTnLst>
+                                    <p:animMotion origin="layout" path="M 0.06452 -0.00104 L 0.06452 -0.00104 L 0.10153 -0.00226 C 0.1087 -0.00347 0.11561 -0.00643 0.12226 -0.01025 C 0.13412 -0.0172 0.14624 -0.02433 0.1568 -0.03441 C 0.16631 -0.04362 0.17961 -0.05596 0.18613 -0.06552 C 0.1916 -0.07351 0.19734 -0.08133 0.20242 -0.08967 C 0.20607 -0.09558 0.21897 -0.11748 0.22314 -0.12999 C 0.2251 -0.13573 0.2264 -0.14337 0.22745 -0.14946 C 0.22888 -0.17466 0.22888 -0.16666 0.22745 -0.20351 C 0.22732 -0.20698 0.22523 -0.2188 0.22484 -0.22089 C 0.22458 -0.2228 0.22445 -0.22471 0.22406 -0.22662 C 0.22354 -0.22871 0.21897 -0.23896 0.21884 -0.23913 C 0.21689 -0.24348 0.21454 -0.24748 0.21285 -0.25182 C 0.21259 -0.25269 0.21024 -0.25912 0.20933 -0.25999 C 0.20281 -0.26572 0.19955 -0.26764 0.19304 -0.27024 C 0.17792 -0.27633 0.18287 -0.27493 0.17309 -0.27719 C 0.16866 -0.27911 0.17153 -0.27824 0.16449 -0.27824 " pathEditMode="relative" ptsTypes="AAAAAAAAAAAAAAAAAA">
+                                      <p:cBhvr>
+                                        <p:cTn id="6" dur="2000" fill="hold"/>
+                                        <p:tgtEl>
+                                          <p:spTgt spid="82"/>
+                                        </p:tgtEl>
+                                        <p:attrNameLst>
+                                          <p:attrName>ppt_x</p:attrName>
+                                          <p:attrName>ppt_y</p:attrName>
+                                        </p:attrNameLst>
+                                      </p:cBhvr>
+                                    </p:animMotion>
+                                  </p:childTnLst>
+                                </p:cTn>
+                              </p:par>
+                            </p:childTnLst>
+                          </p:cTn>
+                        </p:par>
+                        <p:par>
+                          <p:cTn id="7" fill="hold">
+                            <p:stCondLst>
+                              <p:cond delay="2000"/>
+                            </p:stCondLst>
+                            <p:childTnLst>
+                              <p:par>
+                                <p:cTn id="8" presetID="8" presetClass="emph" presetSubtype="0" fill="hold" nodeType="afterEffect">
+                                  <p:stCondLst>
+                                    <p:cond delay="0"/>
+                                  </p:stCondLst>
+                                  <p:childTnLst>
+                                    <p:animRot by="-5400000">
+                                      <p:cBhvr>
+                                        <p:cTn id="9" dur="500" fill="hold"/>
+                                        <p:tgtEl>
+                                          <p:spTgt spid="82"/>
+                                        </p:tgtEl>
+                                        <p:attrNameLst>
+                                          <p:attrName>r</p:attrName>
+                                        </p:attrNameLst>
+                                      </p:cBhvr>
+                                    </p:animRot>
+                                  </p:childTnLst>
+                                </p:cTn>
+                              </p:par>
+                            </p:childTnLst>
+                          </p:cTn>
+                        </p:par>
+                        <p:par>
+                          <p:cTn id="10" fill="hold">
+                            <p:stCondLst>
+                              <p:cond delay="2500"/>
+                            </p:stCondLst>
+                            <p:childTnLst>
+                              <p:par>
+                                <p:cTn id="11" presetID="10" presetClass="entr" presetSubtype="0" fill="hold" nodeType="afterEffect">
+                                  <p:stCondLst>
+                                    <p:cond delay="0"/>
+                                  </p:stCondLst>
+                                  <p:childTnLst>
+                                    <p:set>
+                                      <p:cBhvr>
+                                        <p:cTn id="12" dur="1" fill="hold">
+                                          <p:stCondLst>
+                                            <p:cond delay="0"/>
+                                          </p:stCondLst>
+                                        </p:cTn>
+                                        <p:tgtEl>
+                                          <p:spTgt spid="88"/>
+                                        </p:tgtEl>
+                                        <p:attrNameLst>
+                                          <p:attrName>style.visibility</p:attrName>
+                                        </p:attrNameLst>
+                                      </p:cBhvr>
+                                      <p:to>
+                                        <p:strVal val="visible"/>
+                                      </p:to>
+                                    </p:set>
+                                    <p:animEffect transition="in" filter="fade">
+                                      <p:cBhvr>
+                                        <p:cTn id="13" dur="500"/>
+                                        <p:tgtEl>
+                                          <p:spTgt spid="88"/>
+                                        </p:tgtEl>
+                                      </p:cBhvr>
+                                    </p:animEffect>
+                                  </p:childTnLst>
+                                </p:cTn>
+                              </p:par>
+                            </p:childTnLst>
+                          </p:cTn>
+                        </p:par>
+                        <p:par>
+                          <p:cTn id="14" fill="hold">
+                            <p:stCondLst>
+                              <p:cond delay="3000"/>
+                            </p:stCondLst>
+                            <p:childTnLst>
+                              <p:par>
+                                <p:cTn id="15" presetID="10" presetClass="entr" presetSubtype="0" fill="hold" nodeType="afterEffect">
+                                  <p:stCondLst>
+                                    <p:cond delay="0"/>
+                                  </p:stCondLst>
+                                  <p:childTnLst>
+                                    <p:set>
+                                      <p:cBhvr>
+                                        <p:cTn id="16" dur="1" fill="hold">
+                                          <p:stCondLst>
+                                            <p:cond delay="0"/>
+                                          </p:stCondLst>
+                                        </p:cTn>
+                                        <p:tgtEl>
+                                          <p:spTgt spid="4"/>
+                                        </p:tgtEl>
+                                        <p:attrNameLst>
+                                          <p:attrName>style.visibility</p:attrName>
+                                        </p:attrNameLst>
+                                      </p:cBhvr>
+                                      <p:to>
+                                        <p:strVal val="visible"/>
+                                      </p:to>
+                                    </p:set>
+                                    <p:animEffect transition="in" filter="fade">
+                                      <p:cBhvr>
+                                        <p:cTn id="17" dur="500"/>
+                                        <p:tgtEl>
+                                          <p:spTgt spid="4"/>
+                                        </p:tgtEl>
+                                      </p:cBhvr>
+                                    </p:animEffect>
+                                  </p:childTnLst>
+                                </p:cTn>
+                              </p:par>
+                            </p:childTnLst>
+                          </p:cTn>
+                        </p:par>
+                        <p:par>
+                          <p:cTn id="18" fill="hold">
+                            <p:stCondLst>
+                              <p:cond delay="3500"/>
+                            </p:stCondLst>
+                            <p:childTnLst>
+                              <p:par>
+                                <p:cTn id="19" presetID="10" presetClass="entr" presetSubtype="0" fill="hold" nodeType="afterEffect">
+                                  <p:stCondLst>
+                                    <p:cond delay="0"/>
+                                  </p:stCondLst>
+                                  <p:childTnLst>
+                                    <p:set>
+                                      <p:cBhvr>
+                                        <p:cTn id="20" dur="1" fill="hold">
+                                          <p:stCondLst>
+                                            <p:cond delay="0"/>
+                                          </p:stCondLst>
+                                        </p:cTn>
+                                        <p:tgtEl>
+                                          <p:spTgt spid="94"/>
+                                        </p:tgtEl>
+                                        <p:attrNameLst>
+                                          <p:attrName>style.visibility</p:attrName>
+                                        </p:attrNameLst>
+                                      </p:cBhvr>
+                                      <p:to>
+                                        <p:strVal val="visible"/>
+                                      </p:to>
+                                    </p:set>
+                                    <p:animEffect transition="in" filter="fade">
+                                      <p:cBhvr>
+                                        <p:cTn id="21" dur="500"/>
+                                        <p:tgtEl>
+                                          <p:spTgt spid="94"/>
+                                        </p:tgtEl>
+                                      </p:cBhvr>
+                                    </p:animEffect>
+                                  </p:childTnLst>
+                                </p:cTn>
+                              </p:par>
+                            </p:childTnLst>
+                          </p:cTn>
+                        </p:par>
+                        <p:par>
+                          <p:cTn id="22" fill="hold">
+                            <p:stCondLst>
+                              <p:cond delay="4000"/>
+                            </p:stCondLst>
+                            <p:childTnLst>
+                              <p:par>
+                                <p:cTn id="23" presetID="10" presetClass="entr" presetSubtype="0" fill="hold" nodeType="afterEffect">
+                                  <p:stCondLst>
+                                    <p:cond delay="0"/>
+                                  </p:stCondLst>
+                                  <p:childTnLst>
+                                    <p:set>
+                                      <p:cBhvr>
+                                        <p:cTn id="24" dur="1" fill="hold">
+                                          <p:stCondLst>
+                                            <p:cond delay="0"/>
+                                          </p:stCondLst>
+                                        </p:cTn>
+                                        <p:tgtEl>
+                                          <p:spTgt spid="100"/>
+                                        </p:tgtEl>
+                                        <p:attrNameLst>
+                                          <p:attrName>style.visibility</p:attrName>
+                                        </p:attrNameLst>
+                                      </p:cBhvr>
+                                      <p:to>
+                                        <p:strVal val="visible"/>
+                                      </p:to>
+                                    </p:set>
+                                    <p:animEffect transition="in" filter="fade">
+                                      <p:cBhvr>
+                                        <p:cTn id="25" dur="500"/>
+                                        <p:tgtEl>
+                                          <p:spTgt spid="100"/>
+                                        </p:tgtEl>
+                                      </p:cBhvr>
+                                    </p:animEffect>
+                                  </p:childTnLst>
+                                </p:cTn>
+                              </p:par>
+                            </p:childTnLst>
+                          </p:cTn>
+                        </p:par>
+                        <p:par>
+                          <p:cTn id="26" fill="hold">
+                            <p:stCondLst>
+                              <p:cond delay="4500"/>
+                            </p:stCondLst>
+                            <p:childTnLst>
+                              <p:par>
+                                <p:cTn id="27" presetID="10" presetClass="entr" presetSubtype="0" fill="hold" nodeType="afterEffect">
+                                  <p:stCondLst>
+                                    <p:cond delay="0"/>
+                                  </p:stCondLst>
+                                  <p:childTnLst>
+                                    <p:set>
+                                      <p:cBhvr>
+                                        <p:cTn id="28" dur="1" fill="hold">
+                                          <p:stCondLst>
+                                            <p:cond delay="0"/>
+                                          </p:stCondLst>
+                                        </p:cTn>
+                                        <p:tgtEl>
+                                          <p:spTgt spid="106"/>
+                                        </p:tgtEl>
+                                        <p:attrNameLst>
+                                          <p:attrName>style.visibility</p:attrName>
+                                        </p:attrNameLst>
+                                      </p:cBhvr>
+                                      <p:to>
+                                        <p:strVal val="visible"/>
+                                      </p:to>
+                                    </p:set>
+                                    <p:animEffect transition="in" filter="fade">
+                                      <p:cBhvr>
+                                        <p:cTn id="29" dur="500"/>
+                                        <p:tgtEl>
+                                          <p:spTgt spid="106"/>
+                                        </p:tgtEl>
+                                      </p:cBhvr>
+                                    </p:animEffect>
+                                  </p:childTnLst>
+                                </p:cTn>
+                              </p:par>
+                            </p:childTnLst>
+                          </p:cTn>
+                        </p:par>
+                        <p:par>
+                          <p:cTn id="30" fill="hold">
+                            <p:stCondLst>
+                              <p:cond delay="5000"/>
+                            </p:stCondLst>
+                            <p:childTnLst>
+                              <p:par>
+                                <p:cTn id="31" presetID="10" presetClass="entr" presetSubtype="0" fill="hold" nodeType="afterEffect">
+                                  <p:stCondLst>
+                                    <p:cond delay="0"/>
+                                  </p:stCondLst>
+                                  <p:childTnLst>
+                                    <p:set>
+                                      <p:cBhvr>
+                                        <p:cTn id="32" dur="1" fill="hold">
+                                          <p:stCondLst>
+                                            <p:cond delay="0"/>
+                                          </p:stCondLst>
+                                        </p:cTn>
+                                        <p:tgtEl>
+                                          <p:spTgt spid="112"/>
+                                        </p:tgtEl>
+                                        <p:attrNameLst>
+                                          <p:attrName>style.visibility</p:attrName>
+                                        </p:attrNameLst>
+                                      </p:cBhvr>
+                                      <p:to>
+                                        <p:strVal val="visible"/>
+                                      </p:to>
+                                    </p:set>
+                                    <p:animEffect transition="in" filter="fade">
+                                      <p:cBhvr>
+                                        <p:cTn id="33" dur="500"/>
+                                        <p:tgtEl>
+                                          <p:spTgt spid="112"/>
+                                        </p:tgtEl>
+                                      </p:cBhvr>
+                                    </p:animEffect>
+                                  </p:childTnLst>
+                                </p:cTn>
+                              </p:par>
+                            </p:childTnLst>
+                          </p:cTn>
+                        </p:par>
+                        <p:par>
+                          <p:cTn id="34" fill="hold">
+                            <p:stCondLst>
+                              <p:cond delay="5500"/>
+                            </p:stCondLst>
+                            <p:childTnLst>
+                              <p:par>
+                                <p:cTn id="35" presetID="10" presetClass="entr" presetSubtype="0" fill="hold" nodeType="afterEffect">
+                                  <p:stCondLst>
+                                    <p:cond delay="0"/>
+                                  </p:stCondLst>
+                                  <p:childTnLst>
+                                    <p:set>
+                                      <p:cBhvr>
+                                        <p:cTn id="36" dur="1" fill="hold">
+                                          <p:stCondLst>
+                                            <p:cond delay="0"/>
+                                          </p:stCondLst>
+                                        </p:cTn>
+                                        <p:tgtEl>
+                                          <p:spTgt spid="118"/>
+                                        </p:tgtEl>
+                                        <p:attrNameLst>
+                                          <p:attrName>style.visibility</p:attrName>
+                                        </p:attrNameLst>
+                                      </p:cBhvr>
+                                      <p:to>
+                                        <p:strVal val="visible"/>
+                                      </p:to>
+                                    </p:set>
+                                    <p:animEffect transition="in" filter="fade">
+                                      <p:cBhvr>
+                                        <p:cTn id="37" dur="500"/>
+                                        <p:tgtEl>
+                                          <p:spTgt spid="118"/>
+                                        </p:tgtEl>
+                                      </p:cBhvr>
+                                    </p:animEffect>
+                                  </p:childTnLst>
+                                </p:cTn>
+                              </p:par>
+                            </p:childTnLst>
+                          </p:cTn>
+                        </p:par>
+                        <p:par>
+                          <p:cTn id="38" fill="hold">
+                            <p:stCondLst>
+                              <p:cond delay="6000"/>
+                            </p:stCondLst>
+                            <p:childTnLst>
+                              <p:par>
+                                <p:cTn id="39" presetID="10" presetClass="entr" presetSubtype="0" fill="hold" nodeType="afterEffect">
+                                  <p:stCondLst>
+                                    <p:cond delay="0"/>
+                                  </p:stCondLst>
+                                  <p:childTnLst>
+                                    <p:set>
+                                      <p:cBhvr>
+                                        <p:cTn id="40" dur="1" fill="hold">
+                                          <p:stCondLst>
+                                            <p:cond delay="0"/>
+                                          </p:stCondLst>
+                                        </p:cTn>
+                                        <p:tgtEl>
+                                          <p:spTgt spid="227"/>
+                                        </p:tgtEl>
+                                        <p:attrNameLst>
+                                          <p:attrName>style.visibility</p:attrName>
+                                        </p:attrNameLst>
+                                      </p:cBhvr>
+                                      <p:to>
+                                        <p:strVal val="visible"/>
+                                      </p:to>
+                                    </p:set>
+                                    <p:animEffect transition="in" filter="fade">
+                                      <p:cBhvr>
+                                        <p:cTn id="41" dur="500"/>
+                                        <p:tgtEl>
+                                          <p:spTgt spid="227"/>
+                                        </p:tgtEl>
+                                      </p:cBhvr>
+                                    </p:animEffect>
+                                  </p:childTnLst>
+                                </p:cTn>
+                              </p:par>
+                            </p:childTnLst>
+                          </p:cTn>
+                        </p:par>
+                        <p:par>
+                          <p:cTn id="42" fill="hold">
+                            <p:stCondLst>
+                              <p:cond delay="6500"/>
+                            </p:stCondLst>
+                            <p:childTnLst>
+                              <p:par>
+                                <p:cTn id="43" presetID="10" presetClass="entr" presetSubtype="0" fill="hold" grpId="0" nodeType="afterEffect">
+                                  <p:stCondLst>
+                                    <p:cond delay="0"/>
+                                  </p:stCondLst>
+                                  <p:iterate type="lt">
+                                    <p:tmPct val="10000"/>
+                                  </p:iterate>
+                                  <p:childTnLst>
+                                    <p:set>
+                                      <p:cBhvr>
+                                        <p:cTn id="44" dur="1" fill="hold">
+                                          <p:stCondLst>
+                                            <p:cond delay="0"/>
+                                          </p:stCondLst>
+                                        </p:cTn>
+                                        <p:tgtEl>
+                                          <p:spTgt spid="206"/>
+                                        </p:tgtEl>
+                                        <p:attrNameLst>
+                                          <p:attrName>style.visibility</p:attrName>
+                                        </p:attrNameLst>
+                                      </p:cBhvr>
+                                      <p:to>
+                                        <p:strVal val="visible"/>
+                                      </p:to>
+                                    </p:set>
+                                    <p:animEffect transition="in" filter="fade">
+                                      <p:cBhvr>
+                                        <p:cTn id="45" dur="500"/>
+                                        <p:tgtEl>
+                                          <p:spTgt spid="206"/>
+                                        </p:tgtEl>
+                                      </p:cBhvr>
+                                    </p:animEffect>
+                                  </p:childTnLst>
+                                </p:cTn>
+                              </p:par>
+                            </p:childTnLst>
+                          </p:cTn>
+                        </p:par>
+                        <p:par>
+                          <p:cTn id="46" fill="hold">
+                            <p:stCondLst>
+                              <p:cond delay="7150"/>
+                            </p:stCondLst>
+                            <p:childTnLst>
+                              <p:par>
+                                <p:cTn id="47" presetID="10" presetClass="entr" presetSubtype="0" fill="hold" grpId="0" nodeType="afterEffect">
+                                  <p:stCondLst>
+                                    <p:cond delay="0"/>
+                                  </p:stCondLst>
+                                  <p:iterate type="lt">
+                                    <p:tmPct val="10000"/>
+                                  </p:iterate>
+                                  <p:childTnLst>
+                                    <p:set>
+                                      <p:cBhvr>
+                                        <p:cTn id="48" dur="1" fill="hold">
+                                          <p:stCondLst>
+                                            <p:cond delay="0"/>
+                                          </p:stCondLst>
+                                        </p:cTn>
+                                        <p:tgtEl>
+                                          <p:spTgt spid="207"/>
+                                        </p:tgtEl>
+                                        <p:attrNameLst>
+                                          <p:attrName>style.visibility</p:attrName>
+                                        </p:attrNameLst>
+                                      </p:cBhvr>
+                                      <p:to>
+                                        <p:strVal val="visible"/>
+                                      </p:to>
+                                    </p:set>
+                                    <p:animEffect transition="in" filter="fade">
+                                      <p:cBhvr>
+                                        <p:cTn id="49" dur="500"/>
+                                        <p:tgtEl>
+                                          <p:spTgt spid="207"/>
+                                        </p:tgtEl>
+                                      </p:cBhvr>
+                                    </p:animEffect>
+                                  </p:childTnLst>
+                                </p:cTn>
+                              </p:par>
+                            </p:childTnLst>
+                          </p:cTn>
+                        </p:par>
+                        <p:par>
+                          <p:cTn id="50" fill="hold">
+                            <p:stCondLst>
+                              <p:cond delay="7800"/>
+                            </p:stCondLst>
+                            <p:childTnLst>
+                              <p:par>
+                                <p:cTn id="51" presetID="10" presetClass="entr" presetSubtype="0" fill="hold" grpId="0" nodeType="afterEffect">
+                                  <p:stCondLst>
+                                    <p:cond delay="0"/>
+                                  </p:stCondLst>
+                                  <p:iterate type="lt">
+                                    <p:tmPct val="10000"/>
+                                  </p:iterate>
+                                  <p:childTnLst>
+                                    <p:set>
+                                      <p:cBhvr>
+                                        <p:cTn id="52" dur="1" fill="hold">
+                                          <p:stCondLst>
+                                            <p:cond delay="0"/>
+                                          </p:stCondLst>
+                                        </p:cTn>
+                                        <p:tgtEl>
+                                          <p:spTgt spid="208"/>
+                                        </p:tgtEl>
+                                        <p:attrNameLst>
+                                          <p:attrName>style.visibility</p:attrName>
+                                        </p:attrNameLst>
+                                      </p:cBhvr>
+                                      <p:to>
+                                        <p:strVal val="visible"/>
+                                      </p:to>
+                                    </p:set>
+                                    <p:animEffect transition="in" filter="fade">
+                                      <p:cBhvr>
+                                        <p:cTn id="53" dur="500"/>
+                                        <p:tgtEl>
+                                          <p:spTgt spid="208"/>
+                                        </p:tgtEl>
+                                      </p:cBhvr>
+                                    </p:animEffect>
+                                  </p:childTnLst>
+                                </p:cTn>
+                              </p:par>
+                            </p:childTnLst>
+                          </p:cTn>
+                        </p:par>
+                        <p:par>
+                          <p:cTn id="54" fill="hold">
+                            <p:stCondLst>
+                              <p:cond delay="8450"/>
+                            </p:stCondLst>
+                            <p:childTnLst>
+                              <p:par>
+                                <p:cTn id="55" presetID="10" presetClass="entr" presetSubtype="0" fill="hold" grpId="0" nodeType="afterEffect">
+                                  <p:stCondLst>
+                                    <p:cond delay="0"/>
+                                  </p:stCondLst>
+                                  <p:iterate type="lt">
+                                    <p:tmPct val="10000"/>
+                                  </p:iterate>
+                                  <p:childTnLst>
+                                    <p:set>
+                                      <p:cBhvr>
+                                        <p:cTn id="56" dur="1" fill="hold">
+                                          <p:stCondLst>
+                                            <p:cond delay="0"/>
+                                          </p:stCondLst>
+                                        </p:cTn>
+                                        <p:tgtEl>
+                                          <p:spTgt spid="209"/>
+                                        </p:tgtEl>
+                                        <p:attrNameLst>
+                                          <p:attrName>style.visibility</p:attrName>
+                                        </p:attrNameLst>
+                                      </p:cBhvr>
+                                      <p:to>
+                                        <p:strVal val="visible"/>
+                                      </p:to>
+                                    </p:set>
+                                    <p:animEffect transition="in" filter="fade">
+                                      <p:cBhvr>
+                                        <p:cTn id="57" dur="500"/>
+                                        <p:tgtEl>
+                                          <p:spTgt spid="209"/>
+                                        </p:tgtEl>
+                                      </p:cBhvr>
+                                    </p:animEffect>
+                                  </p:childTnLst>
+                                </p:cTn>
+                              </p:par>
+                            </p:childTnLst>
+                          </p:cTn>
+                        </p:par>
+                        <p:par>
+                          <p:cTn id="58" fill="hold">
+                            <p:stCondLst>
+                              <p:cond delay="9100"/>
+                            </p:stCondLst>
+                            <p:childTnLst>
+                              <p:par>
+                                <p:cTn id="59" presetID="10" presetClass="entr" presetSubtype="0" fill="hold" grpId="0" nodeType="afterEffect">
+                                  <p:stCondLst>
+                                    <p:cond delay="0"/>
+                                  </p:stCondLst>
+                                  <p:iterate type="lt">
+                                    <p:tmPct val="10000"/>
+                                  </p:iterate>
+                                  <p:childTnLst>
+                                    <p:set>
+                                      <p:cBhvr>
+                                        <p:cTn id="60" dur="1" fill="hold">
+                                          <p:stCondLst>
+                                            <p:cond delay="0"/>
+                                          </p:stCondLst>
+                                        </p:cTn>
+                                        <p:tgtEl>
+                                          <p:spTgt spid="210"/>
+                                        </p:tgtEl>
+                                        <p:attrNameLst>
+                                          <p:attrName>style.visibility</p:attrName>
+                                        </p:attrNameLst>
+                                      </p:cBhvr>
+                                      <p:to>
+                                        <p:strVal val="visible"/>
+                                      </p:to>
+                                    </p:set>
+                                    <p:animEffect transition="in" filter="fade">
+                                      <p:cBhvr>
+                                        <p:cTn id="61" dur="500"/>
+                                        <p:tgtEl>
+                                          <p:spTgt spid="210"/>
+                                        </p:tgtEl>
+                                      </p:cBhvr>
+                                    </p:animEffect>
+                                  </p:childTnLst>
+                                </p:cTn>
+                              </p:par>
+                            </p:childTnLst>
+                          </p:cTn>
+                        </p:par>
+                        <p:par>
+                          <p:cTn id="62" fill="hold">
+                            <p:stCondLst>
+                              <p:cond delay="9750"/>
+                            </p:stCondLst>
+                            <p:childTnLst>
+                              <p:par>
+                                <p:cTn id="63" presetID="10" presetClass="entr" presetSubtype="0" fill="hold" grpId="0" nodeType="afterEffect">
+                                  <p:stCondLst>
+                                    <p:cond delay="0"/>
+                                  </p:stCondLst>
+                                  <p:iterate type="lt">
+                                    <p:tmPct val="10000"/>
+                                  </p:iterate>
+                                  <p:childTnLst>
+                                    <p:set>
+                                      <p:cBhvr>
+                                        <p:cTn id="64" dur="1" fill="hold">
+                                          <p:stCondLst>
+                                            <p:cond delay="0"/>
+                                          </p:stCondLst>
+                                        </p:cTn>
+                                        <p:tgtEl>
+                                          <p:spTgt spid="211"/>
+                                        </p:tgtEl>
+                                        <p:attrNameLst>
+                                          <p:attrName>style.visibility</p:attrName>
+                                        </p:attrNameLst>
+                                      </p:cBhvr>
+                                      <p:to>
+                                        <p:strVal val="visible"/>
+                                      </p:to>
+                                    </p:set>
+                                    <p:animEffect transition="in" filter="fade">
+                                      <p:cBhvr>
+                                        <p:cTn id="65" dur="500"/>
+                                        <p:tgtEl>
+                                          <p:spTgt spid="211"/>
+                                        </p:tgtEl>
+                                      </p:cBhvr>
+                                    </p:animEffect>
+                                  </p:childTnLst>
+                                </p:cTn>
+                              </p:par>
+                            </p:childTnLst>
+                          </p:cTn>
+                        </p:par>
+                        <p:par>
+                          <p:cTn id="66" fill="hold">
+                            <p:stCondLst>
+                              <p:cond delay="10400"/>
+                            </p:stCondLst>
+                            <p:childTnLst>
+                              <p:par>
+                                <p:cTn id="67" presetID="10" presetClass="entr" presetSubtype="0" fill="hold" grpId="0" nodeType="afterEffect">
+                                  <p:stCondLst>
+                                    <p:cond delay="0"/>
+                                  </p:stCondLst>
+                                  <p:iterate type="lt">
+                                    <p:tmPct val="10000"/>
+                                  </p:iterate>
+                                  <p:childTnLst>
+                                    <p:set>
+                                      <p:cBhvr>
+                                        <p:cTn id="68" dur="1" fill="hold">
+                                          <p:stCondLst>
+                                            <p:cond delay="0"/>
+                                          </p:stCondLst>
+                                        </p:cTn>
+                                        <p:tgtEl>
+                                          <p:spTgt spid="212"/>
+                                        </p:tgtEl>
+                                        <p:attrNameLst>
+                                          <p:attrName>style.visibility</p:attrName>
+                                        </p:attrNameLst>
+                                      </p:cBhvr>
+                                      <p:to>
+                                        <p:strVal val="visible"/>
+                                      </p:to>
+                                    </p:set>
+                                    <p:animEffect transition="in" filter="fade">
+                                      <p:cBhvr>
+                                        <p:cTn id="69" dur="500"/>
+                                        <p:tgtEl>
+                                          <p:spTgt spid="212"/>
+                                        </p:tgtEl>
+                                      </p:cBhvr>
+                                    </p:animEffect>
+                                  </p:childTnLst>
+                                </p:cTn>
+                              </p:par>
+                            </p:childTnLst>
+                          </p:cTn>
+                        </p:par>
+                        <p:par>
+                          <p:cTn id="70" fill="hold">
+                            <p:stCondLst>
+                              <p:cond delay="11050"/>
+                            </p:stCondLst>
+                            <p:childTnLst>
+                              <p:par>
+                                <p:cTn id="71" presetID="10" presetClass="entr" presetSubtype="0" fill="hold" grpId="0" nodeType="afterEffect">
+                                  <p:stCondLst>
+                                    <p:cond delay="0"/>
+                                  </p:stCondLst>
+                                  <p:iterate type="lt">
+                                    <p:tmPct val="10000"/>
+                                  </p:iterate>
+                                  <p:childTnLst>
+                                    <p:set>
+                                      <p:cBhvr>
+                                        <p:cTn id="72" dur="1" fill="hold">
+                                          <p:stCondLst>
+                                            <p:cond delay="0"/>
+                                          </p:stCondLst>
+                                        </p:cTn>
+                                        <p:tgtEl>
+                                          <p:spTgt spid="213"/>
+                                        </p:tgtEl>
+                                        <p:attrNameLst>
+                                          <p:attrName>style.visibility</p:attrName>
+                                        </p:attrNameLst>
+                                      </p:cBhvr>
+                                      <p:to>
+                                        <p:strVal val="visible"/>
+                                      </p:to>
+                                    </p:set>
+                                    <p:animEffect transition="in" filter="fade">
+                                      <p:cBhvr>
+                                        <p:cTn id="73" dur="500"/>
+                                        <p:tgtEl>
+                                          <p:spTgt spid="213"/>
+                                        </p:tgtEl>
+                                      </p:cBhvr>
+                                    </p:animEffect>
+                                  </p:childTnLst>
+                                </p:cTn>
+                              </p:par>
+                            </p:childTnLst>
+                          </p:cTn>
+                        </p:par>
+                        <p:par>
+                          <p:cTn id="74" fill="hold">
+                            <p:stCondLst>
+                              <p:cond delay="11700"/>
+                            </p:stCondLst>
+                            <p:childTnLst>
+                              <p:par>
+                                <p:cTn id="75" presetID="10" presetClass="entr" presetSubtype="0" fill="hold" nodeType="afterEffect">
+                                  <p:stCondLst>
+                                    <p:cond delay="0"/>
+                                  </p:stCondLst>
+                                  <p:childTnLst>
+                                    <p:set>
+                                      <p:cBhvr>
+                                        <p:cTn id="76" dur="1" fill="hold">
+                                          <p:stCondLst>
+                                            <p:cond delay="0"/>
+                                          </p:stCondLst>
+                                        </p:cTn>
+                                        <p:tgtEl>
+                                          <p:spTgt spid="228"/>
+                                        </p:tgtEl>
+                                        <p:attrNameLst>
+                                          <p:attrName>style.visibility</p:attrName>
+                                        </p:attrNameLst>
+                                      </p:cBhvr>
+                                      <p:to>
+                                        <p:strVal val="visible"/>
+                                      </p:to>
+                                    </p:set>
+                                    <p:animEffect transition="in" filter="fade">
+                                      <p:cBhvr>
+                                        <p:cTn id="77" dur="500"/>
+                                        <p:tgtEl>
+                                          <p:spTgt spid="228"/>
+                                        </p:tgtEl>
+                                      </p:cBhvr>
+                                    </p:animEffect>
+                                  </p:childTnLst>
+                                </p:cTn>
+                              </p:par>
+                            </p:childTnLst>
+                          </p:cTn>
+                        </p:par>
+                        <p:par>
+                          <p:cTn id="78" fill="hold">
+                            <p:stCondLst>
+                              <p:cond delay="12200"/>
+                            </p:stCondLst>
+                            <p:childTnLst>
+                              <p:par>
+                                <p:cTn id="79" presetID="10" presetClass="entr" presetSubtype="0" fill="hold" grpId="0" nodeType="afterEffect">
+                                  <p:stCondLst>
+                                    <p:cond delay="0"/>
+                                  </p:stCondLst>
+                                  <p:iterate type="lt">
+                                    <p:tmPct val="10000"/>
+                                  </p:iterate>
+                                  <p:childTnLst>
+                                    <p:set>
+                                      <p:cBhvr>
+                                        <p:cTn id="80" dur="1" fill="hold">
+                                          <p:stCondLst>
+                                            <p:cond delay="0"/>
+                                          </p:stCondLst>
+                                        </p:cTn>
+                                        <p:tgtEl>
+                                          <p:spTgt spid="217"/>
+                                        </p:tgtEl>
+                                        <p:attrNameLst>
+                                          <p:attrName>style.visibility</p:attrName>
+                                        </p:attrNameLst>
+                                      </p:cBhvr>
+                                      <p:to>
+                                        <p:strVal val="visible"/>
+                                      </p:to>
+                                    </p:set>
+                                    <p:animEffect transition="in" filter="fade">
+                                      <p:cBhvr>
+                                        <p:cTn id="81" dur="500"/>
+                                        <p:tgtEl>
+                                          <p:spTgt spid="217"/>
+                                        </p:tgtEl>
+                                      </p:cBhvr>
+                                    </p:animEffect>
+                                  </p:childTnLst>
+                                </p:cTn>
+                              </p:par>
+                            </p:childTnLst>
+                          </p:cTn>
+                        </p:par>
+                        <p:par>
+                          <p:cTn id="82" fill="hold">
+                            <p:stCondLst>
+                              <p:cond delay="12900"/>
+                            </p:stCondLst>
+                            <p:childTnLst>
+                              <p:par>
+                                <p:cTn id="83" presetID="10" presetClass="entr" presetSubtype="0" fill="hold" grpId="0" nodeType="afterEffect">
+                                  <p:stCondLst>
+                                    <p:cond delay="0"/>
+                                  </p:stCondLst>
+                                  <p:iterate type="lt">
+                                    <p:tmPct val="10000"/>
+                                  </p:iterate>
+                                  <p:childTnLst>
+                                    <p:set>
+                                      <p:cBhvr>
+                                        <p:cTn id="84" dur="1" fill="hold">
+                                          <p:stCondLst>
+                                            <p:cond delay="0"/>
+                                          </p:stCondLst>
+                                        </p:cTn>
+                                        <p:tgtEl>
+                                          <p:spTgt spid="218"/>
+                                        </p:tgtEl>
+                                        <p:attrNameLst>
+                                          <p:attrName>style.visibility</p:attrName>
+                                        </p:attrNameLst>
+                                      </p:cBhvr>
+                                      <p:to>
+                                        <p:strVal val="visible"/>
+                                      </p:to>
+                                    </p:set>
+                                    <p:animEffect transition="in" filter="fade">
+                                      <p:cBhvr>
+                                        <p:cTn id="85" dur="500"/>
+                                        <p:tgtEl>
+                                          <p:spTgt spid="218"/>
+                                        </p:tgtEl>
+                                      </p:cBhvr>
+                                    </p:animEffect>
+                                  </p:childTnLst>
+                                </p:cTn>
+                              </p:par>
+                            </p:childTnLst>
+                          </p:cTn>
+                        </p:par>
+                        <p:par>
+                          <p:cTn id="86" fill="hold">
+                            <p:stCondLst>
+                              <p:cond delay="13600"/>
+                            </p:stCondLst>
+                            <p:childTnLst>
+                              <p:par>
+                                <p:cTn id="87" presetID="10" presetClass="entr" presetSubtype="0" fill="hold" grpId="0" nodeType="afterEffect">
+                                  <p:stCondLst>
+                                    <p:cond delay="0"/>
+                                  </p:stCondLst>
+                                  <p:iterate type="lt">
+                                    <p:tmPct val="10000"/>
+                                  </p:iterate>
+                                  <p:childTnLst>
+                                    <p:set>
+                                      <p:cBhvr>
+                                        <p:cTn id="88" dur="1" fill="hold">
+                                          <p:stCondLst>
+                                            <p:cond delay="0"/>
+                                          </p:stCondLst>
+                                        </p:cTn>
+                                        <p:tgtEl>
+                                          <p:spTgt spid="219"/>
+                                        </p:tgtEl>
+                                        <p:attrNameLst>
+                                          <p:attrName>style.visibility</p:attrName>
+                                        </p:attrNameLst>
+                                      </p:cBhvr>
+                                      <p:to>
+                                        <p:strVal val="visible"/>
+                                      </p:to>
+                                    </p:set>
+                                    <p:animEffect transition="in" filter="fade">
+                                      <p:cBhvr>
+                                        <p:cTn id="89" dur="500"/>
+                                        <p:tgtEl>
+                                          <p:spTgt spid="219"/>
+                                        </p:tgtEl>
+                                      </p:cBhvr>
+                                    </p:animEffect>
+                                  </p:childTnLst>
+                                </p:cTn>
+                              </p:par>
+                            </p:childTnLst>
+                          </p:cTn>
+                        </p:par>
+                        <p:par>
+                          <p:cTn id="90" fill="hold">
+                            <p:stCondLst>
+                              <p:cond delay="14300"/>
+                            </p:stCondLst>
+                            <p:childTnLst>
+                              <p:par>
+                                <p:cTn id="91" presetID="10" presetClass="entr" presetSubtype="0" fill="hold" grpId="0" nodeType="afterEffect">
+                                  <p:stCondLst>
+                                    <p:cond delay="0"/>
+                                  </p:stCondLst>
+                                  <p:iterate type="lt">
+                                    <p:tmPct val="10000"/>
+                                  </p:iterate>
+                                  <p:childTnLst>
+                                    <p:set>
+                                      <p:cBhvr>
+                                        <p:cTn id="92" dur="1" fill="hold">
+                                          <p:stCondLst>
+                                            <p:cond delay="0"/>
+                                          </p:stCondLst>
+                                        </p:cTn>
+                                        <p:tgtEl>
+                                          <p:spTgt spid="220"/>
+                                        </p:tgtEl>
+                                        <p:attrNameLst>
+                                          <p:attrName>style.visibility</p:attrName>
+                                        </p:attrNameLst>
+                                      </p:cBhvr>
+                                      <p:to>
+                                        <p:strVal val="visible"/>
+                                      </p:to>
+                                    </p:set>
+                                    <p:animEffect transition="in" filter="fade">
+                                      <p:cBhvr>
+                                        <p:cTn id="93" dur="500"/>
+                                        <p:tgtEl>
+                                          <p:spTgt spid="220"/>
+                                        </p:tgtEl>
+                                      </p:cBhvr>
+                                    </p:animEffect>
+                                  </p:childTnLst>
+                                </p:cTn>
+                              </p:par>
+                            </p:childTnLst>
+                          </p:cTn>
+                        </p:par>
+                        <p:par>
+                          <p:cTn id="94" fill="hold">
+                            <p:stCondLst>
+                              <p:cond delay="15000"/>
+                            </p:stCondLst>
+                            <p:childTnLst>
+                              <p:par>
+                                <p:cTn id="95" presetID="10" presetClass="entr" presetSubtype="0" fill="hold" grpId="0" nodeType="afterEffect">
+                                  <p:stCondLst>
+                                    <p:cond delay="0"/>
+                                  </p:stCondLst>
+                                  <p:iterate type="lt">
+                                    <p:tmPct val="10000"/>
+                                  </p:iterate>
+                                  <p:childTnLst>
+                                    <p:set>
+                                      <p:cBhvr>
+                                        <p:cTn id="96" dur="1" fill="hold">
+                                          <p:stCondLst>
+                                            <p:cond delay="0"/>
+                                          </p:stCondLst>
+                                        </p:cTn>
+                                        <p:tgtEl>
+                                          <p:spTgt spid="221"/>
+                                        </p:tgtEl>
+                                        <p:attrNameLst>
+                                          <p:attrName>style.visibility</p:attrName>
+                                        </p:attrNameLst>
+                                      </p:cBhvr>
+                                      <p:to>
+                                        <p:strVal val="visible"/>
+                                      </p:to>
+                                    </p:set>
+                                    <p:animEffect transition="in" filter="fade">
+                                      <p:cBhvr>
+                                        <p:cTn id="97" dur="500"/>
+                                        <p:tgtEl>
+                                          <p:spTgt spid="221"/>
+                                        </p:tgtEl>
+                                      </p:cBhvr>
+                                    </p:animEffect>
+                                  </p:childTnLst>
+                                </p:cTn>
+                              </p:par>
+                            </p:childTnLst>
+                          </p:cTn>
+                        </p:par>
+                        <p:par>
+                          <p:cTn id="98" fill="hold">
+                            <p:stCondLst>
+                              <p:cond delay="15700"/>
+                            </p:stCondLst>
+                            <p:childTnLst>
+                              <p:par>
+                                <p:cTn id="99" presetID="10" presetClass="entr" presetSubtype="0" fill="hold" grpId="0" nodeType="afterEffect">
+                                  <p:stCondLst>
+                                    <p:cond delay="0"/>
+                                  </p:stCondLst>
+                                  <p:iterate type="lt">
+                                    <p:tmPct val="10000"/>
+                                  </p:iterate>
+                                  <p:childTnLst>
+                                    <p:set>
+                                      <p:cBhvr>
+                                        <p:cTn id="100" dur="1" fill="hold">
+                                          <p:stCondLst>
+                                            <p:cond delay="0"/>
+                                          </p:stCondLst>
+                                        </p:cTn>
+                                        <p:tgtEl>
+                                          <p:spTgt spid="222"/>
+                                        </p:tgtEl>
+                                        <p:attrNameLst>
+                                          <p:attrName>style.visibility</p:attrName>
+                                        </p:attrNameLst>
+                                      </p:cBhvr>
+                                      <p:to>
+                                        <p:strVal val="visible"/>
+                                      </p:to>
+                                    </p:set>
+                                    <p:animEffect transition="in" filter="fade">
+                                      <p:cBhvr>
+                                        <p:cTn id="101" dur="500"/>
+                                        <p:tgtEl>
+                                          <p:spTgt spid="222"/>
+                                        </p:tgtEl>
+                                      </p:cBhvr>
+                                    </p:animEffect>
+                                  </p:childTnLst>
+                                </p:cTn>
+                              </p:par>
+                            </p:childTnLst>
+                          </p:cTn>
+                        </p:par>
+                        <p:par>
+                          <p:cTn id="102" fill="hold">
+                            <p:stCondLst>
+                              <p:cond delay="16400"/>
+                            </p:stCondLst>
+                            <p:childTnLst>
+                              <p:par>
+                                <p:cTn id="103" presetID="10" presetClass="entr" presetSubtype="0" fill="hold" grpId="0" nodeType="afterEffect">
+                                  <p:stCondLst>
+                                    <p:cond delay="0"/>
+                                  </p:stCondLst>
+                                  <p:iterate type="lt">
+                                    <p:tmPct val="10000"/>
+                                  </p:iterate>
+                                  <p:childTnLst>
+                                    <p:set>
+                                      <p:cBhvr>
+                                        <p:cTn id="104" dur="1" fill="hold">
+                                          <p:stCondLst>
+                                            <p:cond delay="0"/>
+                                          </p:stCondLst>
+                                        </p:cTn>
+                                        <p:tgtEl>
+                                          <p:spTgt spid="223"/>
+                                        </p:tgtEl>
+                                        <p:attrNameLst>
+                                          <p:attrName>style.visibility</p:attrName>
+                                        </p:attrNameLst>
+                                      </p:cBhvr>
+                                      <p:to>
+                                        <p:strVal val="visible"/>
+                                      </p:to>
+                                    </p:set>
+                                    <p:animEffect transition="in" filter="fade">
+                                      <p:cBhvr>
+                                        <p:cTn id="105" dur="500"/>
+                                        <p:tgtEl>
+                                          <p:spTgt spid="223"/>
+                                        </p:tgtEl>
+                                      </p:cBhvr>
+                                    </p:animEffect>
+                                  </p:childTnLst>
+                                </p:cTn>
+                              </p:par>
+                            </p:childTnLst>
+                          </p:cTn>
+                        </p:par>
+                        <p:par>
+                          <p:cTn id="106" fill="hold">
+                            <p:stCondLst>
+                              <p:cond delay="17100"/>
+                            </p:stCondLst>
+                            <p:childTnLst>
+                              <p:par>
+                                <p:cTn id="107" presetID="10" presetClass="entr" presetSubtype="0" fill="hold" grpId="0" nodeType="afterEffect">
+                                  <p:stCondLst>
+                                    <p:cond delay="0"/>
+                                  </p:stCondLst>
+                                  <p:iterate type="lt">
+                                    <p:tmPct val="10000"/>
+                                  </p:iterate>
+                                  <p:childTnLst>
+                                    <p:set>
+                                      <p:cBhvr>
+                                        <p:cTn id="108" dur="1" fill="hold">
+                                          <p:stCondLst>
+                                            <p:cond delay="0"/>
+                                          </p:stCondLst>
+                                        </p:cTn>
+                                        <p:tgtEl>
+                                          <p:spTgt spid="224"/>
+                                        </p:tgtEl>
+                                        <p:attrNameLst>
+                                          <p:attrName>style.visibility</p:attrName>
+                                        </p:attrNameLst>
+                                      </p:cBhvr>
+                                      <p:to>
+                                        <p:strVal val="visible"/>
+                                      </p:to>
+                                    </p:set>
+                                    <p:animEffect transition="in" filter="fade">
+                                      <p:cBhvr>
+                                        <p:cTn id="109" dur="500"/>
+                                        <p:tgtEl>
+                                          <p:spTgt spid="224"/>
+                                        </p:tgtEl>
+                                      </p:cBhvr>
+                                    </p:animEffect>
+                                  </p:childTnLst>
+                                </p:cTn>
+                              </p:par>
+                            </p:childTnLst>
+                          </p:cTn>
+                        </p:par>
+                        <p:par>
+                          <p:cTn id="110" fill="hold">
+                            <p:stCondLst>
+                              <p:cond delay="17800"/>
+                            </p:stCondLst>
+                            <p:childTnLst>
+                              <p:par>
+                                <p:cTn id="111" presetID="10" presetClass="entr" presetSubtype="0" fill="hold" nodeType="afterEffect">
+                                  <p:stCondLst>
+                                    <p:cond delay="0"/>
+                                  </p:stCondLst>
+                                  <p:childTnLst>
+                                    <p:set>
+                                      <p:cBhvr>
+                                        <p:cTn id="112" dur="1" fill="hold">
+                                          <p:stCondLst>
+                                            <p:cond delay="0"/>
+                                          </p:stCondLst>
+                                        </p:cTn>
+                                        <p:tgtEl>
+                                          <p:spTgt spid="236"/>
+                                        </p:tgtEl>
+                                        <p:attrNameLst>
+                                          <p:attrName>style.visibility</p:attrName>
+                                        </p:attrNameLst>
+                                      </p:cBhvr>
+                                      <p:to>
+                                        <p:strVal val="visible"/>
+                                      </p:to>
+                                    </p:set>
+                                    <p:animEffect transition="in" filter="fade">
+                                      <p:cBhvr>
+                                        <p:cTn id="113" dur="500"/>
+                                        <p:tgtEl>
+                                          <p:spTgt spid="236"/>
+                                        </p:tgtEl>
+                                      </p:cBhvr>
+                                    </p:animEffect>
+                                  </p:childTnLst>
+                                </p:cTn>
+                              </p:par>
+                            </p:childTnLst>
+                          </p:cTn>
+                        </p:par>
+                        <p:par>
+                          <p:cTn id="114" fill="hold">
+                            <p:stCondLst>
+                              <p:cond delay="18300"/>
+                            </p:stCondLst>
+                            <p:childTnLst>
+                              <p:par>
+                                <p:cTn id="115" presetID="3" presetClass="emph" presetSubtype="2" fill="hold" grpId="1" nodeType="afterEffect">
+                                  <p:stCondLst>
+                                    <p:cond delay="0"/>
+                                  </p:stCondLst>
+                                  <p:iterate type="lt">
+                                    <p:tmPct val="0"/>
+                                  </p:iterate>
+                                  <p:childTnLst>
+                                    <p:animClr clrSpc="rgb" dir="cw">
+                                      <p:cBhvr override="childStyle">
+                                        <p:cTn id="116" dur="1000" fill="hold"/>
+                                        <p:tgtEl>
+                                          <p:spTgt spid="218"/>
+                                        </p:tgtEl>
+                                        <p:attrNameLst>
+                                          <p:attrName>style.color</p:attrName>
+                                        </p:attrNameLst>
+                                      </p:cBhvr>
+                                      <p:to>
+                                        <a:srgbClr val="CC0000"/>
+                                      </p:to>
+                                    </p:animClr>
+                                  </p:childTnLst>
+                                </p:cTn>
+                              </p:par>
+                            </p:childTnLst>
+                          </p:cTn>
+                        </p:par>
+                        <p:par>
+                          <p:cTn id="117" fill="hold">
+                            <p:stCondLst>
+                              <p:cond delay="19300"/>
+                            </p:stCondLst>
+                            <p:childTnLst>
+                              <p:par>
+                                <p:cTn id="118" presetID="26" presetClass="emph" presetSubtype="0" fill="hold" nodeType="afterEffect">
+                                  <p:stCondLst>
+                                    <p:cond delay="0"/>
+                                  </p:stCondLst>
+                                  <p:childTnLst>
+                                    <p:animEffect transition="out" filter="fade">
+                                      <p:cBhvr>
+                                        <p:cTn id="119" dur="500" tmFilter="0, 0; .2, .5; .8, .5; 1, 0"/>
+                                        <p:tgtEl>
+                                          <p:spTgt spid="22"/>
+                                        </p:tgtEl>
+                                      </p:cBhvr>
+                                    </p:animEffect>
+                                    <p:animScale>
+                                      <p:cBhvr>
+                                        <p:cTn id="120" dur="250" autoRev="1" fill="hold"/>
+                                        <p:tgtEl>
+                                          <p:spTgt spid="22"/>
+                                        </p:tgtEl>
+                                      </p:cBhvr>
+                                      <p:by x="105000" y="105000"/>
+                                    </p:animScale>
+                                  </p:childTnLst>
+                                </p:cTn>
+                              </p:par>
+                            </p:childTnLst>
+                          </p:cTn>
+                        </p:par>
+                        <p:par>
+                          <p:cTn id="121" fill="hold">
+                            <p:stCondLst>
+                              <p:cond delay="19800"/>
+                            </p:stCondLst>
+                            <p:childTnLst>
+                              <p:par>
+                                <p:cTn id="122" presetID="10" presetClass="entr" presetSubtype="0" fill="hold" grpId="0" nodeType="afterEffect">
+                                  <p:stCondLst>
+                                    <p:cond delay="0"/>
+                                  </p:stCondLst>
+                                  <p:iterate type="wd">
+                                    <p:tmPct val="10000"/>
+                                  </p:iterate>
+                                  <p:childTnLst>
+                                    <p:set>
+                                      <p:cBhvr>
+                                        <p:cTn id="123" dur="1" fill="hold">
+                                          <p:stCondLst>
+                                            <p:cond delay="0"/>
+                                          </p:stCondLst>
+                                        </p:cTn>
+                                        <p:tgtEl>
+                                          <p:spTgt spid="237"/>
+                                        </p:tgtEl>
+                                        <p:attrNameLst>
+                                          <p:attrName>style.visibility</p:attrName>
+                                        </p:attrNameLst>
+                                      </p:cBhvr>
+                                      <p:to>
+                                        <p:strVal val="visible"/>
+                                      </p:to>
+                                    </p:set>
+                                    <p:animEffect transition="in" filter="fade">
+                                      <p:cBhvr>
+                                        <p:cTn id="124" dur="500"/>
+                                        <p:tgtEl>
+                                          <p:spTgt spid="237"/>
+                                        </p:tgtEl>
+                                      </p:cBhvr>
+                                    </p:animEffect>
+                                  </p:childTnLst>
+                                </p:cTn>
+                              </p:par>
+                            </p:childTnLst>
+                          </p:cTn>
+                        </p:par>
+                        <p:par>
+                          <p:cTn id="125" fill="hold">
+                            <p:stCondLst>
+                              <p:cond delay="20400"/>
+                            </p:stCondLst>
+                            <p:childTnLst>
+                              <p:par>
+                                <p:cTn id="126" presetID="0" presetClass="path" presetSubtype="0" accel="50000" decel="50000" fill="hold" nodeType="afterEffect">
+                                  <p:stCondLst>
+                                    <p:cond delay="0"/>
+                                  </p:stCondLst>
+                                  <p:childTnLst>
+                                    <p:animMotion origin="layout" path="M -0.00026 0.02677 L -0.00026 0.02677 C -0.00052 0.03546 -0.00065 0.04432 -0.00104 0.05318 C -0.00221 0.07665 -0.00312 0.08273 -0.00534 0.10602 C -0.00482 0.13139 -0.00482 0.15676 -0.00365 0.18196 C -0.00338 0.18787 -0.00182 0.19343 -0.00104 0.19934 C 0.006 0.25548 -0.00743 0.16389 0.00587 0.24297 C 0.00717 0.25131 0.00769 0.26 0.00926 0.26834 C 0.01082 0.27651 0.01343 0.28433 0.01525 0.2925 C 0.01695 0.29962 0.01799 0.3071 0.01969 0.31439 C 0.02086 0.31978 0.02255 0.325 0.02399 0.33038 C 0.02972 0.3535 0.02816 0.35176 0.03598 0.37418 C 0.04119 0.38878 0.05162 0.41102 0.05762 0.42249 C 0.06518 0.43709 0.08134 0.46212 0.09046 0.47185 C 0.09959 0.48193 0.10832 0.49288 0.1181 0.50192 C 0.13009 0.51304 0.1323 0.51547 0.14651 0.52607 C 0.15107 0.52938 0.15577 0.53216 0.16033 0.53528 C 0.16619 0.54293 0.15942 0.53511 0.16645 0.5398 C 0.16997 0.54224 0.17297 0.54623 0.17675 0.5478 C 0.17766 0.54832 0.17858 0.54849 0.17936 0.54901 C 0.18027 0.54971 0.18092 0.55093 0.18196 0.55127 C 0.18848 0.55405 0.19513 0.55597 0.20178 0.55822 C 0.20491 0.55927 0.20816 0.56031 0.21129 0.5617 C 0.21572 0.56361 0.2242 0.56761 0.2285 0.56865 C 0.23749 0.57056 0.24649 0.57091 0.25535 0.57317 C 0.25678 0.57352 0.25822 0.57421 0.25965 0.57439 C 0.26682 0.57473 0.27399 0.57439 0.28129 0.57439 " pathEditMode="relative" ptsTypes="AAAAAAAAAAAAAAAAAAAAAAAAAAA">
+                                      <p:cBhvr>
+                                        <p:cTn id="127" dur="2000" fill="hold"/>
+                                        <p:tgtEl>
+                                          <p:spTgt spid="22"/>
+                                        </p:tgtEl>
+                                        <p:attrNameLst>
+                                          <p:attrName>ppt_x</p:attrName>
+                                          <p:attrName>ppt_y</p:attrName>
+                                        </p:attrNameLst>
+                                      </p:cBhvr>
+                                    </p:animMotion>
+                                  </p:childTnLst>
+                                </p:cTn>
+                              </p:par>
+                            </p:childTnLst>
+                          </p:cTn>
+                        </p:par>
+                      </p:childTnLst>
+                    </p:cTn>
+                  </p:par>
+                </p:childTnLst>
+              </p:cTn>
+              <p:prevCondLst>
+                <p:cond evt="onPrev" delay="0">
+                  <p:tgtEl>
+                    <p:sldTgt/>
+                  </p:tgtEl>
+                </p:cond>
+              </p:prevCondLst>
+              <p:nextCondLst>
+                <p:cond evt="onNext" delay="0">
+                  <p:tgtEl>
+                    <p:sldTgt/>
+                  </p:tgtEl>
+                </p:cond>
+              </p:nextCondLst>
+            </p:seq>
+          </p:childTnLst>
+        </p:cTn>
+      </p:par>
+    </p:tnLst>
+    <p:bldLst>
+      <p:bldP spid="206" grpId="0"/>
+      <p:bldP spid="207" grpId="0"/>
+      <p:bldP spid="208" grpId="0"/>
+      <p:bldP spid="209" grpId="0"/>
+      <p:bldP spid="210" grpId="0"/>
+      <p:bldP spid="211" grpId="0"/>
+      <p:bldP spid="212" grpId="0"/>
+      <p:bldP spid="213" grpId="0"/>
+      <p:bldP spid="217" grpId="0"/>
+      <p:bldP spid="218" grpId="0"/>
+      <p:bldP spid="218" grpId="1"/>
+      <p:bldP spid="219" grpId="0"/>
+      <p:bldP spid="220" grpId="0"/>
+      <p:bldP spid="221" grpId="0"/>
+      <p:bldP spid="222" grpId="0"/>
+      <p:bldP spid="223" grpId="0"/>
+      <p:bldP spid="224" grpId="0"/>
+      <p:bldP spid="237" grpId="0"/>
+    </p:bldLst>
+  </p:timing>
+</p:sld>
+</file>
+
 <file path=ppt/slides/slide2.xml><?xml version="1.0" encoding="utf-8"?>
 <p:sld xmlns:a="http://schemas.openxmlformats.org/drawingml/2006/main" xmlns:r="http://schemas.openxmlformats.org/officeDocument/2006/relationships" xmlns:p="http://schemas.openxmlformats.org/presentationml/2006/main">
   <p:cSld>
